--- a/Markus/Poster_Presentation_MarkusJust.pptx
+++ b/Markus/Poster_Presentation_MarkusJust.pptx
@@ -106,16 +106,27 @@
   </p:defaultTextStyle>
   <p:extLst>
     <p:ext uri="{EFAFB233-063F-42B5-8137-9DF3F51BA10A}">
-      <p15:sldGuideLst xmlns="" xmlns:p15="http://schemas.microsoft.com/office/powerpoint/2012/main"/>
+      <p15:sldGuideLst xmlns:p15="http://schemas.microsoft.com/office/powerpoint/2012/main">
+        <p15:guide id="1" orient="horz" pos="6735">
+          <p15:clr>
+            <a:srgbClr val="A4A3A4"/>
+          </p15:clr>
+        </p15:guide>
+        <p15:guide id="2" pos="4762">
+          <p15:clr>
+            <a:srgbClr val="A4A3A4"/>
+          </p15:clr>
+        </p15:guide>
+      </p15:sldGuideLst>
     </p:ext>
   </p:extLst>
 </p:presentation>
 </file>
 
 <file path=ppt/charts/chart1.xml><?xml version="1.0" encoding="utf-8"?>
-<c:chartSpace xmlns:c="http://schemas.openxmlformats.org/drawingml/2006/chart" xmlns:a="http://schemas.openxmlformats.org/drawingml/2006/main" xmlns:r="http://schemas.openxmlformats.org/officeDocument/2006/relationships">
+<c:chartSpace xmlns:c="http://schemas.openxmlformats.org/drawingml/2006/chart" xmlns:a="http://schemas.openxmlformats.org/drawingml/2006/main" xmlns:r="http://schemas.openxmlformats.org/officeDocument/2006/relationships" xmlns:c16r2="http://schemas.microsoft.com/office/drawing/2015/06/chart">
   <c:date1904 val="0"/>
-  <c:lang val="en-GB"/>
+  <c:lang val="de-DE"/>
   <c:roundedCorners val="0"/>
   <mc:AlternateContent xmlns:mc="http://schemas.openxmlformats.org/markup-compatibility/2006">
     <mc:Choice xmlns:c14="http://schemas.microsoft.com/office/drawing/2007/8/2/chart" Requires="c14">
@@ -146,11 +157,11 @@
               </a:defRPr>
             </a:pPr>
             <a:r>
-              <a:rPr lang="de-DE" sz="1600" dirty="0" smtClean="0"/>
+              <a:rPr lang="de-DE" sz="1600" dirty="0"/>
               <a:t>Plant </a:t>
             </a:r>
             <a:r>
-              <a:rPr lang="de-DE" sz="1600" dirty="0" err="1" smtClean="0"/>
+              <a:rPr lang="de-DE" sz="1600" dirty="0" err="1"/>
               <a:t>Statistics</a:t>
             </a:r>
             <a:endParaRPr lang="de-DE" sz="1600" dirty="0"/>
@@ -173,6 +184,26 @@
         </a:ln>
         <a:effectLst/>
       </c:spPr>
+      <c:txPr>
+        <a:bodyPr rot="0" spcFirstLastPara="1" vertOverflow="ellipsis" vert="horz" wrap="square" anchor="ctr" anchorCtr="1"/>
+        <a:lstStyle/>
+        <a:p>
+          <a:pPr>
+            <a:defRPr sz="1600" b="0" i="0" u="none" strike="noStrike" kern="1200" spc="0" baseline="0">
+              <a:solidFill>
+                <a:schemeClr val="tx1">
+                  <a:lumMod val="65000"/>
+                  <a:lumOff val="35000"/>
+                </a:schemeClr>
+              </a:solidFill>
+              <a:latin typeface="+mn-lt"/>
+              <a:ea typeface="+mn-ea"/>
+              <a:cs typeface="+mn-cs"/>
+            </a:defRPr>
+          </a:pPr>
+          <a:endParaRPr lang="de-DE"/>
+        </a:p>
+      </c:txPr>
     </c:title>
     <c:autoTitleDeleted val="0"/>
     <c:plotArea>
@@ -240,6 +271,11 @@
               </c:numCache>
             </c:numRef>
           </c:val>
+          <c:extLst>
+            <c:ext xmlns:c16="http://schemas.microsoft.com/office/drawing/2014/chart" uri="{C3380CC4-5D6E-409C-BE32-E72D297353CC}">
+              <c16:uniqueId val="{00000000-882E-4569-A6CB-A1D237E1997C}"/>
+            </c:ext>
+          </c:extLst>
         </c:ser>
         <c:ser>
           <c:idx val="1"/>
@@ -300,6 +336,11 @@
               </c:numCache>
             </c:numRef>
           </c:val>
+          <c:extLst>
+            <c:ext xmlns:c16="http://schemas.microsoft.com/office/drawing/2014/chart" uri="{C3380CC4-5D6E-409C-BE32-E72D297353CC}">
+              <c16:uniqueId val="{00000001-882E-4569-A6CB-A1D237E1997C}"/>
+            </c:ext>
+          </c:extLst>
         </c:ser>
         <c:ser>
           <c:idx val="2"/>
@@ -360,6 +401,11 @@
               </c:numCache>
             </c:numRef>
           </c:val>
+          <c:extLst>
+            <c:ext xmlns:c16="http://schemas.microsoft.com/office/drawing/2014/chart" uri="{C3380CC4-5D6E-409C-BE32-E72D297353CC}">
+              <c16:uniqueId val="{00000002-882E-4569-A6CB-A1D237E1997C}"/>
+            </c:ext>
+          </c:extLst>
         </c:ser>
         <c:dLbls>
           <c:showLegendKey val="0"/>
@@ -415,7 +461,7 @@
                 <a:cs typeface="+mn-cs"/>
               </a:defRPr>
             </a:pPr>
-            <a:endParaRPr lang="en-US"/>
+            <a:endParaRPr lang="de-DE"/>
           </a:p>
         </c:txPr>
         <c:crossAx val="161317248"/>
@@ -474,7 +520,7 @@
                 <a:cs typeface="+mn-cs"/>
               </a:defRPr>
             </a:pPr>
-            <a:endParaRPr lang="en-US"/>
+            <a:endParaRPr lang="de-DE"/>
           </a:p>
         </c:txPr>
         <c:crossAx val="161294976"/>
@@ -491,7 +537,6 @@
     </c:plotArea>
     <c:legend>
       <c:legendPos val="b"/>
-      <c:layout/>
       <c:overlay val="0"/>
       <c:spPr>
         <a:noFill/>
@@ -517,7 +562,7 @@
               <a:cs typeface="+mn-cs"/>
             </a:defRPr>
           </a:pPr>
-          <a:endParaRPr lang="en-US"/>
+          <a:endParaRPr lang="de-DE"/>
         </a:p>
       </c:txPr>
     </c:legend>
@@ -539,19 +584,19 @@
       <a:pPr>
         <a:defRPr/>
       </a:pPr>
-      <a:endParaRPr lang="en-US"/>
+      <a:endParaRPr lang="de-DE"/>
     </a:p>
   </c:txPr>
-  <c:externalData r:id="rId1">
+  <c:externalData r:id="rId3">
     <c:autoUpdate val="0"/>
   </c:externalData>
 </c:chartSpace>
 </file>
 
 <file path=ppt/charts/chart2.xml><?xml version="1.0" encoding="utf-8"?>
-<c:chartSpace xmlns:c="http://schemas.openxmlformats.org/drawingml/2006/chart" xmlns:a="http://schemas.openxmlformats.org/drawingml/2006/main" xmlns:r="http://schemas.openxmlformats.org/officeDocument/2006/relationships">
+<c:chartSpace xmlns:c="http://schemas.openxmlformats.org/drawingml/2006/chart" xmlns:a="http://schemas.openxmlformats.org/drawingml/2006/main" xmlns:r="http://schemas.openxmlformats.org/officeDocument/2006/relationships" xmlns:c16r2="http://schemas.microsoft.com/office/drawing/2015/06/chart">
   <c:date1904 val="0"/>
-  <c:lang val="en-GB"/>
+  <c:lang val="de-DE"/>
   <c:roundedCorners val="0"/>
   <mc:AlternateContent xmlns:mc="http://schemas.openxmlformats.org/markup-compatibility/2006">
     <mc:Choice xmlns:c14="http://schemas.microsoft.com/office/drawing/2007/8/2/chart" Requires="c14">
@@ -582,11 +627,11 @@
               </a:defRPr>
             </a:pPr>
             <a:r>
-              <a:rPr lang="de-DE" sz="1600" dirty="0" smtClean="0"/>
+              <a:rPr lang="de-DE" sz="1600" dirty="0"/>
               <a:t>Plant </a:t>
             </a:r>
             <a:r>
-              <a:rPr lang="de-DE" sz="1600" dirty="0" err="1" smtClean="0"/>
+              <a:rPr lang="de-DE" sz="1600" dirty="0" err="1"/>
               <a:t>productivity</a:t>
             </a:r>
             <a:endParaRPr lang="de-DE" sz="1600" dirty="0"/>
@@ -609,6 +654,26 @@
         </a:ln>
         <a:effectLst/>
       </c:spPr>
+      <c:txPr>
+        <a:bodyPr rot="0" spcFirstLastPara="1" vertOverflow="ellipsis" vert="horz" wrap="square" anchor="ctr" anchorCtr="1"/>
+        <a:lstStyle/>
+        <a:p>
+          <a:pPr>
+            <a:defRPr sz="1600" b="0" i="0" u="none" strike="noStrike" kern="1200" spc="0" baseline="0">
+              <a:solidFill>
+                <a:schemeClr val="tx1">
+                  <a:lumMod val="65000"/>
+                  <a:lumOff val="35000"/>
+                </a:schemeClr>
+              </a:solidFill>
+              <a:latin typeface="+mn-lt"/>
+              <a:ea typeface="+mn-ea"/>
+              <a:cs typeface="+mn-cs"/>
+            </a:defRPr>
+          </a:pPr>
+          <a:endParaRPr lang="de-DE"/>
+        </a:p>
+      </c:txPr>
     </c:title>
     <c:autoTitleDeleted val="0"/>
     <c:plotArea>
@@ -690,6 +755,11 @@
             </c:numRef>
           </c:val>
           <c:smooth val="0"/>
+          <c:extLst>
+            <c:ext xmlns:c16="http://schemas.microsoft.com/office/drawing/2014/chart" uri="{C3380CC4-5D6E-409C-BE32-E72D297353CC}">
+              <c16:uniqueId val="{00000000-3C8E-49EC-B839-CA091E84B15E}"/>
+            </c:ext>
+          </c:extLst>
         </c:ser>
         <c:ser>
           <c:idx val="1"/>
@@ -765,6 +835,11 @@
             </c:numRef>
           </c:val>
           <c:smooth val="0"/>
+          <c:extLst>
+            <c:ext xmlns:c16="http://schemas.microsoft.com/office/drawing/2014/chart" uri="{C3380CC4-5D6E-409C-BE32-E72D297353CC}">
+              <c16:uniqueId val="{00000001-3C8E-49EC-B839-CA091E84B15E}"/>
+            </c:ext>
+          </c:extLst>
         </c:ser>
         <c:ser>
           <c:idx val="2"/>
@@ -840,6 +915,11 @@
             </c:numRef>
           </c:val>
           <c:smooth val="0"/>
+          <c:extLst>
+            <c:ext xmlns:c16="http://schemas.microsoft.com/office/drawing/2014/chart" uri="{C3380CC4-5D6E-409C-BE32-E72D297353CC}">
+              <c16:uniqueId val="{00000002-3C8E-49EC-B839-CA091E84B15E}"/>
+            </c:ext>
+          </c:extLst>
         </c:ser>
         <c:dLbls>
           <c:showLegendKey val="0"/>
@@ -895,7 +975,7 @@
                 <a:cs typeface="+mn-cs"/>
               </a:defRPr>
             </a:pPr>
-            <a:endParaRPr lang="en-US"/>
+            <a:endParaRPr lang="de-DE"/>
           </a:p>
         </c:txPr>
         <c:crossAx val="161345536"/>
@@ -954,7 +1034,7 @@
                 <a:cs typeface="+mn-cs"/>
               </a:defRPr>
             </a:pPr>
-            <a:endParaRPr lang="en-US"/>
+            <a:endParaRPr lang="de-DE"/>
           </a:p>
         </c:txPr>
         <c:crossAx val="161348608"/>
@@ -971,7 +1051,6 @@
     </c:plotArea>
     <c:legend>
       <c:legendPos val="b"/>
-      <c:layout/>
       <c:overlay val="0"/>
       <c:spPr>
         <a:noFill/>
@@ -997,7 +1076,7 @@
               <a:cs typeface="+mn-cs"/>
             </a:defRPr>
           </a:pPr>
-          <a:endParaRPr lang="en-US"/>
+          <a:endParaRPr lang="de-DE"/>
         </a:p>
       </c:txPr>
     </c:legend>
@@ -1019,19 +1098,19 @@
       <a:pPr>
         <a:defRPr/>
       </a:pPr>
-      <a:endParaRPr lang="en-US"/>
+      <a:endParaRPr lang="de-DE"/>
     </a:p>
   </c:txPr>
-  <c:externalData r:id="rId1">
+  <c:externalData r:id="rId3">
     <c:autoUpdate val="0"/>
   </c:externalData>
 </c:chartSpace>
 </file>
 
 <file path=ppt/charts/chart3.xml><?xml version="1.0" encoding="utf-8"?>
-<c:chartSpace xmlns:c="http://schemas.openxmlformats.org/drawingml/2006/chart" xmlns:a="http://schemas.openxmlformats.org/drawingml/2006/main" xmlns:r="http://schemas.openxmlformats.org/officeDocument/2006/relationships">
+<c:chartSpace xmlns:c="http://schemas.openxmlformats.org/drawingml/2006/chart" xmlns:a="http://schemas.openxmlformats.org/drawingml/2006/main" xmlns:r="http://schemas.openxmlformats.org/officeDocument/2006/relationships" xmlns:c16r2="http://schemas.microsoft.com/office/drawing/2015/06/chart">
   <c:date1904 val="0"/>
-  <c:lang val="en-GB"/>
+  <c:lang val="de-DE"/>
   <c:roundedCorners val="0"/>
   <mc:AlternateContent xmlns:mc="http://schemas.openxmlformats.org/markup-compatibility/2006">
     <mc:Choice xmlns:c14="http://schemas.microsoft.com/office/drawing/2007/8/2/chart" Requires="c14">
@@ -1052,32 +1131,28 @@
               <a:defRPr/>
             </a:pPr>
             <a:r>
-              <a:rPr lang="de-DE" dirty="0" err="1" smtClean="0"/>
+              <a:rPr lang="de-DE" dirty="0" err="1"/>
               <a:t>Cost</a:t>
             </a:r>
             <a:r>
-              <a:rPr lang="de-DE" dirty="0" smtClean="0"/>
+              <a:rPr lang="de-DE" dirty="0"/>
               <a:t> per </a:t>
             </a:r>
             <a:r>
-              <a:rPr lang="de-DE" dirty="0" err="1" smtClean="0"/>
+              <a:rPr lang="de-DE" dirty="0" err="1"/>
               <a:t>liter</a:t>
             </a:r>
             <a:r>
-              <a:rPr lang="de-DE" dirty="0" smtClean="0"/>
+              <a:rPr lang="de-DE" dirty="0"/>
               <a:t> </a:t>
             </a:r>
             <a:r>
-              <a:rPr lang="de-DE" dirty="0" err="1" smtClean="0"/>
+              <a:rPr lang="de-DE" dirty="0" err="1"/>
               <a:t>distribution</a:t>
             </a:r>
             <a:r>
-              <a:rPr lang="de-DE" dirty="0" smtClean="0"/>
-              <a:t> </a:t>
-            </a:r>
-            <a:r>
               <a:rPr lang="de-DE" dirty="0"/>
-              <a:t>last 24 </a:t>
+              <a:t> last 24 </a:t>
             </a:r>
             <a:r>
               <a:rPr lang="de-DE" dirty="0" err="1"/>
@@ -1124,6 +1199,11 @@
                 <a:srgbClr val="92D050"/>
               </a:solidFill>
             </c:spPr>
+            <c:extLst>
+              <c:ext xmlns:c16="http://schemas.microsoft.com/office/drawing/2014/chart" uri="{C3380CC4-5D6E-409C-BE32-E72D297353CC}">
+                <c16:uniqueId val="{00000001-BE57-4CEB-A639-E3EA72C6690E}"/>
+              </c:ext>
+            </c:extLst>
           </c:dPt>
           <c:dPt>
             <c:idx val="1"/>
@@ -1133,6 +1213,11 @@
                 <a:srgbClr val="FFFF00"/>
               </a:solidFill>
             </c:spPr>
+            <c:extLst>
+              <c:ext xmlns:c16="http://schemas.microsoft.com/office/drawing/2014/chart" uri="{C3380CC4-5D6E-409C-BE32-E72D297353CC}">
+                <c16:uniqueId val="{00000003-BE57-4CEB-A639-E3EA72C6690E}"/>
+              </c:ext>
+            </c:extLst>
           </c:dPt>
           <c:dPt>
             <c:idx val="2"/>
@@ -1142,6 +1227,11 @@
                 <a:srgbClr val="C00000"/>
               </a:solidFill>
             </c:spPr>
+            <c:extLst>
+              <c:ext xmlns:c16="http://schemas.microsoft.com/office/drawing/2014/chart" uri="{C3380CC4-5D6E-409C-BE32-E72D297353CC}">
+                <c16:uniqueId val="{00000005-BE57-4CEB-A639-E3EA72C6690E}"/>
+              </c:ext>
+            </c:extLst>
           </c:dPt>
           <c:cat>
             <c:strRef>
@@ -1178,6 +1268,11 @@
               </c:numCache>
             </c:numRef>
           </c:val>
+          <c:extLst>
+            <c:ext xmlns:c16="http://schemas.microsoft.com/office/drawing/2014/chart" uri="{C3380CC4-5D6E-409C-BE32-E72D297353CC}">
+              <c16:uniqueId val="{00000006-BE57-4CEB-A639-E3EA72C6690E}"/>
+            </c:ext>
+          </c:extLst>
         </c:ser>
         <c:ser>
           <c:idx val="1"/>
@@ -1228,6 +1323,11 @@
               </c:numCache>
             </c:numRef>
           </c:val>
+          <c:extLst>
+            <c:ext xmlns:c16="http://schemas.microsoft.com/office/drawing/2014/chart" uri="{C3380CC4-5D6E-409C-BE32-E72D297353CC}">
+              <c16:uniqueId val="{00000007-BE57-4CEB-A639-E3EA72C6690E}"/>
+            </c:ext>
+          </c:extLst>
         </c:ser>
         <c:ser>
           <c:idx val="2"/>
@@ -1278,6 +1378,11 @@
               </c:numCache>
             </c:numRef>
           </c:val>
+          <c:extLst>
+            <c:ext xmlns:c16="http://schemas.microsoft.com/office/drawing/2014/chart" uri="{C3380CC4-5D6E-409C-BE32-E72D297353CC}">
+              <c16:uniqueId val="{00000008-BE57-4CEB-A639-E3EA72C6690E}"/>
+            </c:ext>
+          </c:extLst>
         </c:ser>
         <c:dLbls>
           <c:showLegendKey val="0"/>
@@ -1293,7 +1398,6 @@
     </c:plotArea>
     <c:legend>
       <c:legendPos val="b"/>
-      <c:layout/>
       <c:overlay val="0"/>
       <c:txPr>
         <a:bodyPr rot="0" vert="horz"/>
@@ -1302,7 +1406,7 @@
           <a:pPr>
             <a:defRPr/>
           </a:pPr>
-          <a:endParaRPr lang="en-US"/>
+          <a:endParaRPr lang="de-DE"/>
         </a:p>
       </c:txPr>
     </c:legend>
@@ -1317,7 +1421,7 @@
       <a:pPr>
         <a:defRPr sz="1800"/>
       </a:pPr>
-      <a:endParaRPr lang="en-US"/>
+      <a:endParaRPr lang="de-DE"/>
     </a:p>
   </c:txPr>
   <c:externalData r:id="rId1">
@@ -6147,6 +6251,875 @@
 </dgm:colorsDef>
 </file>
 
+<file path=ppt/diagrams/colors6.xml><?xml version="1.0" encoding="utf-8"?>
+<dgm:colorsDef xmlns:dgm="http://schemas.openxmlformats.org/drawingml/2006/diagram" xmlns:a="http://schemas.openxmlformats.org/drawingml/2006/main" uniqueId="urn:microsoft.com/office/officeart/2005/8/colors/accent2_4">
+  <dgm:title val=""/>
+  <dgm:desc val=""/>
+  <dgm:catLst>
+    <dgm:cat type="accent2" pri="11400"/>
+  </dgm:catLst>
+  <dgm:styleLbl name="node0">
+    <dgm:fillClrLst meth="cycle">
+      <a:schemeClr val="accent2">
+        <a:shade val="60000"/>
+      </a:schemeClr>
+    </dgm:fillClrLst>
+    <dgm:linClrLst meth="repeat">
+      <a:schemeClr val="lt1"/>
+    </dgm:linClrLst>
+    <dgm:effectClrLst/>
+    <dgm:txLinClrLst/>
+    <dgm:txFillClrLst/>
+    <dgm:txEffectClrLst/>
+  </dgm:styleLbl>
+  <dgm:styleLbl name="node1">
+    <dgm:fillClrLst meth="cycle">
+      <a:schemeClr val="accent2">
+        <a:shade val="50000"/>
+      </a:schemeClr>
+      <a:schemeClr val="accent2">
+        <a:tint val="45000"/>
+      </a:schemeClr>
+    </dgm:fillClrLst>
+    <dgm:linClrLst meth="repeat">
+      <a:schemeClr val="lt1"/>
+    </dgm:linClrLst>
+    <dgm:effectClrLst/>
+    <dgm:txLinClrLst/>
+    <dgm:txFillClrLst/>
+    <dgm:txEffectClrLst/>
+  </dgm:styleLbl>
+  <dgm:styleLbl name="alignNode1">
+    <dgm:fillClrLst meth="cycle">
+      <a:schemeClr val="accent2">
+        <a:shade val="50000"/>
+      </a:schemeClr>
+      <a:schemeClr val="accent2">
+        <a:tint val="45000"/>
+      </a:schemeClr>
+    </dgm:fillClrLst>
+    <dgm:linClrLst meth="cycle">
+      <a:schemeClr val="accent2">
+        <a:shade val="50000"/>
+      </a:schemeClr>
+      <a:schemeClr val="accent2">
+        <a:tint val="45000"/>
+      </a:schemeClr>
+    </dgm:linClrLst>
+    <dgm:effectClrLst/>
+    <dgm:txLinClrLst/>
+    <dgm:txFillClrLst/>
+    <dgm:txEffectClrLst/>
+  </dgm:styleLbl>
+  <dgm:styleLbl name="lnNode1">
+    <dgm:fillClrLst meth="cycle">
+      <a:schemeClr val="accent2">
+        <a:shade val="50000"/>
+      </a:schemeClr>
+      <a:schemeClr val="accent2">
+        <a:tint val="45000"/>
+      </a:schemeClr>
+    </dgm:fillClrLst>
+    <dgm:linClrLst meth="repeat">
+      <a:schemeClr val="lt1"/>
+    </dgm:linClrLst>
+    <dgm:effectClrLst/>
+    <dgm:txLinClrLst/>
+    <dgm:txFillClrLst/>
+    <dgm:txEffectClrLst/>
+  </dgm:styleLbl>
+  <dgm:styleLbl name="vennNode1">
+    <dgm:fillClrLst meth="cycle">
+      <a:schemeClr val="accent2">
+        <a:shade val="80000"/>
+        <a:alpha val="50000"/>
+      </a:schemeClr>
+      <a:schemeClr val="accent2">
+        <a:tint val="45000"/>
+        <a:alpha val="50000"/>
+      </a:schemeClr>
+    </dgm:fillClrLst>
+    <dgm:linClrLst meth="repeat">
+      <a:schemeClr val="lt1"/>
+    </dgm:linClrLst>
+    <dgm:effectClrLst/>
+    <dgm:txLinClrLst/>
+    <dgm:txFillClrLst/>
+    <dgm:txEffectClrLst/>
+  </dgm:styleLbl>
+  <dgm:styleLbl name="node2">
+    <dgm:fillClrLst>
+      <a:schemeClr val="accent2">
+        <a:shade val="80000"/>
+      </a:schemeClr>
+    </dgm:fillClrLst>
+    <dgm:linClrLst meth="repeat">
+      <a:schemeClr val="lt1"/>
+    </dgm:linClrLst>
+    <dgm:effectClrLst/>
+    <dgm:txLinClrLst/>
+    <dgm:txFillClrLst/>
+    <dgm:txEffectClrLst/>
+  </dgm:styleLbl>
+  <dgm:styleLbl name="node3">
+    <dgm:fillClrLst>
+      <a:schemeClr val="accent2">
+        <a:tint val="99000"/>
+      </a:schemeClr>
+    </dgm:fillClrLst>
+    <dgm:linClrLst meth="repeat">
+      <a:schemeClr val="lt1"/>
+    </dgm:linClrLst>
+    <dgm:effectClrLst/>
+    <dgm:txLinClrLst/>
+    <dgm:txFillClrLst/>
+    <dgm:txEffectClrLst/>
+  </dgm:styleLbl>
+  <dgm:styleLbl name="node4">
+    <dgm:fillClrLst>
+      <a:schemeClr val="accent2">
+        <a:tint val="70000"/>
+      </a:schemeClr>
+    </dgm:fillClrLst>
+    <dgm:linClrLst meth="repeat">
+      <a:schemeClr val="lt1"/>
+    </dgm:linClrLst>
+    <dgm:effectClrLst/>
+    <dgm:txLinClrLst/>
+    <dgm:txFillClrLst/>
+    <dgm:txEffectClrLst/>
+  </dgm:styleLbl>
+  <dgm:styleLbl name="fgImgPlace1">
+    <dgm:fillClrLst>
+      <a:schemeClr val="accent2">
+        <a:tint val="50000"/>
+      </a:schemeClr>
+      <a:schemeClr val="accent2">
+        <a:tint val="55000"/>
+      </a:schemeClr>
+    </dgm:fillClrLst>
+    <dgm:linClrLst meth="repeat">
+      <a:schemeClr val="lt1"/>
+    </dgm:linClrLst>
+    <dgm:effectClrLst/>
+    <dgm:txLinClrLst/>
+    <dgm:txFillClrLst meth="repeat">
+      <a:schemeClr val="lt1"/>
+    </dgm:txFillClrLst>
+    <dgm:txEffectClrLst/>
+  </dgm:styleLbl>
+  <dgm:styleLbl name="alignImgPlace1">
+    <dgm:fillClrLst>
+      <a:schemeClr val="accent2">
+        <a:tint val="50000"/>
+      </a:schemeClr>
+      <a:schemeClr val="accent2">
+        <a:tint val="55000"/>
+      </a:schemeClr>
+    </dgm:fillClrLst>
+    <dgm:linClrLst meth="repeat">
+      <a:schemeClr val="lt1"/>
+    </dgm:linClrLst>
+    <dgm:effectClrLst/>
+    <dgm:txLinClrLst/>
+    <dgm:txFillClrLst meth="repeat">
+      <a:schemeClr val="lt1"/>
+    </dgm:txFillClrLst>
+    <dgm:txEffectClrLst/>
+  </dgm:styleLbl>
+  <dgm:styleLbl name="bgImgPlace1">
+    <dgm:fillClrLst>
+      <a:schemeClr val="accent2">
+        <a:tint val="50000"/>
+      </a:schemeClr>
+      <a:schemeClr val="accent2">
+        <a:tint val="55000"/>
+      </a:schemeClr>
+    </dgm:fillClrLst>
+    <dgm:linClrLst meth="repeat">
+      <a:schemeClr val="lt1"/>
+    </dgm:linClrLst>
+    <dgm:effectClrLst/>
+    <dgm:txLinClrLst/>
+    <dgm:txFillClrLst meth="repeat">
+      <a:schemeClr val="lt1"/>
+    </dgm:txFillClrLst>
+    <dgm:txEffectClrLst/>
+  </dgm:styleLbl>
+  <dgm:styleLbl name="sibTrans2D1">
+    <dgm:fillClrLst meth="cycle">
+      <a:schemeClr val="accent2">
+        <a:shade val="90000"/>
+      </a:schemeClr>
+      <a:schemeClr val="accent2">
+        <a:tint val="50000"/>
+      </a:schemeClr>
+    </dgm:fillClrLst>
+    <dgm:linClrLst meth="cycle">
+      <a:schemeClr val="accent2">
+        <a:shade val="90000"/>
+      </a:schemeClr>
+      <a:schemeClr val="accent2">
+        <a:tint val="50000"/>
+      </a:schemeClr>
+    </dgm:linClrLst>
+    <dgm:effectClrLst/>
+    <dgm:txLinClrLst/>
+    <dgm:txFillClrLst/>
+    <dgm:txEffectClrLst/>
+  </dgm:styleLbl>
+  <dgm:styleLbl name="fgSibTrans2D1">
+    <dgm:fillClrLst meth="cycle">
+      <a:schemeClr val="accent2">
+        <a:shade val="90000"/>
+      </a:schemeClr>
+      <a:schemeClr val="accent2">
+        <a:tint val="50000"/>
+      </a:schemeClr>
+    </dgm:fillClrLst>
+    <dgm:linClrLst meth="cycle">
+      <a:schemeClr val="accent2">
+        <a:shade val="90000"/>
+      </a:schemeClr>
+      <a:schemeClr val="accent2">
+        <a:tint val="50000"/>
+      </a:schemeClr>
+    </dgm:linClrLst>
+    <dgm:effectClrLst/>
+    <dgm:txLinClrLst/>
+    <dgm:txFillClrLst/>
+    <dgm:txEffectClrLst/>
+  </dgm:styleLbl>
+  <dgm:styleLbl name="bgSibTrans2D1">
+    <dgm:fillClrLst meth="cycle">
+      <a:schemeClr val="accent2">
+        <a:shade val="90000"/>
+      </a:schemeClr>
+      <a:schemeClr val="accent2">
+        <a:tint val="50000"/>
+      </a:schemeClr>
+    </dgm:fillClrLst>
+    <dgm:linClrLst meth="cycle">
+      <a:schemeClr val="accent2">
+        <a:shade val="90000"/>
+      </a:schemeClr>
+      <a:schemeClr val="accent2">
+        <a:tint val="50000"/>
+      </a:schemeClr>
+    </dgm:linClrLst>
+    <dgm:effectClrLst/>
+    <dgm:txLinClrLst/>
+    <dgm:txFillClrLst/>
+    <dgm:txEffectClrLst/>
+  </dgm:styleLbl>
+  <dgm:styleLbl name="sibTrans1D1">
+    <dgm:fillClrLst meth="cycle">
+      <a:schemeClr val="accent2">
+        <a:shade val="90000"/>
+      </a:schemeClr>
+      <a:schemeClr val="accent2">
+        <a:tint val="50000"/>
+      </a:schemeClr>
+    </dgm:fillClrLst>
+    <dgm:linClrLst meth="cycle">
+      <a:schemeClr val="accent2">
+        <a:shade val="90000"/>
+      </a:schemeClr>
+      <a:schemeClr val="accent2">
+        <a:tint val="50000"/>
+      </a:schemeClr>
+    </dgm:linClrLst>
+    <dgm:effectClrLst/>
+    <dgm:txLinClrLst/>
+    <dgm:txFillClrLst meth="repeat">
+      <a:schemeClr val="tx1"/>
+    </dgm:txFillClrLst>
+    <dgm:txEffectClrLst/>
+  </dgm:styleLbl>
+  <dgm:styleLbl name="callout">
+    <dgm:fillClrLst meth="repeat">
+      <a:schemeClr val="accent2"/>
+    </dgm:fillClrLst>
+    <dgm:linClrLst meth="repeat">
+      <a:schemeClr val="accent2"/>
+    </dgm:linClrLst>
+    <dgm:effectClrLst/>
+    <dgm:txLinClrLst/>
+    <dgm:txFillClrLst meth="repeat">
+      <a:schemeClr val="tx1"/>
+    </dgm:txFillClrLst>
+    <dgm:txEffectClrLst/>
+  </dgm:styleLbl>
+  <dgm:styleLbl name="asst0">
+    <dgm:fillClrLst meth="repeat">
+      <a:schemeClr val="accent2">
+        <a:shade val="80000"/>
+      </a:schemeClr>
+    </dgm:fillClrLst>
+    <dgm:linClrLst meth="repeat">
+      <a:schemeClr val="lt1"/>
+    </dgm:linClrLst>
+    <dgm:effectClrLst/>
+    <dgm:txLinClrLst/>
+    <dgm:txFillClrLst/>
+    <dgm:txEffectClrLst/>
+  </dgm:styleLbl>
+  <dgm:styleLbl name="asst1">
+    <dgm:fillClrLst meth="repeat">
+      <a:schemeClr val="accent2">
+        <a:shade val="80000"/>
+      </a:schemeClr>
+    </dgm:fillClrLst>
+    <dgm:linClrLst meth="repeat">
+      <a:schemeClr val="lt1"/>
+    </dgm:linClrLst>
+    <dgm:effectClrLst/>
+    <dgm:txLinClrLst/>
+    <dgm:txFillClrLst/>
+    <dgm:txEffectClrLst/>
+  </dgm:styleLbl>
+  <dgm:styleLbl name="asst2">
+    <dgm:fillClrLst>
+      <a:schemeClr val="accent2">
+        <a:tint val="90000"/>
+      </a:schemeClr>
+    </dgm:fillClrLst>
+    <dgm:linClrLst meth="repeat">
+      <a:schemeClr val="lt1"/>
+    </dgm:linClrLst>
+    <dgm:effectClrLst/>
+    <dgm:txLinClrLst/>
+    <dgm:txFillClrLst/>
+    <dgm:txEffectClrLst/>
+  </dgm:styleLbl>
+  <dgm:styleLbl name="asst3">
+    <dgm:fillClrLst>
+      <a:schemeClr val="accent2">
+        <a:tint val="70000"/>
+      </a:schemeClr>
+    </dgm:fillClrLst>
+    <dgm:linClrLst meth="repeat">
+      <a:schemeClr val="lt1"/>
+    </dgm:linClrLst>
+    <dgm:effectClrLst/>
+    <dgm:txLinClrLst/>
+    <dgm:txFillClrLst/>
+    <dgm:txEffectClrLst/>
+  </dgm:styleLbl>
+  <dgm:styleLbl name="asst4">
+    <dgm:fillClrLst>
+      <a:schemeClr val="accent2">
+        <a:tint val="50000"/>
+      </a:schemeClr>
+    </dgm:fillClrLst>
+    <dgm:linClrLst meth="repeat">
+      <a:schemeClr val="lt1"/>
+    </dgm:linClrLst>
+    <dgm:effectClrLst/>
+    <dgm:txLinClrLst/>
+    <dgm:txFillClrLst/>
+    <dgm:txEffectClrLst/>
+  </dgm:styleLbl>
+  <dgm:styleLbl name="parChTrans2D1">
+    <dgm:fillClrLst meth="repeat">
+      <a:schemeClr val="accent2">
+        <a:tint val="60000"/>
+      </a:schemeClr>
+    </dgm:fillClrLst>
+    <dgm:linClrLst meth="repeat">
+      <a:schemeClr val="accent2">
+        <a:shade val="80000"/>
+      </a:schemeClr>
+    </dgm:linClrLst>
+    <dgm:effectClrLst/>
+    <dgm:txLinClrLst/>
+    <dgm:txFillClrLst/>
+    <dgm:txEffectClrLst/>
+  </dgm:styleLbl>
+  <dgm:styleLbl name="parChTrans2D2">
+    <dgm:fillClrLst meth="repeat">
+      <a:schemeClr val="accent2">
+        <a:tint val="90000"/>
+      </a:schemeClr>
+    </dgm:fillClrLst>
+    <dgm:linClrLst meth="repeat">
+      <a:schemeClr val="accent2">
+        <a:tint val="90000"/>
+      </a:schemeClr>
+    </dgm:linClrLst>
+    <dgm:effectClrLst/>
+    <dgm:txLinClrLst/>
+    <dgm:txFillClrLst/>
+    <dgm:txEffectClrLst/>
+  </dgm:styleLbl>
+  <dgm:styleLbl name="parChTrans2D3">
+    <dgm:fillClrLst meth="repeat">
+      <a:schemeClr val="accent2">
+        <a:tint val="70000"/>
+      </a:schemeClr>
+    </dgm:fillClrLst>
+    <dgm:linClrLst meth="repeat">
+      <a:schemeClr val="accent2">
+        <a:tint val="70000"/>
+      </a:schemeClr>
+    </dgm:linClrLst>
+    <dgm:effectClrLst/>
+    <dgm:txLinClrLst/>
+    <dgm:txFillClrLst/>
+    <dgm:txEffectClrLst/>
+  </dgm:styleLbl>
+  <dgm:styleLbl name="parChTrans2D4">
+    <dgm:fillClrLst meth="repeat">
+      <a:schemeClr val="accent2">
+        <a:tint val="50000"/>
+      </a:schemeClr>
+    </dgm:fillClrLst>
+    <dgm:linClrLst meth="repeat">
+      <a:schemeClr val="accent2">
+        <a:tint val="50000"/>
+      </a:schemeClr>
+    </dgm:linClrLst>
+    <dgm:effectClrLst/>
+    <dgm:txLinClrLst/>
+    <dgm:txFillClrLst meth="repeat">
+      <a:schemeClr val="dk1"/>
+    </dgm:txFillClrLst>
+    <dgm:txEffectClrLst/>
+  </dgm:styleLbl>
+  <dgm:styleLbl name="parChTrans1D1">
+    <dgm:fillClrLst meth="repeat">
+      <a:schemeClr val="accent2">
+        <a:shade val="80000"/>
+      </a:schemeClr>
+    </dgm:fillClrLst>
+    <dgm:linClrLst meth="repeat">
+      <a:schemeClr val="accent2">
+        <a:shade val="80000"/>
+      </a:schemeClr>
+    </dgm:linClrLst>
+    <dgm:effectClrLst/>
+    <dgm:txLinClrLst/>
+    <dgm:txFillClrLst meth="repeat">
+      <a:schemeClr val="tx1"/>
+    </dgm:txFillClrLst>
+    <dgm:txEffectClrLst/>
+  </dgm:styleLbl>
+  <dgm:styleLbl name="parChTrans1D2">
+    <dgm:fillClrLst meth="repeat">
+      <a:schemeClr val="accent2">
+        <a:tint val="90000"/>
+      </a:schemeClr>
+    </dgm:fillClrLst>
+    <dgm:linClrLst meth="repeat">
+      <a:schemeClr val="accent2">
+        <a:tint val="90000"/>
+      </a:schemeClr>
+    </dgm:linClrLst>
+    <dgm:effectClrLst/>
+    <dgm:txLinClrLst/>
+    <dgm:txFillClrLst meth="repeat">
+      <a:schemeClr val="tx1"/>
+    </dgm:txFillClrLst>
+    <dgm:txEffectClrLst/>
+  </dgm:styleLbl>
+  <dgm:styleLbl name="parChTrans1D3">
+    <dgm:fillClrLst meth="repeat">
+      <a:schemeClr val="accent2">
+        <a:tint val="70000"/>
+      </a:schemeClr>
+    </dgm:fillClrLst>
+    <dgm:linClrLst meth="repeat">
+      <a:schemeClr val="accent2">
+        <a:tint val="70000"/>
+      </a:schemeClr>
+    </dgm:linClrLst>
+    <dgm:effectClrLst/>
+    <dgm:txLinClrLst/>
+    <dgm:txFillClrLst meth="repeat">
+      <a:schemeClr val="tx1"/>
+    </dgm:txFillClrLst>
+    <dgm:txEffectClrLst/>
+  </dgm:styleLbl>
+  <dgm:styleLbl name="parChTrans1D4">
+    <dgm:fillClrLst meth="repeat">
+      <a:schemeClr val="accent2">
+        <a:tint val="50000"/>
+      </a:schemeClr>
+    </dgm:fillClrLst>
+    <dgm:linClrLst meth="repeat">
+      <a:schemeClr val="accent2">
+        <a:tint val="50000"/>
+      </a:schemeClr>
+    </dgm:linClrLst>
+    <dgm:effectClrLst/>
+    <dgm:txLinClrLst/>
+    <dgm:txFillClrLst meth="repeat">
+      <a:schemeClr val="tx1"/>
+    </dgm:txFillClrLst>
+    <dgm:txEffectClrLst/>
+  </dgm:styleLbl>
+  <dgm:styleLbl name="fgAcc1">
+    <dgm:fillClrLst meth="repeat">
+      <a:schemeClr val="lt1">
+        <a:alpha val="90000"/>
+      </a:schemeClr>
+    </dgm:fillClrLst>
+    <dgm:linClrLst meth="cycle">
+      <a:schemeClr val="accent2">
+        <a:shade val="50000"/>
+      </a:schemeClr>
+      <a:schemeClr val="accent2">
+        <a:tint val="55000"/>
+      </a:schemeClr>
+    </dgm:linClrLst>
+    <dgm:effectClrLst/>
+    <dgm:txLinClrLst/>
+    <dgm:txFillClrLst meth="repeat">
+      <a:schemeClr val="dk1"/>
+    </dgm:txFillClrLst>
+    <dgm:txEffectClrLst/>
+  </dgm:styleLbl>
+  <dgm:styleLbl name="conFgAcc1">
+    <dgm:fillClrLst meth="repeat">
+      <a:schemeClr val="lt1">
+        <a:alpha val="90000"/>
+      </a:schemeClr>
+    </dgm:fillClrLst>
+    <dgm:linClrLst meth="cycle">
+      <a:schemeClr val="accent2">
+        <a:shade val="50000"/>
+      </a:schemeClr>
+      <a:schemeClr val="accent2">
+        <a:tint val="55000"/>
+      </a:schemeClr>
+    </dgm:linClrLst>
+    <dgm:effectClrLst/>
+    <dgm:txLinClrLst/>
+    <dgm:txFillClrLst meth="repeat">
+      <a:schemeClr val="dk1"/>
+    </dgm:txFillClrLst>
+    <dgm:txEffectClrLst/>
+  </dgm:styleLbl>
+  <dgm:styleLbl name="alignAcc1">
+    <dgm:fillClrLst meth="repeat">
+      <a:schemeClr val="lt1">
+        <a:alpha val="90000"/>
+      </a:schemeClr>
+    </dgm:fillClrLst>
+    <dgm:linClrLst meth="cycle">
+      <a:schemeClr val="accent2">
+        <a:shade val="50000"/>
+      </a:schemeClr>
+      <a:schemeClr val="accent2">
+        <a:tint val="55000"/>
+      </a:schemeClr>
+    </dgm:linClrLst>
+    <dgm:effectClrLst/>
+    <dgm:txLinClrLst/>
+    <dgm:txFillClrLst meth="repeat">
+      <a:schemeClr val="dk1"/>
+    </dgm:txFillClrLst>
+    <dgm:txEffectClrLst/>
+  </dgm:styleLbl>
+  <dgm:styleLbl name="trAlignAcc1">
+    <dgm:fillClrLst meth="repeat">
+      <a:schemeClr val="lt1">
+        <a:alpha val="55000"/>
+      </a:schemeClr>
+    </dgm:fillClrLst>
+    <dgm:linClrLst meth="repeat">
+      <a:schemeClr val="accent2"/>
+    </dgm:linClrLst>
+    <dgm:effectClrLst/>
+    <dgm:txLinClrLst/>
+    <dgm:txFillClrLst meth="repeat">
+      <a:schemeClr val="dk1"/>
+    </dgm:txFillClrLst>
+    <dgm:txEffectClrLst/>
+  </dgm:styleLbl>
+  <dgm:styleLbl name="bgAcc1">
+    <dgm:fillClrLst meth="repeat">
+      <a:schemeClr val="lt1">
+        <a:alpha val="90000"/>
+      </a:schemeClr>
+    </dgm:fillClrLst>
+    <dgm:linClrLst meth="cycle">
+      <a:schemeClr val="accent2">
+        <a:shade val="50000"/>
+      </a:schemeClr>
+      <a:schemeClr val="accent2">
+        <a:tint val="55000"/>
+      </a:schemeClr>
+    </dgm:linClrLst>
+    <dgm:effectClrLst/>
+    <dgm:txLinClrLst/>
+    <dgm:txFillClrLst meth="repeat">
+      <a:schemeClr val="dk1"/>
+    </dgm:txFillClrLst>
+    <dgm:txEffectClrLst/>
+  </dgm:styleLbl>
+  <dgm:styleLbl name="solidFgAcc1">
+    <dgm:fillClrLst meth="repeat">
+      <a:schemeClr val="lt1"/>
+    </dgm:fillClrLst>
+    <dgm:linClrLst meth="cycle">
+      <a:schemeClr val="accent2">
+        <a:shade val="50000"/>
+      </a:schemeClr>
+      <a:schemeClr val="accent2">
+        <a:tint val="55000"/>
+      </a:schemeClr>
+    </dgm:linClrLst>
+    <dgm:effectClrLst/>
+    <dgm:txLinClrLst/>
+    <dgm:txFillClrLst meth="repeat">
+      <a:schemeClr val="dk1"/>
+    </dgm:txFillClrLst>
+    <dgm:txEffectClrLst/>
+  </dgm:styleLbl>
+  <dgm:styleLbl name="solidAlignAcc1">
+    <dgm:fillClrLst meth="repeat">
+      <a:schemeClr val="lt1"/>
+    </dgm:fillClrLst>
+    <dgm:linClrLst meth="repeat">
+      <a:schemeClr val="accent2"/>
+    </dgm:linClrLst>
+    <dgm:effectClrLst/>
+    <dgm:txLinClrLst/>
+    <dgm:txFillClrLst meth="repeat">
+      <a:schemeClr val="dk1"/>
+    </dgm:txFillClrLst>
+    <dgm:txEffectClrLst/>
+  </dgm:styleLbl>
+  <dgm:styleLbl name="solidBgAcc1">
+    <dgm:fillClrLst meth="repeat">
+      <a:schemeClr val="lt1"/>
+    </dgm:fillClrLst>
+    <dgm:linClrLst meth="repeat">
+      <a:schemeClr val="accent2"/>
+    </dgm:linClrLst>
+    <dgm:effectClrLst/>
+    <dgm:txLinClrLst/>
+    <dgm:txFillClrLst meth="repeat">
+      <a:schemeClr val="dk1"/>
+    </dgm:txFillClrLst>
+    <dgm:txEffectClrLst/>
+  </dgm:styleLbl>
+  <dgm:styleLbl name="fgAccFollowNode1">
+    <dgm:fillClrLst meth="repeat">
+      <a:schemeClr val="accent2">
+        <a:alpha val="90000"/>
+        <a:tint val="55000"/>
+      </a:schemeClr>
+    </dgm:fillClrLst>
+    <dgm:linClrLst meth="repeat">
+      <a:schemeClr val="accent2">
+        <a:alpha val="90000"/>
+        <a:tint val="55000"/>
+      </a:schemeClr>
+    </dgm:linClrLst>
+    <dgm:effectClrLst/>
+    <dgm:txLinClrLst/>
+    <dgm:txFillClrLst meth="repeat">
+      <a:schemeClr val="dk1"/>
+    </dgm:txFillClrLst>
+    <dgm:txEffectClrLst/>
+  </dgm:styleLbl>
+  <dgm:styleLbl name="alignAccFollowNode1">
+    <dgm:fillClrLst meth="repeat">
+      <a:schemeClr val="accent2">
+        <a:alpha val="90000"/>
+        <a:tint val="55000"/>
+      </a:schemeClr>
+    </dgm:fillClrLst>
+    <dgm:linClrLst meth="repeat">
+      <a:schemeClr val="accent2">
+        <a:alpha val="90000"/>
+        <a:tint val="55000"/>
+      </a:schemeClr>
+    </dgm:linClrLst>
+    <dgm:effectClrLst/>
+    <dgm:txLinClrLst/>
+    <dgm:txFillClrLst meth="repeat">
+      <a:schemeClr val="dk1"/>
+    </dgm:txFillClrLst>
+    <dgm:txEffectClrLst/>
+  </dgm:styleLbl>
+  <dgm:styleLbl name="bgAccFollowNode1">
+    <dgm:fillClrLst meth="repeat">
+      <a:schemeClr val="accent2">
+        <a:alpha val="90000"/>
+        <a:tint val="55000"/>
+      </a:schemeClr>
+    </dgm:fillClrLst>
+    <dgm:linClrLst meth="repeat">
+      <a:schemeClr val="lt1"/>
+    </dgm:linClrLst>
+    <dgm:effectClrLst/>
+    <dgm:txLinClrLst/>
+    <dgm:txFillClrLst meth="repeat">
+      <a:schemeClr val="dk1"/>
+    </dgm:txFillClrLst>
+    <dgm:txEffectClrLst/>
+  </dgm:styleLbl>
+  <dgm:styleLbl name="fgAcc0">
+    <dgm:fillClrLst meth="repeat">
+      <a:schemeClr val="lt1">
+        <a:alpha val="90000"/>
+      </a:schemeClr>
+    </dgm:fillClrLst>
+    <dgm:linClrLst meth="repeat">
+      <a:schemeClr val="accent2">
+        <a:shade val="80000"/>
+      </a:schemeClr>
+    </dgm:linClrLst>
+    <dgm:effectClrLst/>
+    <dgm:txLinClrLst/>
+    <dgm:txFillClrLst meth="repeat">
+      <a:schemeClr val="dk1"/>
+    </dgm:txFillClrLst>
+    <dgm:txEffectClrLst/>
+  </dgm:styleLbl>
+  <dgm:styleLbl name="fgAcc2">
+    <dgm:fillClrLst meth="repeat">
+      <a:schemeClr val="lt1">
+        <a:alpha val="90000"/>
+      </a:schemeClr>
+    </dgm:fillClrLst>
+    <dgm:linClrLst meth="repeat">
+      <a:schemeClr val="accent2">
+        <a:tint val="90000"/>
+      </a:schemeClr>
+    </dgm:linClrLst>
+    <dgm:effectClrLst/>
+    <dgm:txLinClrLst/>
+    <dgm:txFillClrLst meth="repeat">
+      <a:schemeClr val="dk1"/>
+    </dgm:txFillClrLst>
+    <dgm:txEffectClrLst/>
+  </dgm:styleLbl>
+  <dgm:styleLbl name="fgAcc3">
+    <dgm:fillClrLst meth="repeat">
+      <a:schemeClr val="lt1">
+        <a:alpha val="90000"/>
+      </a:schemeClr>
+    </dgm:fillClrLst>
+    <dgm:linClrLst meth="repeat">
+      <a:schemeClr val="accent2">
+        <a:tint val="70000"/>
+      </a:schemeClr>
+    </dgm:linClrLst>
+    <dgm:effectClrLst/>
+    <dgm:txLinClrLst/>
+    <dgm:txFillClrLst meth="repeat">
+      <a:schemeClr val="dk1"/>
+    </dgm:txFillClrLst>
+    <dgm:txEffectClrLst/>
+  </dgm:styleLbl>
+  <dgm:styleLbl name="fgAcc4">
+    <dgm:fillClrLst meth="repeat">
+      <a:schemeClr val="lt1">
+        <a:alpha val="90000"/>
+      </a:schemeClr>
+    </dgm:fillClrLst>
+    <dgm:linClrLst meth="repeat">
+      <a:schemeClr val="accent2">
+        <a:tint val="50000"/>
+      </a:schemeClr>
+    </dgm:linClrLst>
+    <dgm:effectClrLst/>
+    <dgm:txLinClrLst/>
+    <dgm:txFillClrLst meth="repeat">
+      <a:schemeClr val="dk1"/>
+    </dgm:txFillClrLst>
+    <dgm:txEffectClrLst/>
+  </dgm:styleLbl>
+  <dgm:styleLbl name="bgShp">
+    <dgm:fillClrLst meth="repeat">
+      <a:schemeClr val="accent2">
+        <a:tint val="55000"/>
+      </a:schemeClr>
+    </dgm:fillClrLst>
+    <dgm:linClrLst meth="repeat">
+      <a:schemeClr val="dk1"/>
+    </dgm:linClrLst>
+    <dgm:effectClrLst/>
+    <dgm:txLinClrLst/>
+    <dgm:txFillClrLst meth="repeat">
+      <a:schemeClr val="dk1"/>
+    </dgm:txFillClrLst>
+    <dgm:txEffectClrLst/>
+  </dgm:styleLbl>
+  <dgm:styleLbl name="dkBgShp">
+    <dgm:fillClrLst meth="repeat">
+      <a:schemeClr val="accent2">
+        <a:shade val="90000"/>
+      </a:schemeClr>
+    </dgm:fillClrLst>
+    <dgm:linClrLst meth="repeat">
+      <a:schemeClr val="dk1"/>
+    </dgm:linClrLst>
+    <dgm:effectClrLst/>
+    <dgm:txLinClrLst/>
+    <dgm:txFillClrLst meth="repeat">
+      <a:schemeClr val="lt1"/>
+    </dgm:txFillClrLst>
+    <dgm:txEffectClrLst/>
+  </dgm:styleLbl>
+  <dgm:styleLbl name="trBgShp">
+    <dgm:fillClrLst meth="repeat">
+      <a:schemeClr val="accent2">
+        <a:tint val="50000"/>
+        <a:alpha val="55000"/>
+      </a:schemeClr>
+    </dgm:fillClrLst>
+    <dgm:linClrLst meth="repeat">
+      <a:schemeClr val="accent2"/>
+    </dgm:linClrLst>
+    <dgm:effectClrLst/>
+    <dgm:txLinClrLst/>
+    <dgm:txFillClrLst meth="repeat">
+      <a:schemeClr val="lt1"/>
+    </dgm:txFillClrLst>
+    <dgm:txEffectClrLst/>
+  </dgm:styleLbl>
+  <dgm:styleLbl name="fgShp">
+    <dgm:fillClrLst meth="repeat">
+      <a:schemeClr val="accent2">
+        <a:tint val="55000"/>
+      </a:schemeClr>
+    </dgm:fillClrLst>
+    <dgm:linClrLst meth="repeat">
+      <a:schemeClr val="lt1"/>
+    </dgm:linClrLst>
+    <dgm:effectClrLst/>
+    <dgm:txLinClrLst/>
+    <dgm:txFillClrLst meth="repeat">
+      <a:schemeClr val="dk1"/>
+    </dgm:txFillClrLst>
+    <dgm:txEffectClrLst/>
+  </dgm:styleLbl>
+  <dgm:styleLbl name="revTx">
+    <dgm:fillClrLst meth="repeat">
+      <a:schemeClr val="lt1">
+        <a:alpha val="0"/>
+      </a:schemeClr>
+    </dgm:fillClrLst>
+    <dgm:linClrLst meth="repeat">
+      <a:schemeClr val="dk1">
+        <a:alpha val="0"/>
+      </a:schemeClr>
+    </dgm:linClrLst>
+    <dgm:effectClrLst/>
+    <dgm:txLinClrLst/>
+    <dgm:txFillClrLst meth="repeat">
+      <a:schemeClr val="tx1"/>
+    </dgm:txFillClrLst>
+    <dgm:txEffectClrLst/>
+  </dgm:styleLbl>
+</dgm:colorsDef>
+</file>
+
 <file path=ppt/diagrams/data1.xml><?xml version="1.0" encoding="utf-8"?>
 <dgm:dataModel xmlns:dgm="http://schemas.openxmlformats.org/drawingml/2006/diagram" xmlns:a="http://schemas.openxmlformats.org/drawingml/2006/main">
   <dgm:ptLst>
@@ -6169,10 +7142,9 @@
         <a:lstStyle/>
         <a:p>
           <a:r>
-            <a:rPr lang="en-GB" sz="3000" noProof="0" dirty="0" smtClean="0"/>
+            <a:rPr lang="en-GB" sz="3000" noProof="0" dirty="0"/>
             <a:t>Architecture</a:t>
           </a:r>
-          <a:endParaRPr lang="en-GB" sz="3000" noProof="0" dirty="0"/>
         </a:p>
       </dgm:t>
     </dgm:pt>
@@ -6206,7 +7178,7 @@
         <a:lstStyle/>
         <a:p>
           <a:r>
-            <a:rPr lang="de-DE" sz="2400" dirty="0" err="1" smtClean="0"/>
+            <a:rPr lang="de-DE" sz="2400" dirty="0" err="1"/>
             <a:t>Prototyping</a:t>
           </a:r>
           <a:endParaRPr lang="de-DE" sz="2400" dirty="0"/>
@@ -6243,10 +7215,9 @@
         <a:lstStyle/>
         <a:p>
           <a:r>
-            <a:rPr lang="en-GB" sz="2400" noProof="0" dirty="0" smtClean="0"/>
+            <a:rPr lang="en-GB" sz="2400" noProof="0" dirty="0"/>
             <a:t>Feedback</a:t>
           </a:r>
-          <a:endParaRPr lang="en-GB" sz="2400" noProof="0" dirty="0"/>
         </a:p>
       </dgm:t>
     </dgm:pt>
@@ -6280,10 +7251,9 @@
         <a:lstStyle/>
         <a:p>
           <a:r>
-            <a:rPr lang="en-GB" sz="2400" noProof="0" dirty="0" smtClean="0"/>
+            <a:rPr lang="en-GB" sz="2400" noProof="0" dirty="0"/>
             <a:t>Implementation</a:t>
           </a:r>
-          <a:endParaRPr lang="en-GB" sz="2400" noProof="0" dirty="0"/>
         </a:p>
       </dgm:t>
     </dgm:pt>
@@ -6318,13 +7288,6 @@
         </dgm:presLayoutVars>
       </dgm:prSet>
       <dgm:spPr/>
-      <dgm:t>
-        <a:bodyPr/>
-        <a:lstStyle/>
-        <a:p>
-          <a:endParaRPr lang="de-DE"/>
-        </a:p>
-      </dgm:t>
     </dgm:pt>
     <dgm:pt modelId="{7365CD92-3453-4A64-AA14-9611492FE614}" type="pres">
       <dgm:prSet presAssocID="{E76B99C1-7BBC-4312-BE0B-C96E21FDEF9C}" presName="linNode" presStyleCnt="0"/>
@@ -6342,13 +7305,6 @@
           <a:avLst/>
         </a:prstGeom>
       </dgm:spPr>
-      <dgm:t>
-        <a:bodyPr/>
-        <a:lstStyle/>
-        <a:p>
-          <a:endParaRPr lang="de-DE"/>
-        </a:p>
-      </dgm:t>
     </dgm:pt>
     <dgm:pt modelId="{CA36859A-2470-4EF0-BFEC-D07D57669663}" type="pres">
       <dgm:prSet presAssocID="{E76B99C1-7BBC-4312-BE0B-C96E21FDEF9C}" presName="descendantText" presStyleLbl="alignAccFollowNode1" presStyleIdx="0" presStyleCnt="1" custScaleY="110010">
@@ -6357,25 +7313,18 @@
         </dgm:presLayoutVars>
       </dgm:prSet>
       <dgm:spPr/>
-      <dgm:t>
-        <a:bodyPr/>
-        <a:lstStyle/>
-        <a:p>
-          <a:endParaRPr lang="de-DE"/>
-        </a:p>
-      </dgm:t>
     </dgm:pt>
   </dgm:ptLst>
   <dgm:cxnLst>
     <dgm:cxn modelId="{8019350A-C5AA-44B8-AA1E-0F603307134B}" type="presOf" srcId="{E76B99C1-7BBC-4312-BE0B-C96E21FDEF9C}" destId="{87157A39-F4E1-4EFA-9109-B3B5323213DA}" srcOrd="0" destOrd="0" presId="urn:microsoft.com/office/officeart/2005/8/layout/vList5"/>
+    <dgm:cxn modelId="{08339911-1C25-479C-B007-4FBC1C1B74D3}" type="presOf" srcId="{E99E6CA3-C85D-418F-BF52-40BBC9B9DCC8}" destId="{CFDADD6E-E470-4C2C-A1F8-BA38BA562D38}" srcOrd="0" destOrd="0" presId="urn:microsoft.com/office/officeart/2005/8/layout/vList5"/>
+    <dgm:cxn modelId="{81639557-C858-44AA-A637-C71B188ACCAE}" srcId="{E76B99C1-7BBC-4312-BE0B-C96E21FDEF9C}" destId="{8D86761A-F8F1-4B8A-8D11-B91DDFE3D2F7}" srcOrd="2" destOrd="0" parTransId="{E7B1CA68-2EC5-4428-9135-022A1F712952}" sibTransId="{F8B6094C-C2B0-4E95-83A3-37FA8F16A097}"/>
+    <dgm:cxn modelId="{AF3DA390-2C60-48A6-92C6-41018A150A56}" type="presOf" srcId="{8D86761A-F8F1-4B8A-8D11-B91DDFE3D2F7}" destId="{CA36859A-2470-4EF0-BFEC-D07D57669663}" srcOrd="0" destOrd="2" presId="urn:microsoft.com/office/officeart/2005/8/layout/vList5"/>
+    <dgm:cxn modelId="{CD5BA19E-9A67-436E-833D-DA5C08DCB4D9}" srcId="{E76B99C1-7BBC-4312-BE0B-C96E21FDEF9C}" destId="{30495B0E-2382-4C04-9677-B3B266D4FB63}" srcOrd="0" destOrd="0" parTransId="{28D38454-70F9-47F2-8BA6-DD666208EDB7}" sibTransId="{373720C8-7AE2-4F65-9AFF-76E5DC7B5FBC}"/>
     <dgm:cxn modelId="{38BE96A0-0F88-4BD0-9E45-207326674A91}" type="presOf" srcId="{0222C8ED-26F7-486B-8BA0-E1E148AB7A4C}" destId="{CA36859A-2470-4EF0-BFEC-D07D57669663}" srcOrd="0" destOrd="1" presId="urn:microsoft.com/office/officeart/2005/8/layout/vList5"/>
+    <dgm:cxn modelId="{BC66BBAC-9E0C-4274-9B31-940634B8F184}" type="presOf" srcId="{30495B0E-2382-4C04-9677-B3B266D4FB63}" destId="{CA36859A-2470-4EF0-BFEC-D07D57669663}" srcOrd="0" destOrd="0" presId="urn:microsoft.com/office/officeart/2005/8/layout/vList5"/>
     <dgm:cxn modelId="{18F591D5-02C2-4324-95DC-AD9AAC95622F}" srcId="{E99E6CA3-C85D-418F-BF52-40BBC9B9DCC8}" destId="{E76B99C1-7BBC-4312-BE0B-C96E21FDEF9C}" srcOrd="0" destOrd="0" parTransId="{8C70A31B-4BA2-4ADE-8BCB-5D977F37E918}" sibTransId="{5FF31A90-136D-4092-AA5D-1B69D005B137}"/>
-    <dgm:cxn modelId="{AF3DA390-2C60-48A6-92C6-41018A150A56}" type="presOf" srcId="{8D86761A-F8F1-4B8A-8D11-B91DDFE3D2F7}" destId="{CA36859A-2470-4EF0-BFEC-D07D57669663}" srcOrd="0" destOrd="2" presId="urn:microsoft.com/office/officeart/2005/8/layout/vList5"/>
-    <dgm:cxn modelId="{BC66BBAC-9E0C-4274-9B31-940634B8F184}" type="presOf" srcId="{30495B0E-2382-4C04-9677-B3B266D4FB63}" destId="{CA36859A-2470-4EF0-BFEC-D07D57669663}" srcOrd="0" destOrd="0" presId="urn:microsoft.com/office/officeart/2005/8/layout/vList5"/>
-    <dgm:cxn modelId="{CD5BA19E-9A67-436E-833D-DA5C08DCB4D9}" srcId="{E76B99C1-7BBC-4312-BE0B-C96E21FDEF9C}" destId="{30495B0E-2382-4C04-9677-B3B266D4FB63}" srcOrd="0" destOrd="0" parTransId="{28D38454-70F9-47F2-8BA6-DD666208EDB7}" sibTransId="{373720C8-7AE2-4F65-9AFF-76E5DC7B5FBC}"/>
     <dgm:cxn modelId="{FFC123F2-16DE-4F57-9BA4-7D8C39B6D22C}" srcId="{E76B99C1-7BBC-4312-BE0B-C96E21FDEF9C}" destId="{0222C8ED-26F7-486B-8BA0-E1E148AB7A4C}" srcOrd="1" destOrd="0" parTransId="{AE5F2CC2-53A2-4E4D-91EA-3243EB5542ED}" sibTransId="{FDC54655-EEFA-4F0D-B03A-0EC8D6AAEF93}"/>
-    <dgm:cxn modelId="{81639557-C858-44AA-A637-C71B188ACCAE}" srcId="{E76B99C1-7BBC-4312-BE0B-C96E21FDEF9C}" destId="{8D86761A-F8F1-4B8A-8D11-B91DDFE3D2F7}" srcOrd="2" destOrd="0" parTransId="{E7B1CA68-2EC5-4428-9135-022A1F712952}" sibTransId="{F8B6094C-C2B0-4E95-83A3-37FA8F16A097}"/>
-    <dgm:cxn modelId="{08339911-1C25-479C-B007-4FBC1C1B74D3}" type="presOf" srcId="{E99E6CA3-C85D-418F-BF52-40BBC9B9DCC8}" destId="{CFDADD6E-E470-4C2C-A1F8-BA38BA562D38}" srcOrd="0" destOrd="0" presId="urn:microsoft.com/office/officeart/2005/8/layout/vList5"/>
     <dgm:cxn modelId="{EF35216A-93BB-4070-BA62-3C9E1B58E291}" type="presParOf" srcId="{CFDADD6E-E470-4C2C-A1F8-BA38BA562D38}" destId="{7365CD92-3453-4A64-AA14-9611492FE614}" srcOrd="0" destOrd="0" presId="urn:microsoft.com/office/officeart/2005/8/layout/vList5"/>
     <dgm:cxn modelId="{9B741D35-8857-4661-99DC-93FF80590CDE}" type="presParOf" srcId="{7365CD92-3453-4A64-AA14-9611492FE614}" destId="{87157A39-F4E1-4EFA-9109-B3B5323213DA}" srcOrd="0" destOrd="0" presId="urn:microsoft.com/office/officeart/2005/8/layout/vList5"/>
     <dgm:cxn modelId="{E355CE50-B7AB-4346-8558-8A0B87E41DAC}" type="presParOf" srcId="{7365CD92-3453-4A64-AA14-9611492FE614}" destId="{CA36859A-2470-4EF0-BFEC-D07D57669663}" srcOrd="1" destOrd="0" presId="urn:microsoft.com/office/officeart/2005/8/layout/vList5"/>
@@ -6412,10 +7361,9 @@
         <a:lstStyle/>
         <a:p>
           <a:r>
-            <a:rPr lang="en-GB" sz="3000" noProof="0" dirty="0" smtClean="0"/>
+            <a:rPr lang="en-GB" sz="3000" noProof="0" dirty="0"/>
             <a:t>Documentation</a:t>
           </a:r>
-          <a:endParaRPr lang="en-GB" sz="3000" noProof="0" dirty="0"/>
         </a:p>
       </dgm:t>
     </dgm:pt>
@@ -6449,14 +7397,13 @@
         <a:lstStyle/>
         <a:p>
           <a:r>
-            <a:rPr lang="en-GB" sz="2400" noProof="0" dirty="0" smtClean="0"/>
+            <a:rPr lang="en-GB" sz="2400" noProof="0" dirty="0"/>
             <a:t>Analyse</a:t>
           </a:r>
           <a:r>
-            <a:rPr lang="de-DE" sz="2400" dirty="0" smtClean="0"/>
+            <a:rPr lang="de-DE" sz="2400" dirty="0"/>
             <a:t> Feedback</a:t>
           </a:r>
-          <a:endParaRPr lang="de-DE" sz="2400" dirty="0"/>
         </a:p>
       </dgm:t>
     </dgm:pt>
@@ -6490,10 +7437,9 @@
         <a:lstStyle/>
         <a:p>
           <a:r>
-            <a:rPr lang="de-DE" sz="2400" dirty="0" smtClean="0"/>
+            <a:rPr lang="de-DE" sz="2400" dirty="0"/>
             <a:t>Write Dissertation</a:t>
           </a:r>
-          <a:endParaRPr lang="de-DE" sz="2400" dirty="0"/>
         </a:p>
       </dgm:t>
     </dgm:pt>
@@ -6527,10 +7473,9 @@
         <a:lstStyle/>
         <a:p>
           <a:r>
-            <a:rPr lang="de-DE" sz="2400" dirty="0" smtClean="0"/>
+            <a:rPr lang="de-DE" sz="2400" dirty="0"/>
             <a:t>Summary &amp; Outlook</a:t>
           </a:r>
-          <a:endParaRPr lang="de-DE" sz="2400" dirty="0"/>
         </a:p>
       </dgm:t>
     </dgm:pt>
@@ -6565,13 +7510,6 @@
         </dgm:presLayoutVars>
       </dgm:prSet>
       <dgm:spPr/>
-      <dgm:t>
-        <a:bodyPr/>
-        <a:lstStyle/>
-        <a:p>
-          <a:endParaRPr lang="de-DE"/>
-        </a:p>
-      </dgm:t>
     </dgm:pt>
     <dgm:pt modelId="{7365CD92-3453-4A64-AA14-9611492FE614}" type="pres">
       <dgm:prSet presAssocID="{E76B99C1-7BBC-4312-BE0B-C96E21FDEF9C}" presName="linNode" presStyleCnt="0"/>
@@ -6589,13 +7527,6 @@
           <a:avLst/>
         </a:prstGeom>
       </dgm:spPr>
-      <dgm:t>
-        <a:bodyPr/>
-        <a:lstStyle/>
-        <a:p>
-          <a:endParaRPr lang="de-DE"/>
-        </a:p>
-      </dgm:t>
     </dgm:pt>
     <dgm:pt modelId="{CA36859A-2470-4EF0-BFEC-D07D57669663}" type="pres">
       <dgm:prSet presAssocID="{E76B99C1-7BBC-4312-BE0B-C96E21FDEF9C}" presName="descendantText" presStyleLbl="alignAccFollowNode1" presStyleIdx="0" presStyleCnt="1" custScaleY="115879">
@@ -6604,25 +7535,18 @@
         </dgm:presLayoutVars>
       </dgm:prSet>
       <dgm:spPr/>
-      <dgm:t>
-        <a:bodyPr/>
-        <a:lstStyle/>
-        <a:p>
-          <a:endParaRPr lang="de-DE"/>
-        </a:p>
-      </dgm:t>
     </dgm:pt>
   </dgm:ptLst>
   <dgm:cxnLst>
+    <dgm:cxn modelId="{3B85D25F-F731-4296-9C7E-2EE2FBB624F2}" type="presOf" srcId="{0222C8ED-26F7-486B-8BA0-E1E148AB7A4C}" destId="{CA36859A-2470-4EF0-BFEC-D07D57669663}" srcOrd="0" destOrd="1" presId="urn:microsoft.com/office/officeart/2005/8/layout/vList5"/>
+    <dgm:cxn modelId="{A97EAB87-286B-4951-A05C-D1899F0BAED4}" type="presOf" srcId="{E99E6CA3-C85D-418F-BF52-40BBC9B9DCC8}" destId="{CFDADD6E-E470-4C2C-A1F8-BA38BA562D38}" srcOrd="0" destOrd="0" presId="urn:microsoft.com/office/officeart/2005/8/layout/vList5"/>
+    <dgm:cxn modelId="{89C9A294-7012-4FFF-A06C-BC695A182292}" type="presOf" srcId="{6400A3FC-0FE8-4F22-B791-1EAD64AEDB4B}" destId="{CA36859A-2470-4EF0-BFEC-D07D57669663}" srcOrd="0" destOrd="2" presId="urn:microsoft.com/office/officeart/2005/8/layout/vList5"/>
+    <dgm:cxn modelId="{CD5BA19E-9A67-436E-833D-DA5C08DCB4D9}" srcId="{E76B99C1-7BBC-4312-BE0B-C96E21FDEF9C}" destId="{30495B0E-2382-4C04-9677-B3B266D4FB63}" srcOrd="0" destOrd="0" parTransId="{28D38454-70F9-47F2-8BA6-DD666208EDB7}" sibTransId="{373720C8-7AE2-4F65-9AFF-76E5DC7B5FBC}"/>
+    <dgm:cxn modelId="{4BC5BDA3-F3C9-4082-B7AF-2EBF74DE138B}" type="presOf" srcId="{30495B0E-2382-4C04-9677-B3B266D4FB63}" destId="{CA36859A-2470-4EF0-BFEC-D07D57669663}" srcOrd="0" destOrd="0" presId="urn:microsoft.com/office/officeart/2005/8/layout/vList5"/>
+    <dgm:cxn modelId="{E6076CC9-3CF8-4E2B-B7AC-50E532506F39}" type="presOf" srcId="{E76B99C1-7BBC-4312-BE0B-C96E21FDEF9C}" destId="{87157A39-F4E1-4EFA-9109-B3B5323213DA}" srcOrd="0" destOrd="0" presId="urn:microsoft.com/office/officeart/2005/8/layout/vList5"/>
+    <dgm:cxn modelId="{CEC0CCD3-6E09-4688-AA05-0DAAA5524E06}" srcId="{E76B99C1-7BBC-4312-BE0B-C96E21FDEF9C}" destId="{6400A3FC-0FE8-4F22-B791-1EAD64AEDB4B}" srcOrd="2" destOrd="0" parTransId="{7290D0C6-4B8F-4F60-8C61-73333FA40640}" sibTransId="{90258BD7-B30F-4DD7-87D7-7F23F0F28439}"/>
     <dgm:cxn modelId="{18F591D5-02C2-4324-95DC-AD9AAC95622F}" srcId="{E99E6CA3-C85D-418F-BF52-40BBC9B9DCC8}" destId="{E76B99C1-7BBC-4312-BE0B-C96E21FDEF9C}" srcOrd="0" destOrd="0" parTransId="{8C70A31B-4BA2-4ADE-8BCB-5D977F37E918}" sibTransId="{5FF31A90-136D-4092-AA5D-1B69D005B137}"/>
-    <dgm:cxn modelId="{A97EAB87-286B-4951-A05C-D1899F0BAED4}" type="presOf" srcId="{E99E6CA3-C85D-418F-BF52-40BBC9B9DCC8}" destId="{CFDADD6E-E470-4C2C-A1F8-BA38BA562D38}" srcOrd="0" destOrd="0" presId="urn:microsoft.com/office/officeart/2005/8/layout/vList5"/>
-    <dgm:cxn modelId="{3B85D25F-F731-4296-9C7E-2EE2FBB624F2}" type="presOf" srcId="{0222C8ED-26F7-486B-8BA0-E1E148AB7A4C}" destId="{CA36859A-2470-4EF0-BFEC-D07D57669663}" srcOrd="0" destOrd="1" presId="urn:microsoft.com/office/officeart/2005/8/layout/vList5"/>
-    <dgm:cxn modelId="{CD5BA19E-9A67-436E-833D-DA5C08DCB4D9}" srcId="{E76B99C1-7BBC-4312-BE0B-C96E21FDEF9C}" destId="{30495B0E-2382-4C04-9677-B3B266D4FB63}" srcOrd="0" destOrd="0" parTransId="{28D38454-70F9-47F2-8BA6-DD666208EDB7}" sibTransId="{373720C8-7AE2-4F65-9AFF-76E5DC7B5FBC}"/>
     <dgm:cxn modelId="{FFC123F2-16DE-4F57-9BA4-7D8C39B6D22C}" srcId="{E76B99C1-7BBC-4312-BE0B-C96E21FDEF9C}" destId="{0222C8ED-26F7-486B-8BA0-E1E148AB7A4C}" srcOrd="1" destOrd="0" parTransId="{AE5F2CC2-53A2-4E4D-91EA-3243EB5542ED}" sibTransId="{FDC54655-EEFA-4F0D-B03A-0EC8D6AAEF93}"/>
-    <dgm:cxn modelId="{4BC5BDA3-F3C9-4082-B7AF-2EBF74DE138B}" type="presOf" srcId="{30495B0E-2382-4C04-9677-B3B266D4FB63}" destId="{CA36859A-2470-4EF0-BFEC-D07D57669663}" srcOrd="0" destOrd="0" presId="urn:microsoft.com/office/officeart/2005/8/layout/vList5"/>
-    <dgm:cxn modelId="{CEC0CCD3-6E09-4688-AA05-0DAAA5524E06}" srcId="{E76B99C1-7BBC-4312-BE0B-C96E21FDEF9C}" destId="{6400A3FC-0FE8-4F22-B791-1EAD64AEDB4B}" srcOrd="2" destOrd="0" parTransId="{7290D0C6-4B8F-4F60-8C61-73333FA40640}" sibTransId="{90258BD7-B30F-4DD7-87D7-7F23F0F28439}"/>
-    <dgm:cxn modelId="{89C9A294-7012-4FFF-A06C-BC695A182292}" type="presOf" srcId="{6400A3FC-0FE8-4F22-B791-1EAD64AEDB4B}" destId="{CA36859A-2470-4EF0-BFEC-D07D57669663}" srcOrd="0" destOrd="2" presId="urn:microsoft.com/office/officeart/2005/8/layout/vList5"/>
-    <dgm:cxn modelId="{E6076CC9-3CF8-4E2B-B7AC-50E532506F39}" type="presOf" srcId="{E76B99C1-7BBC-4312-BE0B-C96E21FDEF9C}" destId="{87157A39-F4E1-4EFA-9109-B3B5323213DA}" srcOrd="0" destOrd="0" presId="urn:microsoft.com/office/officeart/2005/8/layout/vList5"/>
     <dgm:cxn modelId="{45BA741D-DC94-4258-B988-871772011B39}" type="presParOf" srcId="{CFDADD6E-E470-4C2C-A1F8-BA38BA562D38}" destId="{7365CD92-3453-4A64-AA14-9611492FE614}" srcOrd="0" destOrd="0" presId="urn:microsoft.com/office/officeart/2005/8/layout/vList5"/>
     <dgm:cxn modelId="{1DD07CB1-3F73-4C32-9E9C-166048B67007}" type="presParOf" srcId="{7365CD92-3453-4A64-AA14-9611492FE614}" destId="{87157A39-F4E1-4EFA-9109-B3B5323213DA}" srcOrd="0" destOrd="0" presId="urn:microsoft.com/office/officeart/2005/8/layout/vList5"/>
     <dgm:cxn modelId="{122FCEC2-B689-4AA6-9EE8-1A907714AC17}" type="presParOf" srcId="{7365CD92-3453-4A64-AA14-9611492FE614}" destId="{CA36859A-2470-4EF0-BFEC-D07D57669663}" srcOrd="1" destOrd="0" presId="urn:microsoft.com/office/officeart/2005/8/layout/vList5"/>
@@ -6659,7 +7583,7 @@
         <a:lstStyle/>
         <a:p>
           <a:r>
-            <a:rPr lang="en-GB" sz="3200" u="sng" noProof="0" dirty="0" smtClean="0"/>
+            <a:rPr lang="en-GB" sz="3200" u="sng" noProof="0" dirty="0"/>
             <a:t>Basic concepts</a:t>
           </a:r>
           <a:endParaRPr lang="en-GB" sz="3200" noProof="0" dirty="0"/>
@@ -6696,10 +7620,9 @@
         <a:lstStyle/>
         <a:p>
           <a:r>
-            <a:rPr lang="en-GB" sz="2800" noProof="0" dirty="0" smtClean="0"/>
+            <a:rPr lang="en-GB" sz="2800" noProof="0" dirty="0"/>
             <a:t>Real-time data</a:t>
           </a:r>
-          <a:endParaRPr lang="en-GB" sz="2800" noProof="0" dirty="0"/>
         </a:p>
       </dgm:t>
     </dgm:pt>
@@ -6733,11 +7656,11 @@
         <a:lstStyle/>
         <a:p>
           <a:r>
-            <a:rPr lang="de-DE" sz="2800" noProof="0" dirty="0" smtClean="0"/>
+            <a:rPr lang="de-DE" sz="2800" noProof="0" dirty="0"/>
             <a:t>Historical </a:t>
           </a:r>
           <a:r>
-            <a:rPr lang="de-DE" sz="2800" noProof="0" dirty="0" err="1" smtClean="0"/>
+            <a:rPr lang="de-DE" sz="2800" noProof="0" dirty="0" err="1"/>
             <a:t>data</a:t>
           </a:r>
           <a:endParaRPr lang="en-GB" sz="2800" noProof="0" dirty="0"/>
@@ -6774,10 +7697,9 @@
         <a:lstStyle/>
         <a:p>
           <a:r>
-            <a:rPr lang="en-GB" sz="2800" noProof="0" dirty="0" smtClean="0"/>
-            <a:t>Data dissemination</a:t>
+            <a:rPr lang="en-GB" sz="2800" noProof="0" dirty="0"/>
+            <a:t>Data integration</a:t>
           </a:r>
-          <a:endParaRPr lang="en-GB" sz="2800" noProof="0" dirty="0"/>
         </a:p>
       </dgm:t>
     </dgm:pt>
@@ -6811,17 +7733,17 @@
         <a:lstStyle/>
         <a:p>
           <a:r>
-            <a:rPr lang="en-GB" sz="2800" noProof="0" dirty="0" smtClean="0"/>
+            <a:rPr lang="en-GB" sz="2800" noProof="0" dirty="0"/>
             <a:t>Data analysis</a:t>
           </a:r>
         </a:p>
         <a:p>
           <a:r>
-            <a:rPr lang="de-DE" sz="2800" noProof="0" dirty="0" smtClean="0"/>
+            <a:rPr lang="de-DE" sz="2800" noProof="0" dirty="0"/>
             <a:t>Data </a:t>
           </a:r>
           <a:r>
-            <a:rPr lang="de-DE" sz="2800" noProof="0" dirty="0" err="1" smtClean="0"/>
+            <a:rPr lang="de-DE" sz="2800" noProof="0" dirty="0" err="1"/>
             <a:t>visualization</a:t>
           </a:r>
           <a:endParaRPr lang="en-GB" sz="2800" noProof="0" dirty="0"/>
@@ -6861,13 +7783,6 @@
         </dgm:presLayoutVars>
       </dgm:prSet>
       <dgm:spPr/>
-      <dgm:t>
-        <a:bodyPr/>
-        <a:lstStyle/>
-        <a:p>
-          <a:endParaRPr lang="en-GB"/>
-        </a:p>
-      </dgm:t>
     </dgm:pt>
     <dgm:pt modelId="{D31680CF-FF15-4FF3-9BBB-1BA9038BB473}" type="pres">
       <dgm:prSet presAssocID="{134F6D70-4FC9-4457-ACAA-A33F17D30D31}" presName="Background" presStyleLbl="node1" presStyleIdx="0" presStyleCnt="1"/>
@@ -6882,13 +7797,6 @@
         </dgm:presLayoutVars>
       </dgm:prSet>
       <dgm:spPr/>
-      <dgm:t>
-        <a:bodyPr/>
-        <a:lstStyle/>
-        <a:p>
-          <a:endParaRPr lang="en-GB"/>
-        </a:p>
-      </dgm:t>
     </dgm:pt>
     <dgm:pt modelId="{F4CE5DA8-8412-4352-B25E-D07C1FD709CC}" type="pres">
       <dgm:prSet presAssocID="{134F6D70-4FC9-4457-ACAA-A33F17D30D31}" presName="ParentText1" presStyleLbl="revTx" presStyleIdx="0" presStyleCnt="0">
@@ -6898,40 +7806,26 @@
         </dgm:presLayoutVars>
       </dgm:prSet>
       <dgm:spPr/>
-      <dgm:t>
-        <a:bodyPr/>
-        <a:lstStyle/>
-        <a:p>
-          <a:endParaRPr lang="en-GB"/>
-        </a:p>
-      </dgm:t>
     </dgm:pt>
     <dgm:pt modelId="{D0ECCD46-CD36-4DF9-BB76-8DED7A8A4C99}" type="pres">
       <dgm:prSet presAssocID="{134F6D70-4FC9-4457-ACAA-A33F17D30D31}" presName="ParentShape1" presStyleLbl="alignImgPlace1" presStyleIdx="0" presStyleCnt="1">
         <dgm:presLayoutVars/>
       </dgm:prSet>
       <dgm:spPr/>
-      <dgm:t>
-        <a:bodyPr/>
-        <a:lstStyle/>
-        <a:p>
-          <a:endParaRPr lang="en-GB"/>
-        </a:p>
-      </dgm:t>
     </dgm:pt>
   </dgm:ptLst>
   <dgm:cxnLst>
+    <dgm:cxn modelId="{9895E602-2555-442A-9597-4D45C7315CAE}" srcId="{5E31F303-AA15-4202-BDB4-1646FFDB7974}" destId="{3B19FD28-7E17-4363-B6BF-D178BC9651B9}" srcOrd="0" destOrd="0" parTransId="{9D3C0F28-9AED-43E0-860C-84544E7D61D8}" sibTransId="{BFAA3FA0-595C-4D58-8203-4659CC7DBE04}"/>
+    <dgm:cxn modelId="{3BF67710-B6EA-4E51-9631-C86F58F33974}" srcId="{5E31F303-AA15-4202-BDB4-1646FFDB7974}" destId="{A40C9C73-1869-41AC-8588-DBEFF11E9AAE}" srcOrd="1" destOrd="0" parTransId="{ADEF2423-AC61-4682-BE66-135A2D983F46}" sibTransId="{3238E37F-B3D9-4714-8C1A-CE3F06F85538}"/>
+    <dgm:cxn modelId="{AF1BE610-EA9C-4FDD-B9EF-E3F82256025F}" type="presOf" srcId="{134F6D70-4FC9-4457-ACAA-A33F17D30D31}" destId="{6B8D9B0E-B66C-48AD-AF80-912635916BC9}" srcOrd="0" destOrd="0" presId="urn:microsoft.com/office/officeart/2009/3/layout/OpposingIdeas"/>
+    <dgm:cxn modelId="{0F11563F-36AA-4F5D-841F-78D0B5FA988F}" srcId="{134F6D70-4FC9-4457-ACAA-A33F17D30D31}" destId="{5E31F303-AA15-4202-BDB4-1646FFDB7974}" srcOrd="0" destOrd="0" parTransId="{F38FDC0E-FA25-410A-8647-D41AA3D94136}" sibTransId="{1468082A-6F3B-4741-BAD0-F34ECC3F8C73}"/>
     <dgm:cxn modelId="{64B07641-05DA-4A27-B441-2C723E169FF3}" type="presOf" srcId="{5E31F303-AA15-4202-BDB4-1646FFDB7974}" destId="{F4CE5DA8-8412-4352-B25E-D07C1FD709CC}" srcOrd="0" destOrd="0" presId="urn:microsoft.com/office/officeart/2009/3/layout/OpposingIdeas"/>
+    <dgm:cxn modelId="{E19E4755-C5E1-4B5A-96E2-106628A60392}" type="presOf" srcId="{3B19FD28-7E17-4363-B6BF-D178BC9651B9}" destId="{658A5C0B-FF09-443E-A6B9-DC5DEF89EA8A}" srcOrd="0" destOrd="0" presId="urn:microsoft.com/office/officeart/2009/3/layout/OpposingIdeas"/>
+    <dgm:cxn modelId="{929CA27D-3408-4344-BBA8-8B8064E4C1B3}" type="presOf" srcId="{CE61BDFE-C210-44DB-984F-EA8CDB33F9E8}" destId="{658A5C0B-FF09-443E-A6B9-DC5DEF89EA8A}" srcOrd="0" destOrd="3" presId="urn:microsoft.com/office/officeart/2009/3/layout/OpposingIdeas"/>
+    <dgm:cxn modelId="{107CEB7F-FB73-4B13-8055-CA7C4932CDF4}" type="presOf" srcId="{A40C9C73-1869-41AC-8588-DBEFF11E9AAE}" destId="{658A5C0B-FF09-443E-A6B9-DC5DEF89EA8A}" srcOrd="0" destOrd="1" presId="urn:microsoft.com/office/officeart/2009/3/layout/OpposingIdeas"/>
     <dgm:cxn modelId="{CF557CAB-1132-4EC9-B0DA-90F32A843ECC}" srcId="{5E31F303-AA15-4202-BDB4-1646FFDB7974}" destId="{B7B85593-342F-4885-91E8-EC328B22DA33}" srcOrd="2" destOrd="0" parTransId="{AECB9773-C596-4EC7-98B9-412BC428F2DA}" sibTransId="{C923FD15-17C1-4729-A951-8E7CEF5AE723}"/>
     <dgm:cxn modelId="{3585EBAC-BC35-43D3-B567-42C2BEE269A0}" srcId="{5E31F303-AA15-4202-BDB4-1646FFDB7974}" destId="{CE61BDFE-C210-44DB-984F-EA8CDB33F9E8}" srcOrd="3" destOrd="0" parTransId="{ADD99FCF-75CA-41EE-AC46-51744AD0500A}" sibTransId="{5E9F53A0-1E7D-470D-94DE-41AC7205F691}"/>
-    <dgm:cxn modelId="{3BF67710-B6EA-4E51-9631-C86F58F33974}" srcId="{5E31F303-AA15-4202-BDB4-1646FFDB7974}" destId="{A40C9C73-1869-41AC-8588-DBEFF11E9AAE}" srcOrd="1" destOrd="0" parTransId="{ADEF2423-AC61-4682-BE66-135A2D983F46}" sibTransId="{3238E37F-B3D9-4714-8C1A-CE3F06F85538}"/>
-    <dgm:cxn modelId="{929CA27D-3408-4344-BBA8-8B8064E4C1B3}" type="presOf" srcId="{CE61BDFE-C210-44DB-984F-EA8CDB33F9E8}" destId="{658A5C0B-FF09-443E-A6B9-DC5DEF89EA8A}" srcOrd="0" destOrd="3" presId="urn:microsoft.com/office/officeart/2009/3/layout/OpposingIdeas"/>
-    <dgm:cxn modelId="{AF1BE610-EA9C-4FDD-B9EF-E3F82256025F}" type="presOf" srcId="{134F6D70-4FC9-4457-ACAA-A33F17D30D31}" destId="{6B8D9B0E-B66C-48AD-AF80-912635916BC9}" srcOrd="0" destOrd="0" presId="urn:microsoft.com/office/officeart/2009/3/layout/OpposingIdeas"/>
-    <dgm:cxn modelId="{9895E602-2555-442A-9597-4D45C7315CAE}" srcId="{5E31F303-AA15-4202-BDB4-1646FFDB7974}" destId="{3B19FD28-7E17-4363-B6BF-D178BC9651B9}" srcOrd="0" destOrd="0" parTransId="{9D3C0F28-9AED-43E0-860C-84544E7D61D8}" sibTransId="{BFAA3FA0-595C-4D58-8203-4659CC7DBE04}"/>
-    <dgm:cxn modelId="{E19E4755-C5E1-4B5A-96E2-106628A60392}" type="presOf" srcId="{3B19FD28-7E17-4363-B6BF-D178BC9651B9}" destId="{658A5C0B-FF09-443E-A6B9-DC5DEF89EA8A}" srcOrd="0" destOrd="0" presId="urn:microsoft.com/office/officeart/2009/3/layout/OpposingIdeas"/>
     <dgm:cxn modelId="{DA74F2C5-FEC6-437F-B87C-8AA18F762377}" type="presOf" srcId="{B7B85593-342F-4885-91E8-EC328B22DA33}" destId="{658A5C0B-FF09-443E-A6B9-DC5DEF89EA8A}" srcOrd="0" destOrd="2" presId="urn:microsoft.com/office/officeart/2009/3/layout/OpposingIdeas"/>
-    <dgm:cxn modelId="{107CEB7F-FB73-4B13-8055-CA7C4932CDF4}" type="presOf" srcId="{A40C9C73-1869-41AC-8588-DBEFF11E9AAE}" destId="{658A5C0B-FF09-443E-A6B9-DC5DEF89EA8A}" srcOrd="0" destOrd="1" presId="urn:microsoft.com/office/officeart/2009/3/layout/OpposingIdeas"/>
-    <dgm:cxn modelId="{0F11563F-36AA-4F5D-841F-78D0B5FA988F}" srcId="{134F6D70-4FC9-4457-ACAA-A33F17D30D31}" destId="{5E31F303-AA15-4202-BDB4-1646FFDB7974}" srcOrd="0" destOrd="0" parTransId="{F38FDC0E-FA25-410A-8647-D41AA3D94136}" sibTransId="{1468082A-6F3B-4741-BAD0-F34ECC3F8C73}"/>
     <dgm:cxn modelId="{1A6536D3-860C-48C2-ABE4-9953E3C26A5D}" type="presOf" srcId="{5E31F303-AA15-4202-BDB4-1646FFDB7974}" destId="{D0ECCD46-CD36-4DF9-BB76-8DED7A8A4C99}" srcOrd="1" destOrd="0" presId="urn:microsoft.com/office/officeart/2009/3/layout/OpposingIdeas"/>
     <dgm:cxn modelId="{929ED2E8-5F3A-48BB-8A72-7AB99E86229E}" type="presParOf" srcId="{6B8D9B0E-B66C-48AD-AF80-912635916BC9}" destId="{D31680CF-FF15-4FF3-9BBB-1BA9038BB473}" srcOrd="0" destOrd="0" presId="urn:microsoft.com/office/officeart/2009/3/layout/OpposingIdeas"/>
     <dgm:cxn modelId="{90A23DF6-8EE1-43FF-96C5-F6DABC8B8EF3}" type="presParOf" srcId="{6B8D9B0E-B66C-48AD-AF80-912635916BC9}" destId="{658A5C0B-FF09-443E-A6B9-DC5DEF89EA8A}" srcOrd="1" destOrd="0" presId="urn:microsoft.com/office/officeart/2009/3/layout/OpposingIdeas"/>
@@ -6971,7 +7865,7 @@
         <a:p>
           <a:pPr algn="l"/>
           <a:r>
-            <a:rPr lang="en-GB" sz="3200" dirty="0" smtClean="0"/>
+            <a:rPr lang="en-GB" sz="3200" dirty="0"/>
             <a:t>Because of different factors the risk of droughts in the UK increases steadily and there have also been some droughts during the last 40 years which were worse than those that had been used as the basis of planning.</a:t>
           </a:r>
           <a:endParaRPr lang="en-GB" sz="3200" noProof="0" dirty="0"/>
@@ -7011,24 +7905,10 @@
         </dgm:presLayoutVars>
       </dgm:prSet>
       <dgm:spPr/>
-      <dgm:t>
-        <a:bodyPr/>
-        <a:lstStyle/>
-        <a:p>
-          <a:endParaRPr lang="de-DE"/>
-        </a:p>
-      </dgm:t>
     </dgm:pt>
     <dgm:pt modelId="{36BC03FC-2BCB-4571-85DC-E05FA833CEBC}" type="pres">
       <dgm:prSet presAssocID="{A9787F3F-5C7B-4B72-A332-8B62B49F8D64}" presName="outerBox" presStyleCnt="0"/>
       <dgm:spPr/>
-      <dgm:t>
-        <a:bodyPr/>
-        <a:lstStyle/>
-        <a:p>
-          <a:endParaRPr lang="en-GB"/>
-        </a:p>
-      </dgm:t>
     </dgm:pt>
     <dgm:pt modelId="{95439EA8-0052-492C-98B4-F3A1D4BBF0D1}" type="pres">
       <dgm:prSet presAssocID="{A9787F3F-5C7B-4B72-A332-8B62B49F8D64}" presName="outerBoxParent" presStyleLbl="node1" presStyleIdx="0" presStyleCnt="1" custLinFactX="-41359" custLinFactNeighborX="-100000" custLinFactNeighborY="-55222"/>
@@ -7037,30 +7917,16 @@
           <a:avLst/>
         </a:prstGeom>
       </dgm:spPr>
-      <dgm:t>
-        <a:bodyPr/>
-        <a:lstStyle/>
-        <a:p>
-          <a:endParaRPr lang="de-DE"/>
-        </a:p>
-      </dgm:t>
     </dgm:pt>
     <dgm:pt modelId="{9C99499F-1C29-4B12-834A-2272927A1F0F}" type="pres">
       <dgm:prSet presAssocID="{A9787F3F-5C7B-4B72-A332-8B62B49F8D64}" presName="outerBoxChildren" presStyleCnt="0"/>
       <dgm:spPr/>
-      <dgm:t>
-        <a:bodyPr/>
-        <a:lstStyle/>
-        <a:p>
-          <a:endParaRPr lang="en-GB"/>
-        </a:p>
-      </dgm:t>
     </dgm:pt>
   </dgm:ptLst>
   <dgm:cxnLst>
+    <dgm:cxn modelId="{919AF01B-C75E-4BFF-85A4-70A50FC1C230}" type="presOf" srcId="{AF821062-54CE-4AA3-A901-EBBB188C3ABA}" destId="{95439EA8-0052-492C-98B4-F3A1D4BBF0D1}" srcOrd="0" destOrd="0" presId="urn:microsoft.com/office/officeart/2005/8/layout/target2"/>
     <dgm:cxn modelId="{2C8A2AAD-D507-46EA-9623-153E6108ED40}" type="presOf" srcId="{A9787F3F-5C7B-4B72-A332-8B62B49F8D64}" destId="{C3F00803-2B34-4464-B3E3-A23365EA07A2}" srcOrd="0" destOrd="0" presId="urn:microsoft.com/office/officeart/2005/8/layout/target2"/>
     <dgm:cxn modelId="{50DACBF4-C907-4B39-B9DD-2B7CC4A96ED0}" srcId="{A9787F3F-5C7B-4B72-A332-8B62B49F8D64}" destId="{AF821062-54CE-4AA3-A901-EBBB188C3ABA}" srcOrd="0" destOrd="0" parTransId="{5C87C01C-F5C5-4B4B-8267-9C9CED326375}" sibTransId="{C027024A-2704-4713-B856-9E2650EA2736}"/>
-    <dgm:cxn modelId="{919AF01B-C75E-4BFF-85A4-70A50FC1C230}" type="presOf" srcId="{AF821062-54CE-4AA3-A901-EBBB188C3ABA}" destId="{95439EA8-0052-492C-98B4-F3A1D4BBF0D1}" srcOrd="0" destOrd="0" presId="urn:microsoft.com/office/officeart/2005/8/layout/target2"/>
     <dgm:cxn modelId="{812F4EB0-1E77-4341-BE8E-13F657B007A6}" type="presParOf" srcId="{C3F00803-2B34-4464-B3E3-A23365EA07A2}" destId="{36BC03FC-2BCB-4571-85DC-E05FA833CEBC}" srcOrd="0" destOrd="0" presId="urn:microsoft.com/office/officeart/2005/8/layout/target2"/>
     <dgm:cxn modelId="{04C99EBD-E5E7-4155-A575-5FBCF380A2E1}" type="presParOf" srcId="{36BC03FC-2BCB-4571-85DC-E05FA833CEBC}" destId="{95439EA8-0052-492C-98B4-F3A1D4BBF0D1}" srcOrd="0" destOrd="0" presId="urn:microsoft.com/office/officeart/2005/8/layout/target2"/>
     <dgm:cxn modelId="{B526F375-660E-4028-9E5B-2D31ABB7FF58}" type="presParOf" srcId="{36BC03FC-2BCB-4571-85DC-E05FA833CEBC}" destId="{9C99499F-1C29-4B12-834A-2272927A1F0F}" srcOrd="1" destOrd="0" presId="urn:microsoft.com/office/officeart/2005/8/layout/target2"/>
@@ -7097,11 +7963,11 @@
         <a:lstStyle/>
         <a:p>
           <a:r>
-            <a:rPr lang="de-DE" sz="2400" dirty="0" smtClean="0"/>
+            <a:rPr lang="de-DE" sz="2400" dirty="0"/>
             <a:t>Manage Data </a:t>
           </a:r>
           <a:r>
-            <a:rPr lang="de-DE" sz="2400" dirty="0" err="1" smtClean="0"/>
+            <a:rPr lang="de-DE" sz="2400" dirty="0" err="1"/>
             <a:t>Sources</a:t>
           </a:r>
           <a:endParaRPr lang="en-GB" sz="2400" dirty="0"/>
@@ -7138,7 +8004,7 @@
         <a:lstStyle/>
         <a:p>
           <a:r>
-            <a:rPr lang="de-DE" sz="2400" dirty="0" smtClean="0"/>
+            <a:rPr lang="de-DE" sz="2400" dirty="0"/>
             <a:t>Manage Users</a:t>
           </a:r>
           <a:endParaRPr lang="en-GB" sz="2400" dirty="0"/>
@@ -7175,15 +8041,11 @@
         <a:lstStyle/>
         <a:p>
           <a:r>
-            <a:rPr lang="de-DE" sz="2400" dirty="0" smtClean="0"/>
-            <a:t>Manage </a:t>
+            <a:rPr lang="de-DE" sz="2400" dirty="0"/>
+            <a:t>Manage User </a:t>
           </a:r>
           <a:r>
-            <a:rPr lang="de-DE" sz="2400" dirty="0" smtClean="0"/>
-            <a:t>User </a:t>
-          </a:r>
-          <a:r>
-            <a:rPr lang="de-DE" sz="2400" dirty="0" err="1" smtClean="0"/>
+            <a:rPr lang="de-DE" sz="2400" dirty="0" err="1"/>
             <a:t>Roles</a:t>
           </a:r>
           <a:endParaRPr lang="en-GB" sz="2400" dirty="0"/>
@@ -7220,11 +8082,11 @@
         <a:lstStyle/>
         <a:p>
           <a:r>
-            <a:rPr lang="de-DE" sz="2400" dirty="0" err="1" smtClean="0"/>
+            <a:rPr lang="de-DE" sz="2400" dirty="0" err="1"/>
             <a:t>Configure</a:t>
           </a:r>
           <a:r>
-            <a:rPr lang="de-DE" sz="2400" dirty="0" smtClean="0"/>
+            <a:rPr lang="de-DE" sz="2400" dirty="0"/>
             <a:t> GUI-Components</a:t>
           </a:r>
           <a:endParaRPr lang="en-GB" sz="2400" dirty="0"/>
@@ -7361,13 +8223,6 @@
     <dgm:pt modelId="{0DDA8EF2-A587-4517-BB8A-80F4D77F4912}" type="pres">
       <dgm:prSet presAssocID="{1C00E27E-7C82-4551-9664-79352327357D}" presName="bkgdShape" presStyleLbl="node1" presStyleIdx="2" presStyleCnt="4"/>
       <dgm:spPr/>
-      <dgm:t>
-        <a:bodyPr/>
-        <a:lstStyle/>
-        <a:p>
-          <a:endParaRPr lang="en-GB"/>
-        </a:p>
-      </dgm:t>
     </dgm:pt>
     <dgm:pt modelId="{38A55B83-1C9F-48E4-89F5-79BDCE89874C}" type="pres">
       <dgm:prSet presAssocID="{1C00E27E-7C82-4551-9664-79352327357D}" presName="nodeTx" presStyleLbl="node1" presStyleIdx="2" presStyleCnt="4">
@@ -7376,13 +8231,6 @@
         </dgm:presLayoutVars>
       </dgm:prSet>
       <dgm:spPr/>
-      <dgm:t>
-        <a:bodyPr/>
-        <a:lstStyle/>
-        <a:p>
-          <a:endParaRPr lang="en-GB"/>
-        </a:p>
-      </dgm:t>
     </dgm:pt>
     <dgm:pt modelId="{EC80EAF8-B716-43E1-9904-57C5AD0B9363}" type="pres">
       <dgm:prSet presAssocID="{1C00E27E-7C82-4551-9664-79352327357D}" presName="invisiNode" presStyleLbl="node1" presStyleIdx="2" presStyleCnt="4"/>
@@ -7417,13 +8265,6 @@
     <dgm:pt modelId="{6C409A10-2974-43AF-8BFF-A75377708C1A}" type="pres">
       <dgm:prSet presAssocID="{BCEEAC42-636B-4D0E-9D40-2C142B2EFF33}" presName="bkgdShape" presStyleLbl="node1" presStyleIdx="3" presStyleCnt="4" custLinFactNeighborY="-1361"/>
       <dgm:spPr/>
-      <dgm:t>
-        <a:bodyPr/>
-        <a:lstStyle/>
-        <a:p>
-          <a:endParaRPr lang="en-GB"/>
-        </a:p>
-      </dgm:t>
     </dgm:pt>
     <dgm:pt modelId="{08197717-4FD0-45AE-93D4-02FDA2A9F8C9}" type="pres">
       <dgm:prSet presAssocID="{BCEEAC42-636B-4D0E-9D40-2C142B2EFF33}" presName="nodeTx" presStyleLbl="node1" presStyleIdx="3" presStyleCnt="4">
@@ -7432,13 +8273,6 @@
         </dgm:presLayoutVars>
       </dgm:prSet>
       <dgm:spPr/>
-      <dgm:t>
-        <a:bodyPr/>
-        <a:lstStyle/>
-        <a:p>
-          <a:endParaRPr lang="en-GB"/>
-        </a:p>
-      </dgm:t>
     </dgm:pt>
     <dgm:pt modelId="{22870149-8EFC-4BE5-80D6-3F6648FBF57F}" type="pres">
       <dgm:prSet presAssocID="{BCEEAC42-636B-4D0E-9D40-2C142B2EFF33}" presName="invisiNode" presStyleLbl="node1" presStyleIdx="3" presStyleCnt="4"/>
@@ -7464,22 +8298,22 @@
     </dgm:pt>
   </dgm:ptLst>
   <dgm:cxnLst>
+    <dgm:cxn modelId="{8457BF05-069B-473B-8C71-EEA3D7E3DC14}" type="presOf" srcId="{1C00E27E-7C82-4551-9664-79352327357D}" destId="{38A55B83-1C9F-48E4-89F5-79BDCE89874C}" srcOrd="1" destOrd="0" presId="urn:microsoft.com/office/officeart/2005/8/layout/hList7"/>
+    <dgm:cxn modelId="{E2DC3710-F2A4-4EA2-BC1F-2E342AE06973}" type="presOf" srcId="{1C00E27E-7C82-4551-9664-79352327357D}" destId="{0DDA8EF2-A587-4517-BB8A-80F4D77F4912}" srcOrd="0" destOrd="0" presId="urn:microsoft.com/office/officeart/2005/8/layout/hList7"/>
     <dgm:cxn modelId="{C96D3E25-28BD-4ACA-AA4B-614CBF9D32E0}" srcId="{722B9504-D10C-4115-89CE-F1311B162E98}" destId="{344E2D0D-033D-4AC0-AD7D-3C8C0809A76B}" srcOrd="1" destOrd="0" parTransId="{17172E05-AA6A-4C97-AF63-5EC6FD6CE7B1}" sibTransId="{286D3C84-3DE1-461D-BA73-66B7931B8F6F}"/>
+    <dgm:cxn modelId="{26EC232A-17C4-4729-AD77-09825ECD4D96}" type="presOf" srcId="{8F705C71-7F04-4382-BCE9-416082A8062D}" destId="{3F0F2957-6237-4A8F-AF4F-E38C4EB781D1}" srcOrd="0" destOrd="0" presId="urn:microsoft.com/office/officeart/2005/8/layout/hList7"/>
+    <dgm:cxn modelId="{5AD37246-4CAA-4B3B-A0EE-972A0E5FBED5}" srcId="{722B9504-D10C-4115-89CE-F1311B162E98}" destId="{1C00E27E-7C82-4551-9664-79352327357D}" srcOrd="2" destOrd="0" parTransId="{009E2227-CD77-4F1D-9211-33D266289F34}" sibTransId="{82305E58-64D8-4F9A-877E-322CE8AA8B2A}"/>
+    <dgm:cxn modelId="{FC71AF68-6A31-4530-8056-56721A69CD83}" srcId="{722B9504-D10C-4115-89CE-F1311B162E98}" destId="{BCEEAC42-636B-4D0E-9D40-2C142B2EFF33}" srcOrd="3" destOrd="0" parTransId="{F83E7D6A-A034-4649-968C-FFD77C2C6E3F}" sibTransId="{34ED7AEF-A53D-4DDF-B674-617885ADF8B4}"/>
+    <dgm:cxn modelId="{7B6A0A52-1B0F-4FFB-9F1D-4E84F9AE4C2E}" srcId="{722B9504-D10C-4115-89CE-F1311B162E98}" destId="{8A39D260-E774-4086-9A1E-F4D76EB6628C}" srcOrd="0" destOrd="0" parTransId="{4DE3C0E7-8DCF-42F8-BE7E-69E1E8FC7945}" sibTransId="{8F705C71-7F04-4382-BCE9-416082A8062D}"/>
+    <dgm:cxn modelId="{04928A58-0189-4617-A9EE-BDECB5FAC0E5}" type="presOf" srcId="{82305E58-64D8-4F9A-877E-322CE8AA8B2A}" destId="{45989BD5-15CE-40B1-89FE-974415F58857}" srcOrd="0" destOrd="0" presId="urn:microsoft.com/office/officeart/2005/8/layout/hList7"/>
     <dgm:cxn modelId="{61EDE884-C3A1-4A39-A56B-D55A47726C5B}" type="presOf" srcId="{344E2D0D-033D-4AC0-AD7D-3C8C0809A76B}" destId="{3D87390C-A19E-4EAA-BA46-8863C7258FE1}" srcOrd="0" destOrd="0" presId="urn:microsoft.com/office/officeart/2005/8/layout/hList7"/>
-    <dgm:cxn modelId="{26EC232A-17C4-4729-AD77-09825ECD4D96}" type="presOf" srcId="{8F705C71-7F04-4382-BCE9-416082A8062D}" destId="{3F0F2957-6237-4A8F-AF4F-E38C4EB781D1}" srcOrd="0" destOrd="0" presId="urn:microsoft.com/office/officeart/2005/8/layout/hList7"/>
+    <dgm:cxn modelId="{9FDD6C8E-1D40-4085-BF36-23E0035E7E34}" type="presOf" srcId="{722B9504-D10C-4115-89CE-F1311B162E98}" destId="{7B6BE479-6790-45B5-8316-0B63EC101D28}" srcOrd="0" destOrd="0" presId="urn:microsoft.com/office/officeart/2005/8/layout/hList7"/>
+    <dgm:cxn modelId="{4E9E1893-7177-43EC-B51E-634706070457}" type="presOf" srcId="{344E2D0D-033D-4AC0-AD7D-3C8C0809A76B}" destId="{AE3E039C-B93B-4F84-88C6-F747D1A5EE40}" srcOrd="1" destOrd="0" presId="urn:microsoft.com/office/officeart/2005/8/layout/hList7"/>
+    <dgm:cxn modelId="{67906796-DBFD-4567-B86E-5755970BF85A}" type="presOf" srcId="{BCEEAC42-636B-4D0E-9D40-2C142B2EFF33}" destId="{08197717-4FD0-45AE-93D4-02FDA2A9F8C9}" srcOrd="1" destOrd="0" presId="urn:microsoft.com/office/officeart/2005/8/layout/hList7"/>
+    <dgm:cxn modelId="{762517A6-C42E-4190-83A9-F4A9CA8D84B3}" type="presOf" srcId="{8A39D260-E774-4086-9A1E-F4D76EB6628C}" destId="{732A92BD-0783-4D51-AC63-471429748958}" srcOrd="0" destOrd="0" presId="urn:microsoft.com/office/officeart/2005/8/layout/hList7"/>
+    <dgm:cxn modelId="{1BE8D4C9-A81F-4438-86FC-2C3885457572}" type="presOf" srcId="{8A39D260-E774-4086-9A1E-F4D76EB6628C}" destId="{9F99C228-F875-4AA3-96EB-873E24945449}" srcOrd="1" destOrd="0" presId="urn:microsoft.com/office/officeart/2005/8/layout/hList7"/>
     <dgm:cxn modelId="{488EDDEB-B4E5-4D1A-A40E-D6D1E422E54C}" type="presOf" srcId="{BCEEAC42-636B-4D0E-9D40-2C142B2EFF33}" destId="{6C409A10-2974-43AF-8BFF-A75377708C1A}" srcOrd="0" destOrd="0" presId="urn:microsoft.com/office/officeart/2005/8/layout/hList7"/>
-    <dgm:cxn modelId="{5AD37246-4CAA-4B3B-A0EE-972A0E5FBED5}" srcId="{722B9504-D10C-4115-89CE-F1311B162E98}" destId="{1C00E27E-7C82-4551-9664-79352327357D}" srcOrd="2" destOrd="0" parTransId="{009E2227-CD77-4F1D-9211-33D266289F34}" sibTransId="{82305E58-64D8-4F9A-877E-322CE8AA8B2A}"/>
     <dgm:cxn modelId="{53CC1BFA-40AC-4F0C-81B4-59DDEDFA7D9C}" type="presOf" srcId="{286D3C84-3DE1-461D-BA73-66B7931B8F6F}" destId="{58AB2206-1969-4EDB-89A6-C792A1E28EE8}" srcOrd="0" destOrd="0" presId="urn:microsoft.com/office/officeart/2005/8/layout/hList7"/>
-    <dgm:cxn modelId="{762517A6-C42E-4190-83A9-F4A9CA8D84B3}" type="presOf" srcId="{8A39D260-E774-4086-9A1E-F4D76EB6628C}" destId="{732A92BD-0783-4D51-AC63-471429748958}" srcOrd="0" destOrd="0" presId="urn:microsoft.com/office/officeart/2005/8/layout/hList7"/>
-    <dgm:cxn modelId="{8457BF05-069B-473B-8C71-EEA3D7E3DC14}" type="presOf" srcId="{1C00E27E-7C82-4551-9664-79352327357D}" destId="{38A55B83-1C9F-48E4-89F5-79BDCE89874C}" srcOrd="1" destOrd="0" presId="urn:microsoft.com/office/officeart/2005/8/layout/hList7"/>
-    <dgm:cxn modelId="{9FDD6C8E-1D40-4085-BF36-23E0035E7E34}" type="presOf" srcId="{722B9504-D10C-4115-89CE-F1311B162E98}" destId="{7B6BE479-6790-45B5-8316-0B63EC101D28}" srcOrd="0" destOrd="0" presId="urn:microsoft.com/office/officeart/2005/8/layout/hList7"/>
-    <dgm:cxn modelId="{67906796-DBFD-4567-B86E-5755970BF85A}" type="presOf" srcId="{BCEEAC42-636B-4D0E-9D40-2C142B2EFF33}" destId="{08197717-4FD0-45AE-93D4-02FDA2A9F8C9}" srcOrd="1" destOrd="0" presId="urn:microsoft.com/office/officeart/2005/8/layout/hList7"/>
-    <dgm:cxn modelId="{FC71AF68-6A31-4530-8056-56721A69CD83}" srcId="{722B9504-D10C-4115-89CE-F1311B162E98}" destId="{BCEEAC42-636B-4D0E-9D40-2C142B2EFF33}" srcOrd="3" destOrd="0" parTransId="{F83E7D6A-A034-4649-968C-FFD77C2C6E3F}" sibTransId="{34ED7AEF-A53D-4DDF-B674-617885ADF8B4}"/>
-    <dgm:cxn modelId="{E2DC3710-F2A4-4EA2-BC1F-2E342AE06973}" type="presOf" srcId="{1C00E27E-7C82-4551-9664-79352327357D}" destId="{0DDA8EF2-A587-4517-BB8A-80F4D77F4912}" srcOrd="0" destOrd="0" presId="urn:microsoft.com/office/officeart/2005/8/layout/hList7"/>
-    <dgm:cxn modelId="{1BE8D4C9-A81F-4438-86FC-2C3885457572}" type="presOf" srcId="{8A39D260-E774-4086-9A1E-F4D76EB6628C}" destId="{9F99C228-F875-4AA3-96EB-873E24945449}" srcOrd="1" destOrd="0" presId="urn:microsoft.com/office/officeart/2005/8/layout/hList7"/>
-    <dgm:cxn modelId="{04928A58-0189-4617-A9EE-BDECB5FAC0E5}" type="presOf" srcId="{82305E58-64D8-4F9A-877E-322CE8AA8B2A}" destId="{45989BD5-15CE-40B1-89FE-974415F58857}" srcOrd="0" destOrd="0" presId="urn:microsoft.com/office/officeart/2005/8/layout/hList7"/>
-    <dgm:cxn modelId="{4E9E1893-7177-43EC-B51E-634706070457}" type="presOf" srcId="{344E2D0D-033D-4AC0-AD7D-3C8C0809A76B}" destId="{AE3E039C-B93B-4F84-88C6-F747D1A5EE40}" srcOrd="1" destOrd="0" presId="urn:microsoft.com/office/officeart/2005/8/layout/hList7"/>
-    <dgm:cxn modelId="{7B6A0A52-1B0F-4FFB-9F1D-4E84F9AE4C2E}" srcId="{722B9504-D10C-4115-89CE-F1311B162E98}" destId="{8A39D260-E774-4086-9A1E-F4D76EB6628C}" srcOrd="0" destOrd="0" parTransId="{4DE3C0E7-8DCF-42F8-BE7E-69E1E8FC7945}" sibTransId="{8F705C71-7F04-4382-BCE9-416082A8062D}"/>
     <dgm:cxn modelId="{FD479B59-E968-43CF-81C7-C0EABE980252}" type="presParOf" srcId="{7B6BE479-6790-45B5-8316-0B63EC101D28}" destId="{F6A3FCBA-2BE7-4A2D-A549-FDE92D54DF3D}" srcOrd="0" destOrd="0" presId="urn:microsoft.com/office/officeart/2005/8/layout/hList7"/>
     <dgm:cxn modelId="{20EBF773-A2E6-4364-9A6B-05FCEB76D3C8}" type="presParOf" srcId="{7B6BE479-6790-45B5-8316-0B63EC101D28}" destId="{9AE0F1D1-E49C-4DFA-848E-300FCF46C074}" srcOrd="1" destOrd="0" presId="urn:microsoft.com/office/officeart/2005/8/layout/hList7"/>
     <dgm:cxn modelId="{C0CF0299-22B3-4C7A-8C5D-3737CE4054A1}" type="presParOf" srcId="{9AE0F1D1-E49C-4DFA-848E-300FCF46C074}" destId="{E72E439E-688B-4D5D-8E88-41C26F87F95D}" srcOrd="0" destOrd="0" presId="urn:microsoft.com/office/officeart/2005/8/layout/hList7"/>
@@ -7511,6 +8345,407 @@
   <dgm:extLst>
     <a:ext uri="http://schemas.microsoft.com/office/drawing/2008/diagram">
       <dsp:dataModelExt xmlns:dsp="http://schemas.microsoft.com/office/drawing/2008/diagram" relId="rId30" minVer="http://schemas.openxmlformats.org/drawingml/2006/diagram"/>
+    </a:ext>
+  </dgm:extLst>
+</dgm:dataModel>
+</file>
+
+<file path=ppt/diagrams/data6.xml><?xml version="1.0" encoding="utf-8"?>
+<dgm:dataModel xmlns:dgm="http://schemas.openxmlformats.org/drawingml/2006/diagram" xmlns:a="http://schemas.openxmlformats.org/drawingml/2006/main">
+  <dgm:ptLst>
+    <dgm:pt modelId="{40D39C02-6E7E-445B-96C5-C3030E4DEDD3}" type="doc">
+      <dgm:prSet loTypeId="urn:microsoft.com/office/officeart/2005/8/layout/hierarchy4" loCatId="list" qsTypeId="urn:microsoft.com/office/officeart/2005/8/quickstyle/simple4" qsCatId="simple" csTypeId="urn:microsoft.com/office/officeart/2005/8/colors/accent2_4" csCatId="accent2" phldr="1"/>
+      <dgm:spPr/>
+      <dgm:t>
+        <a:bodyPr/>
+        <a:lstStyle/>
+        <a:p>
+          <a:endParaRPr lang="de-DE"/>
+        </a:p>
+      </dgm:t>
+    </dgm:pt>
+    <dgm:pt modelId="{11F9C3EE-5FE7-4043-93E7-8A493DC93A7F}">
+      <dgm:prSet phldrT="[Text]"/>
+      <dgm:spPr/>
+      <dgm:t>
+        <a:bodyPr/>
+        <a:lstStyle/>
+        <a:p>
+          <a:r>
+            <a:rPr lang="de-DE" dirty="0"/>
+            <a:t>TODO</a:t>
+          </a:r>
+        </a:p>
+      </dgm:t>
+    </dgm:pt>
+    <dgm:pt modelId="{5C8D316F-63CA-46B8-A295-7AD2B14E6A42}" type="parTrans" cxnId="{5865D42A-107B-4894-BC81-87CA4632EE78}">
+      <dgm:prSet/>
+      <dgm:spPr/>
+      <dgm:t>
+        <a:bodyPr/>
+        <a:lstStyle/>
+        <a:p>
+          <a:endParaRPr lang="de-DE"/>
+        </a:p>
+      </dgm:t>
+    </dgm:pt>
+    <dgm:pt modelId="{F7CEA584-8431-4469-AB7D-9E5030398742}" type="sibTrans" cxnId="{5865D42A-107B-4894-BC81-87CA4632EE78}">
+      <dgm:prSet/>
+      <dgm:spPr/>
+      <dgm:t>
+        <a:bodyPr/>
+        <a:lstStyle/>
+        <a:p>
+          <a:endParaRPr lang="de-DE"/>
+        </a:p>
+      </dgm:t>
+    </dgm:pt>
+    <dgm:pt modelId="{EE9B310A-36DB-4C56-B849-F10270CDFF58}">
+      <dgm:prSet phldrT="[Text]" custT="1"/>
+      <dgm:spPr/>
+      <dgm:t>
+        <a:bodyPr/>
+        <a:lstStyle/>
+        <a:p>
+          <a:r>
+            <a:rPr lang="de-DE" sz="2400" dirty="0" err="1"/>
+            <a:t>Integrate</a:t>
+          </a:r>
+          <a:r>
+            <a:rPr lang="de-DE" sz="2400" dirty="0"/>
+            <a:t> </a:t>
+          </a:r>
+          <a:r>
+            <a:rPr lang="de-DE" sz="2400" dirty="0" err="1"/>
+            <a:t>data</a:t>
+          </a:r>
+          <a:r>
+            <a:rPr lang="de-DE" sz="2400" dirty="0"/>
+            <a:t> </a:t>
+          </a:r>
+          <a:r>
+            <a:rPr lang="de-DE" sz="2400" dirty="0" err="1"/>
+            <a:t>sources</a:t>
+          </a:r>
+          <a:endParaRPr lang="de-DE" sz="2400" dirty="0"/>
+        </a:p>
+      </dgm:t>
+    </dgm:pt>
+    <dgm:pt modelId="{4BBB446A-0752-40FA-91DC-7DAB4D7BDF99}" type="parTrans" cxnId="{4336B639-7869-46DA-9E4C-960FCA1CA7E2}">
+      <dgm:prSet/>
+      <dgm:spPr/>
+      <dgm:t>
+        <a:bodyPr/>
+        <a:lstStyle/>
+        <a:p>
+          <a:endParaRPr lang="de-DE"/>
+        </a:p>
+      </dgm:t>
+    </dgm:pt>
+    <dgm:pt modelId="{C35A4C89-DBF6-4EBD-A516-27BC10357204}" type="sibTrans" cxnId="{4336B639-7869-46DA-9E4C-960FCA1CA7E2}">
+      <dgm:prSet/>
+      <dgm:spPr/>
+      <dgm:t>
+        <a:bodyPr/>
+        <a:lstStyle/>
+        <a:p>
+          <a:endParaRPr lang="de-DE"/>
+        </a:p>
+      </dgm:t>
+    </dgm:pt>
+    <dgm:pt modelId="{9B2C0E19-5C4D-47D5-9FEC-7FC8E6322398}">
+      <dgm:prSet phldrT="[Text]" custT="1"/>
+      <dgm:spPr/>
+      <dgm:t>
+        <a:bodyPr/>
+        <a:lstStyle/>
+        <a:p>
+          <a:r>
+            <a:rPr lang="de-DE" sz="1800" dirty="0"/>
+            <a:t>Deploy </a:t>
+          </a:r>
+          <a:r>
+            <a:rPr lang="de-DE" sz="1800" dirty="0" err="1"/>
+            <a:t>to</a:t>
+          </a:r>
+          <a:r>
+            <a:rPr lang="de-DE" sz="1800" dirty="0"/>
+            <a:t> </a:t>
+          </a:r>
+          <a:r>
+            <a:rPr lang="de-DE" sz="1800" dirty="0" err="1"/>
+            <a:t>cloud</a:t>
+          </a:r>
+          <a:r>
+            <a:rPr lang="de-DE" sz="1800" dirty="0"/>
+            <a:t> </a:t>
+          </a:r>
+          <a:r>
+            <a:rPr lang="de-DE" sz="1800" dirty="0" err="1"/>
+            <a:t>environment</a:t>
+          </a:r>
+          <a:endParaRPr lang="de-DE" sz="1800" dirty="0"/>
+        </a:p>
+      </dgm:t>
+    </dgm:pt>
+    <dgm:pt modelId="{AFDF0333-AEA2-4405-9C2B-AA77DBF85C6D}" type="parTrans" cxnId="{7B34D7D0-FB24-4006-8AAA-2A2EFCA5E95A}">
+      <dgm:prSet/>
+      <dgm:spPr/>
+      <dgm:t>
+        <a:bodyPr/>
+        <a:lstStyle/>
+        <a:p>
+          <a:endParaRPr lang="de-DE"/>
+        </a:p>
+      </dgm:t>
+    </dgm:pt>
+    <dgm:pt modelId="{A9164638-BA0D-458C-B282-8B8F09B25AA4}" type="sibTrans" cxnId="{7B34D7D0-FB24-4006-8AAA-2A2EFCA5E95A}">
+      <dgm:prSet/>
+      <dgm:spPr/>
+      <dgm:t>
+        <a:bodyPr/>
+        <a:lstStyle/>
+        <a:p>
+          <a:endParaRPr lang="de-DE"/>
+        </a:p>
+      </dgm:t>
+    </dgm:pt>
+    <dgm:pt modelId="{C293FC51-3154-4458-A0E8-915B750DCB56}">
+      <dgm:prSet phldrT="[Text]" custT="1"/>
+      <dgm:spPr/>
+      <dgm:t>
+        <a:bodyPr/>
+        <a:lstStyle/>
+        <a:p>
+          <a:r>
+            <a:rPr lang="de-DE" sz="2000" dirty="0"/>
+            <a:t>Write </a:t>
+          </a:r>
+          <a:r>
+            <a:rPr lang="de-DE" sz="2000" dirty="0" err="1"/>
+            <a:t>dissertation</a:t>
+          </a:r>
+          <a:endParaRPr lang="de-DE" sz="2000" dirty="0"/>
+        </a:p>
+      </dgm:t>
+    </dgm:pt>
+    <dgm:pt modelId="{A6386695-5140-4AA7-B5D6-CA37237DA66A}" type="parTrans" cxnId="{F81EF07E-F1E8-4BCB-9212-756A88D32A2B}">
+      <dgm:prSet/>
+      <dgm:spPr/>
+      <dgm:t>
+        <a:bodyPr/>
+        <a:lstStyle/>
+        <a:p>
+          <a:endParaRPr lang="de-DE"/>
+        </a:p>
+      </dgm:t>
+    </dgm:pt>
+    <dgm:pt modelId="{808A54CE-4C6A-4E40-9340-1339084182EF}" type="sibTrans" cxnId="{F81EF07E-F1E8-4BCB-9212-756A88D32A2B}">
+      <dgm:prSet/>
+      <dgm:spPr/>
+      <dgm:t>
+        <a:bodyPr/>
+        <a:lstStyle/>
+        <a:p>
+          <a:endParaRPr lang="de-DE"/>
+        </a:p>
+      </dgm:t>
+    </dgm:pt>
+    <dgm:pt modelId="{EF97BBED-6F4A-4080-B00D-68175F5B3E88}">
+      <dgm:prSet phldrT="[Text]"/>
+      <dgm:spPr/>
+      <dgm:t>
+        <a:bodyPr/>
+        <a:lstStyle/>
+        <a:p>
+          <a:r>
+            <a:rPr lang="de-DE" dirty="0"/>
+            <a:t>Implement </a:t>
+          </a:r>
+          <a:r>
+            <a:rPr lang="de-DE" dirty="0" err="1"/>
+            <a:t>user</a:t>
+          </a:r>
+          <a:r>
+            <a:rPr lang="de-DE" dirty="0"/>
+            <a:t> </a:t>
+          </a:r>
+          <a:r>
+            <a:rPr lang="de-DE" dirty="0" err="1"/>
+            <a:t>management</a:t>
+          </a:r>
+          <a:endParaRPr lang="de-DE" dirty="0"/>
+        </a:p>
+      </dgm:t>
+    </dgm:pt>
+    <dgm:pt modelId="{A2968A96-D7B3-4DBC-AB56-7FF07610AA0B}" type="parTrans" cxnId="{4948C208-33B6-4197-828C-CAEBECE2E804}">
+      <dgm:prSet/>
+      <dgm:spPr/>
+      <dgm:t>
+        <a:bodyPr/>
+        <a:lstStyle/>
+        <a:p>
+          <a:endParaRPr lang="de-DE"/>
+        </a:p>
+      </dgm:t>
+    </dgm:pt>
+    <dgm:pt modelId="{AE74EB61-71E4-43E4-BE40-5446B41ADADB}" type="sibTrans" cxnId="{4948C208-33B6-4197-828C-CAEBECE2E804}">
+      <dgm:prSet/>
+      <dgm:spPr/>
+      <dgm:t>
+        <a:bodyPr/>
+        <a:lstStyle/>
+        <a:p>
+          <a:endParaRPr lang="de-DE"/>
+        </a:p>
+      </dgm:t>
+    </dgm:pt>
+    <dgm:pt modelId="{117D6E92-1DF2-469B-AC1C-7AA46ED54B6C}" type="pres">
+      <dgm:prSet presAssocID="{40D39C02-6E7E-445B-96C5-C3030E4DEDD3}" presName="Name0" presStyleCnt="0">
+        <dgm:presLayoutVars>
+          <dgm:chPref val="1"/>
+          <dgm:dir/>
+          <dgm:animOne val="branch"/>
+          <dgm:animLvl val="lvl"/>
+          <dgm:resizeHandles/>
+        </dgm:presLayoutVars>
+      </dgm:prSet>
+      <dgm:spPr/>
+    </dgm:pt>
+    <dgm:pt modelId="{4181D08F-5247-40D9-9945-92F008AE3FEB}" type="pres">
+      <dgm:prSet presAssocID="{11F9C3EE-5FE7-4043-93E7-8A493DC93A7F}" presName="vertOne" presStyleCnt="0"/>
+      <dgm:spPr/>
+    </dgm:pt>
+    <dgm:pt modelId="{2ABC9284-7FFB-4588-B89C-AF1BE618CFEB}" type="pres">
+      <dgm:prSet presAssocID="{11F9C3EE-5FE7-4043-93E7-8A493DC93A7F}" presName="txOne" presStyleLbl="node0" presStyleIdx="0" presStyleCnt="1" custLinFactNeighborX="-2399" custLinFactNeighborY="624">
+        <dgm:presLayoutVars>
+          <dgm:chPref val="3"/>
+        </dgm:presLayoutVars>
+      </dgm:prSet>
+      <dgm:spPr/>
+    </dgm:pt>
+    <dgm:pt modelId="{22E7CD9E-3A9F-43BB-8778-D3D72FC5E936}" type="pres">
+      <dgm:prSet presAssocID="{11F9C3EE-5FE7-4043-93E7-8A493DC93A7F}" presName="parTransOne" presStyleCnt="0"/>
+      <dgm:spPr/>
+    </dgm:pt>
+    <dgm:pt modelId="{DE58F7A3-691F-465B-860C-0BD8C3859E5F}" type="pres">
+      <dgm:prSet presAssocID="{11F9C3EE-5FE7-4043-93E7-8A493DC93A7F}" presName="horzOne" presStyleCnt="0"/>
+      <dgm:spPr/>
+    </dgm:pt>
+    <dgm:pt modelId="{E2F055E0-4B21-49B8-84BD-D4544F2CCC33}" type="pres">
+      <dgm:prSet presAssocID="{EE9B310A-36DB-4C56-B849-F10270CDFF58}" presName="vertTwo" presStyleCnt="0"/>
+      <dgm:spPr/>
+    </dgm:pt>
+    <dgm:pt modelId="{1B594F78-0100-4A74-8223-C38B15A6865B}" type="pres">
+      <dgm:prSet presAssocID="{EE9B310A-36DB-4C56-B849-F10270CDFF58}" presName="txTwo" presStyleLbl="node2" presStyleIdx="0" presStyleCnt="4">
+        <dgm:presLayoutVars>
+          <dgm:chPref val="3"/>
+        </dgm:presLayoutVars>
+      </dgm:prSet>
+      <dgm:spPr/>
+    </dgm:pt>
+    <dgm:pt modelId="{94E8B174-BA4A-4BDC-B04E-FD595C16C8F8}" type="pres">
+      <dgm:prSet presAssocID="{EE9B310A-36DB-4C56-B849-F10270CDFF58}" presName="horzTwo" presStyleCnt="0"/>
+      <dgm:spPr/>
+    </dgm:pt>
+    <dgm:pt modelId="{A65FD0CB-50D5-4F50-A051-8C12CECFB0C1}" type="pres">
+      <dgm:prSet presAssocID="{C35A4C89-DBF6-4EBD-A516-27BC10357204}" presName="sibSpaceTwo" presStyleCnt="0"/>
+      <dgm:spPr/>
+    </dgm:pt>
+    <dgm:pt modelId="{3697C6A5-9DC5-4D58-BA15-58B75EC9B060}" type="pres">
+      <dgm:prSet presAssocID="{9B2C0E19-5C4D-47D5-9FEC-7FC8E6322398}" presName="vertTwo" presStyleCnt="0"/>
+      <dgm:spPr/>
+    </dgm:pt>
+    <dgm:pt modelId="{1896047C-E8EF-4D27-81F4-46E2F906C057}" type="pres">
+      <dgm:prSet presAssocID="{9B2C0E19-5C4D-47D5-9FEC-7FC8E6322398}" presName="txTwo" presStyleLbl="node2" presStyleIdx="1" presStyleCnt="4">
+        <dgm:presLayoutVars>
+          <dgm:chPref val="3"/>
+        </dgm:presLayoutVars>
+      </dgm:prSet>
+      <dgm:spPr/>
+    </dgm:pt>
+    <dgm:pt modelId="{B2276957-7481-400F-ADD9-43560D14EE86}" type="pres">
+      <dgm:prSet presAssocID="{9B2C0E19-5C4D-47D5-9FEC-7FC8E6322398}" presName="horzTwo" presStyleCnt="0"/>
+      <dgm:spPr/>
+    </dgm:pt>
+    <dgm:pt modelId="{4398B6E4-1000-47EB-97FF-D4FBDC5A7CE2}" type="pres">
+      <dgm:prSet presAssocID="{A9164638-BA0D-458C-B282-8B8F09B25AA4}" presName="sibSpaceTwo" presStyleCnt="0"/>
+      <dgm:spPr/>
+    </dgm:pt>
+    <dgm:pt modelId="{98064130-5245-4906-B569-042A15FA51C3}" type="pres">
+      <dgm:prSet presAssocID="{C293FC51-3154-4458-A0E8-915B750DCB56}" presName="vertTwo" presStyleCnt="0"/>
+      <dgm:spPr/>
+    </dgm:pt>
+    <dgm:pt modelId="{8EC06251-1195-4424-A4B0-4B0095384837}" type="pres">
+      <dgm:prSet presAssocID="{C293FC51-3154-4458-A0E8-915B750DCB56}" presName="txTwo" presStyleLbl="node2" presStyleIdx="2" presStyleCnt="4">
+        <dgm:presLayoutVars>
+          <dgm:chPref val="3"/>
+        </dgm:presLayoutVars>
+      </dgm:prSet>
+      <dgm:spPr/>
+    </dgm:pt>
+    <dgm:pt modelId="{3EBC1781-790E-42BD-9033-ACF28FDA002C}" type="pres">
+      <dgm:prSet presAssocID="{C293FC51-3154-4458-A0E8-915B750DCB56}" presName="horzTwo" presStyleCnt="0"/>
+      <dgm:spPr/>
+    </dgm:pt>
+    <dgm:pt modelId="{932B0348-AB71-4B11-9982-78868B33A806}" type="pres">
+      <dgm:prSet presAssocID="{808A54CE-4C6A-4E40-9340-1339084182EF}" presName="sibSpaceTwo" presStyleCnt="0"/>
+      <dgm:spPr/>
+    </dgm:pt>
+    <dgm:pt modelId="{4945EFCA-EBE0-45CA-B80F-72F1BE69F3A8}" type="pres">
+      <dgm:prSet presAssocID="{EF97BBED-6F4A-4080-B00D-68175F5B3E88}" presName="vertTwo" presStyleCnt="0"/>
+      <dgm:spPr/>
+    </dgm:pt>
+    <dgm:pt modelId="{BF06C703-7C1F-43CA-B1F4-024627712D71}" type="pres">
+      <dgm:prSet presAssocID="{EF97BBED-6F4A-4080-B00D-68175F5B3E88}" presName="txTwo" presStyleLbl="node2" presStyleIdx="3" presStyleCnt="4">
+        <dgm:presLayoutVars>
+          <dgm:chPref val="3"/>
+        </dgm:presLayoutVars>
+      </dgm:prSet>
+      <dgm:spPr/>
+    </dgm:pt>
+    <dgm:pt modelId="{B3650F3D-DBCA-4E7B-BFC0-A106951A2975}" type="pres">
+      <dgm:prSet presAssocID="{EF97BBED-6F4A-4080-B00D-68175F5B3E88}" presName="horzTwo" presStyleCnt="0"/>
+      <dgm:spPr/>
+    </dgm:pt>
+  </dgm:ptLst>
+  <dgm:cxnLst>
+    <dgm:cxn modelId="{8A36DE03-92B0-4699-9B98-4C77E1D30E33}" type="presOf" srcId="{40D39C02-6E7E-445B-96C5-C3030E4DEDD3}" destId="{117D6E92-1DF2-469B-AC1C-7AA46ED54B6C}" srcOrd="0" destOrd="0" presId="urn:microsoft.com/office/officeart/2005/8/layout/hierarchy4"/>
+    <dgm:cxn modelId="{4948C208-33B6-4197-828C-CAEBECE2E804}" srcId="{11F9C3EE-5FE7-4043-93E7-8A493DC93A7F}" destId="{EF97BBED-6F4A-4080-B00D-68175F5B3E88}" srcOrd="3" destOrd="0" parTransId="{A2968A96-D7B3-4DBC-AB56-7FF07610AA0B}" sibTransId="{AE74EB61-71E4-43E4-BE40-5446B41ADADB}"/>
+    <dgm:cxn modelId="{C4022D1A-904D-4599-8362-090E0FC5061F}" type="presOf" srcId="{11F9C3EE-5FE7-4043-93E7-8A493DC93A7F}" destId="{2ABC9284-7FFB-4588-B89C-AF1BE618CFEB}" srcOrd="0" destOrd="0" presId="urn:microsoft.com/office/officeart/2005/8/layout/hierarchy4"/>
+    <dgm:cxn modelId="{1B8B911A-2ABA-42FE-8F3B-A3583BE0B00C}" type="presOf" srcId="{C293FC51-3154-4458-A0E8-915B750DCB56}" destId="{8EC06251-1195-4424-A4B0-4B0095384837}" srcOrd="0" destOrd="0" presId="urn:microsoft.com/office/officeart/2005/8/layout/hierarchy4"/>
+    <dgm:cxn modelId="{A236AB1A-DF97-4EE0-9581-7AFCA63EE17C}" type="presOf" srcId="{EF97BBED-6F4A-4080-B00D-68175F5B3E88}" destId="{BF06C703-7C1F-43CA-B1F4-024627712D71}" srcOrd="0" destOrd="0" presId="urn:microsoft.com/office/officeart/2005/8/layout/hierarchy4"/>
+    <dgm:cxn modelId="{5865D42A-107B-4894-BC81-87CA4632EE78}" srcId="{40D39C02-6E7E-445B-96C5-C3030E4DEDD3}" destId="{11F9C3EE-5FE7-4043-93E7-8A493DC93A7F}" srcOrd="0" destOrd="0" parTransId="{5C8D316F-63CA-46B8-A295-7AD2B14E6A42}" sibTransId="{F7CEA584-8431-4469-AB7D-9E5030398742}"/>
+    <dgm:cxn modelId="{4336B639-7869-46DA-9E4C-960FCA1CA7E2}" srcId="{11F9C3EE-5FE7-4043-93E7-8A493DC93A7F}" destId="{EE9B310A-36DB-4C56-B849-F10270CDFF58}" srcOrd="0" destOrd="0" parTransId="{4BBB446A-0752-40FA-91DC-7DAB4D7BDF99}" sibTransId="{C35A4C89-DBF6-4EBD-A516-27BC10357204}"/>
+    <dgm:cxn modelId="{E958F846-CAF5-42F0-8120-202580D5F619}" type="presOf" srcId="{9B2C0E19-5C4D-47D5-9FEC-7FC8E6322398}" destId="{1896047C-E8EF-4D27-81F4-46E2F906C057}" srcOrd="0" destOrd="0" presId="urn:microsoft.com/office/officeart/2005/8/layout/hierarchy4"/>
+    <dgm:cxn modelId="{F81EF07E-F1E8-4BCB-9212-756A88D32A2B}" srcId="{11F9C3EE-5FE7-4043-93E7-8A493DC93A7F}" destId="{C293FC51-3154-4458-A0E8-915B750DCB56}" srcOrd="2" destOrd="0" parTransId="{A6386695-5140-4AA7-B5D6-CA37237DA66A}" sibTransId="{808A54CE-4C6A-4E40-9340-1339084182EF}"/>
+    <dgm:cxn modelId="{7B34D7D0-FB24-4006-8AAA-2A2EFCA5E95A}" srcId="{11F9C3EE-5FE7-4043-93E7-8A493DC93A7F}" destId="{9B2C0E19-5C4D-47D5-9FEC-7FC8E6322398}" srcOrd="1" destOrd="0" parTransId="{AFDF0333-AEA2-4405-9C2B-AA77DBF85C6D}" sibTransId="{A9164638-BA0D-458C-B282-8B8F09B25AA4}"/>
+    <dgm:cxn modelId="{D86646F8-99B0-4E9F-8539-BB57692CF17E}" type="presOf" srcId="{EE9B310A-36DB-4C56-B849-F10270CDFF58}" destId="{1B594F78-0100-4A74-8223-C38B15A6865B}" srcOrd="0" destOrd="0" presId="urn:microsoft.com/office/officeart/2005/8/layout/hierarchy4"/>
+    <dgm:cxn modelId="{92526422-2646-4484-8288-306D11D93D86}" type="presParOf" srcId="{117D6E92-1DF2-469B-AC1C-7AA46ED54B6C}" destId="{4181D08F-5247-40D9-9945-92F008AE3FEB}" srcOrd="0" destOrd="0" presId="urn:microsoft.com/office/officeart/2005/8/layout/hierarchy4"/>
+    <dgm:cxn modelId="{C76EAE08-040B-42B4-9970-D70B8AEE5CFB}" type="presParOf" srcId="{4181D08F-5247-40D9-9945-92F008AE3FEB}" destId="{2ABC9284-7FFB-4588-B89C-AF1BE618CFEB}" srcOrd="0" destOrd="0" presId="urn:microsoft.com/office/officeart/2005/8/layout/hierarchy4"/>
+    <dgm:cxn modelId="{DCBB9CB6-FD71-4B31-A8D2-728BEB8C4595}" type="presParOf" srcId="{4181D08F-5247-40D9-9945-92F008AE3FEB}" destId="{22E7CD9E-3A9F-43BB-8778-D3D72FC5E936}" srcOrd="1" destOrd="0" presId="urn:microsoft.com/office/officeart/2005/8/layout/hierarchy4"/>
+    <dgm:cxn modelId="{EE28E25F-2CB3-449F-A80E-F7BE12A8C06B}" type="presParOf" srcId="{4181D08F-5247-40D9-9945-92F008AE3FEB}" destId="{DE58F7A3-691F-465B-860C-0BD8C3859E5F}" srcOrd="2" destOrd="0" presId="urn:microsoft.com/office/officeart/2005/8/layout/hierarchy4"/>
+    <dgm:cxn modelId="{3A933068-FEA1-4086-9E92-1F4C5C97ED93}" type="presParOf" srcId="{DE58F7A3-691F-465B-860C-0BD8C3859E5F}" destId="{E2F055E0-4B21-49B8-84BD-D4544F2CCC33}" srcOrd="0" destOrd="0" presId="urn:microsoft.com/office/officeart/2005/8/layout/hierarchy4"/>
+    <dgm:cxn modelId="{BCF9515A-68BB-43EC-B8DE-DD71EB4B2C51}" type="presParOf" srcId="{E2F055E0-4B21-49B8-84BD-D4544F2CCC33}" destId="{1B594F78-0100-4A74-8223-C38B15A6865B}" srcOrd="0" destOrd="0" presId="urn:microsoft.com/office/officeart/2005/8/layout/hierarchy4"/>
+    <dgm:cxn modelId="{261885BD-ABB6-4089-A72E-DFAD9F404913}" type="presParOf" srcId="{E2F055E0-4B21-49B8-84BD-D4544F2CCC33}" destId="{94E8B174-BA4A-4BDC-B04E-FD595C16C8F8}" srcOrd="1" destOrd="0" presId="urn:microsoft.com/office/officeart/2005/8/layout/hierarchy4"/>
+    <dgm:cxn modelId="{C0253B6F-013C-44BE-83BE-BF64B22FB524}" type="presParOf" srcId="{DE58F7A3-691F-465B-860C-0BD8C3859E5F}" destId="{A65FD0CB-50D5-4F50-A051-8C12CECFB0C1}" srcOrd="1" destOrd="0" presId="urn:microsoft.com/office/officeart/2005/8/layout/hierarchy4"/>
+    <dgm:cxn modelId="{D5F3440B-61C3-40F0-93C9-B231CDB2875B}" type="presParOf" srcId="{DE58F7A3-691F-465B-860C-0BD8C3859E5F}" destId="{3697C6A5-9DC5-4D58-BA15-58B75EC9B060}" srcOrd="2" destOrd="0" presId="urn:microsoft.com/office/officeart/2005/8/layout/hierarchy4"/>
+    <dgm:cxn modelId="{E9146C81-2F7E-4313-A567-B9A9A7E53EF8}" type="presParOf" srcId="{3697C6A5-9DC5-4D58-BA15-58B75EC9B060}" destId="{1896047C-E8EF-4D27-81F4-46E2F906C057}" srcOrd="0" destOrd="0" presId="urn:microsoft.com/office/officeart/2005/8/layout/hierarchy4"/>
+    <dgm:cxn modelId="{A013153A-244F-4F9A-AEFA-1409C78D70B7}" type="presParOf" srcId="{3697C6A5-9DC5-4D58-BA15-58B75EC9B060}" destId="{B2276957-7481-400F-ADD9-43560D14EE86}" srcOrd="1" destOrd="0" presId="urn:microsoft.com/office/officeart/2005/8/layout/hierarchy4"/>
+    <dgm:cxn modelId="{64AC582B-7EF4-4D3D-88A4-7A53B64FA6D5}" type="presParOf" srcId="{DE58F7A3-691F-465B-860C-0BD8C3859E5F}" destId="{4398B6E4-1000-47EB-97FF-D4FBDC5A7CE2}" srcOrd="3" destOrd="0" presId="urn:microsoft.com/office/officeart/2005/8/layout/hierarchy4"/>
+    <dgm:cxn modelId="{278C6CAD-80A8-445E-AE43-E971B86EB7DA}" type="presParOf" srcId="{DE58F7A3-691F-465B-860C-0BD8C3859E5F}" destId="{98064130-5245-4906-B569-042A15FA51C3}" srcOrd="4" destOrd="0" presId="urn:microsoft.com/office/officeart/2005/8/layout/hierarchy4"/>
+    <dgm:cxn modelId="{B2B4EE20-57B9-40AD-B9A7-FAF52F39475F}" type="presParOf" srcId="{98064130-5245-4906-B569-042A15FA51C3}" destId="{8EC06251-1195-4424-A4B0-4B0095384837}" srcOrd="0" destOrd="0" presId="urn:microsoft.com/office/officeart/2005/8/layout/hierarchy4"/>
+    <dgm:cxn modelId="{4546487F-82A7-431C-B4F6-F60F2A92CF23}" type="presParOf" srcId="{98064130-5245-4906-B569-042A15FA51C3}" destId="{3EBC1781-790E-42BD-9033-ACF28FDA002C}" srcOrd="1" destOrd="0" presId="urn:microsoft.com/office/officeart/2005/8/layout/hierarchy4"/>
+    <dgm:cxn modelId="{5A22234F-A9E3-4120-B1DE-4C0CF28AA17A}" type="presParOf" srcId="{DE58F7A3-691F-465B-860C-0BD8C3859E5F}" destId="{932B0348-AB71-4B11-9982-78868B33A806}" srcOrd="5" destOrd="0" presId="urn:microsoft.com/office/officeart/2005/8/layout/hierarchy4"/>
+    <dgm:cxn modelId="{DC0BFE39-111E-43E9-BE39-17AB7ED3F274}" type="presParOf" srcId="{DE58F7A3-691F-465B-860C-0BD8C3859E5F}" destId="{4945EFCA-EBE0-45CA-B80F-72F1BE69F3A8}" srcOrd="6" destOrd="0" presId="urn:microsoft.com/office/officeart/2005/8/layout/hierarchy4"/>
+    <dgm:cxn modelId="{8854FE38-34A7-418B-8A75-516B06EE4D52}" type="presParOf" srcId="{4945EFCA-EBE0-45CA-B80F-72F1BE69F3A8}" destId="{BF06C703-7C1F-43CA-B1F4-024627712D71}" srcOrd="0" destOrd="0" presId="urn:microsoft.com/office/officeart/2005/8/layout/hierarchy4"/>
+    <dgm:cxn modelId="{8F69B29B-0F15-4770-BA8B-F1C140ED3D18}" type="presParOf" srcId="{4945EFCA-EBE0-45CA-B80F-72F1BE69F3A8}" destId="{B3650F3D-DBCA-4E7B-BFC0-A106951A2975}" srcOrd="1" destOrd="0" presId="urn:microsoft.com/office/officeart/2005/8/layout/hierarchy4"/>
+  </dgm:cxnLst>
+  <dgm:bg/>
+  <dgm:whole/>
+  <dgm:extLst>
+    <a:ext uri="http://schemas.microsoft.com/office/drawing/2008/diagram">
+      <dsp:dataModelExt xmlns:dsp="http://schemas.microsoft.com/office/drawing/2008/diagram" relId="rId37" minVer="http://schemas.openxmlformats.org/drawingml/2006/diagram"/>
     </a:ext>
   </dgm:extLst>
 </dgm:dataModel>
@@ -7591,10 +8826,10 @@
             <a:spcAft>
               <a:spcPct val="15000"/>
             </a:spcAft>
-            <a:buChar char="••"/>
+            <a:buChar char="•"/>
           </a:pPr>
           <a:r>
-            <a:rPr lang="de-DE" sz="2400" kern="1200" dirty="0" err="1" smtClean="0"/>
+            <a:rPr lang="de-DE" sz="2400" kern="1200" dirty="0" err="1"/>
             <a:t>Prototyping</a:t>
           </a:r>
           <a:endParaRPr lang="de-DE" sz="2400" kern="1200" dirty="0"/>
@@ -7610,13 +8845,12 @@
             <a:spcAft>
               <a:spcPct val="15000"/>
             </a:spcAft>
-            <a:buChar char="••"/>
+            <a:buChar char="•"/>
           </a:pPr>
           <a:r>
-            <a:rPr lang="en-GB" sz="2400" kern="1200" noProof="0" dirty="0" smtClean="0"/>
+            <a:rPr lang="en-GB" sz="2400" kern="1200" noProof="0" dirty="0"/>
             <a:t>Feedback</a:t>
           </a:r>
-          <a:endParaRPr lang="en-GB" sz="2400" kern="1200" noProof="0" dirty="0"/>
         </a:p>
         <a:p>
           <a:pPr marL="228600" lvl="1" indent="-228600" algn="l" defTabSz="1066800">
@@ -7629,17 +8863,16 @@
             <a:spcAft>
               <a:spcPct val="15000"/>
             </a:spcAft>
-            <a:buChar char="••"/>
+            <a:buChar char="•"/>
           </a:pPr>
           <a:r>
-            <a:rPr lang="en-GB" sz="2400" kern="1200" noProof="0" dirty="0" smtClean="0"/>
+            <a:rPr lang="en-GB" sz="2400" kern="1200" noProof="0" dirty="0"/>
             <a:t>Implementation</a:t>
           </a:r>
-          <a:endParaRPr lang="en-GB" sz="2400" kern="1200" noProof="0" dirty="0"/>
         </a:p>
       </dsp:txBody>
       <dsp:txXfrm rot="-5400000">
-        <a:off x="2337073" y="136314"/>
+        <a:off x="2337073" y="136313"/>
         <a:ext cx="4098166" cy="1046830"/>
       </dsp:txXfrm>
     </dsp:sp>
@@ -7726,7 +8959,7 @@
         </a:bodyPr>
         <a:lstStyle/>
         <a:p>
-          <a:pPr lvl="0" algn="ctr" defTabSz="1333500">
+          <a:pPr marL="0" lvl="0" indent="0" algn="ctr" defTabSz="1333500">
             <a:lnSpc>
               <a:spcPct val="90000"/>
             </a:lnSpc>
@@ -7736,12 +8969,12 @@
             <a:spcAft>
               <a:spcPct val="35000"/>
             </a:spcAft>
+            <a:buNone/>
           </a:pPr>
           <a:r>
-            <a:rPr lang="en-GB" sz="3000" kern="1200" noProof="0" dirty="0" smtClean="0"/>
+            <a:rPr lang="en-GB" sz="3000" kern="1200" noProof="0" dirty="0"/>
             <a:t>Architecture</a:t>
           </a:r>
-          <a:endParaRPr lang="en-GB" sz="3000" kern="1200" noProof="0" dirty="0"/>
         </a:p>
       </dsp:txBody>
       <dsp:txXfrm>
@@ -7828,17 +9061,16 @@
             <a:spcAft>
               <a:spcPct val="15000"/>
             </a:spcAft>
-            <a:buChar char="••"/>
+            <a:buChar char="•"/>
           </a:pPr>
           <a:r>
-            <a:rPr lang="en-GB" sz="2400" kern="1200" noProof="0" dirty="0" smtClean="0"/>
+            <a:rPr lang="en-GB" sz="2400" kern="1200" noProof="0" dirty="0"/>
             <a:t>Analyse</a:t>
           </a:r>
           <a:r>
-            <a:rPr lang="de-DE" sz="2400" kern="1200" dirty="0" smtClean="0"/>
+            <a:rPr lang="de-DE" sz="2400" kern="1200" dirty="0"/>
             <a:t> Feedback</a:t>
           </a:r>
-          <a:endParaRPr lang="de-DE" sz="2400" kern="1200" dirty="0"/>
         </a:p>
         <a:p>
           <a:pPr marL="228600" lvl="1" indent="-228600" algn="l" defTabSz="1066800">
@@ -7851,13 +9083,12 @@
             <a:spcAft>
               <a:spcPct val="15000"/>
             </a:spcAft>
-            <a:buChar char="••"/>
+            <a:buChar char="•"/>
           </a:pPr>
           <a:r>
-            <a:rPr lang="de-DE" sz="2400" kern="1200" dirty="0" smtClean="0"/>
+            <a:rPr lang="de-DE" sz="2400" kern="1200" dirty="0"/>
             <a:t>Write Dissertation</a:t>
           </a:r>
-          <a:endParaRPr lang="de-DE" sz="2400" kern="1200" dirty="0"/>
         </a:p>
         <a:p>
           <a:pPr marL="228600" lvl="1" indent="-228600" algn="l" defTabSz="1066800">
@@ -7870,13 +9101,12 @@
             <a:spcAft>
               <a:spcPct val="15000"/>
             </a:spcAft>
-            <a:buChar char="••"/>
+            <a:buChar char="•"/>
           </a:pPr>
           <a:r>
-            <a:rPr lang="de-DE" sz="2400" kern="1200" dirty="0" smtClean="0"/>
+            <a:rPr lang="de-DE" sz="2400" kern="1200" dirty="0"/>
             <a:t>Summary &amp; Outlook</a:t>
           </a:r>
-          <a:endParaRPr lang="de-DE" sz="2400" kern="1200" dirty="0"/>
         </a:p>
       </dsp:txBody>
       <dsp:txXfrm rot="-5400000">
@@ -7967,7 +9197,7 @@
         </a:bodyPr>
         <a:lstStyle/>
         <a:p>
-          <a:pPr lvl="0" algn="ctr" defTabSz="1333500">
+          <a:pPr marL="0" lvl="0" indent="0" algn="ctr" defTabSz="1333500">
             <a:lnSpc>
               <a:spcPct val="90000"/>
             </a:lnSpc>
@@ -7977,12 +9207,12 @@
             <a:spcAft>
               <a:spcPct val="35000"/>
             </a:spcAft>
+            <a:buNone/>
           </a:pPr>
           <a:r>
-            <a:rPr lang="en-GB" sz="3000" kern="1200" noProof="0" dirty="0" smtClean="0"/>
+            <a:rPr lang="en-GB" sz="3000" kern="1200" noProof="0" dirty="0"/>
             <a:t>Documentation</a:t>
           </a:r>
-          <a:endParaRPr lang="en-GB" sz="3000" kern="1200" noProof="0" dirty="0"/>
         </a:p>
       </dsp:txBody>
       <dsp:txXfrm>
@@ -8093,7 +9323,7 @@
         </a:bodyPr>
         <a:lstStyle/>
         <a:p>
-          <a:pPr lvl="0" algn="l" defTabSz="1244600">
+          <a:pPr marL="0" lvl="0" indent="0" algn="l" defTabSz="1244600">
             <a:lnSpc>
               <a:spcPct val="90000"/>
             </a:lnSpc>
@@ -8103,15 +9333,15 @@
             <a:spcAft>
               <a:spcPct val="35000"/>
             </a:spcAft>
+            <a:buNone/>
           </a:pPr>
           <a:r>
-            <a:rPr lang="en-GB" sz="2800" kern="1200" noProof="0" dirty="0" smtClean="0"/>
+            <a:rPr lang="en-GB" sz="2800" kern="1200" noProof="0" dirty="0"/>
             <a:t>Real-time data</a:t>
           </a:r>
-          <a:endParaRPr lang="en-GB" sz="2800" kern="1200" noProof="0" dirty="0"/>
         </a:p>
         <a:p>
-          <a:pPr lvl="0" algn="l" defTabSz="1244600">
+          <a:pPr marL="0" lvl="0" indent="0" algn="l" defTabSz="1244600">
             <a:lnSpc>
               <a:spcPct val="90000"/>
             </a:lnSpc>
@@ -8121,19 +9351,20 @@
             <a:spcAft>
               <a:spcPct val="35000"/>
             </a:spcAft>
+            <a:buNone/>
           </a:pPr>
           <a:r>
-            <a:rPr lang="de-DE" sz="2800" kern="1200" noProof="0" dirty="0" smtClean="0"/>
+            <a:rPr lang="de-DE" sz="2800" kern="1200" noProof="0" dirty="0"/>
             <a:t>Historical </a:t>
           </a:r>
           <a:r>
-            <a:rPr lang="de-DE" sz="2800" kern="1200" noProof="0" dirty="0" err="1" smtClean="0"/>
+            <a:rPr lang="de-DE" sz="2800" kern="1200" noProof="0" dirty="0" err="1"/>
             <a:t>data</a:t>
           </a:r>
           <a:endParaRPr lang="en-GB" sz="2800" kern="1200" noProof="0" dirty="0"/>
         </a:p>
         <a:p>
-          <a:pPr lvl="0" algn="l" defTabSz="1244600">
+          <a:pPr marL="0" lvl="0" indent="0" algn="l" defTabSz="1244600">
             <a:lnSpc>
               <a:spcPct val="90000"/>
             </a:lnSpc>
@@ -8143,15 +9374,15 @@
             <a:spcAft>
               <a:spcPct val="35000"/>
             </a:spcAft>
+            <a:buNone/>
           </a:pPr>
           <a:r>
-            <a:rPr lang="en-GB" sz="2800" kern="1200" noProof="0" dirty="0" smtClean="0"/>
-            <a:t>Data dissemination</a:t>
+            <a:rPr lang="en-GB" sz="2800" kern="1200" noProof="0" dirty="0"/>
+            <a:t>Data integration</a:t>
           </a:r>
-          <a:endParaRPr lang="en-GB" sz="2800" kern="1200" noProof="0" dirty="0"/>
         </a:p>
         <a:p>
-          <a:pPr lvl="0" algn="l" defTabSz="1244600">
+          <a:pPr marL="0" lvl="0" indent="0" algn="l" defTabSz="1244600">
             <a:lnSpc>
               <a:spcPct val="90000"/>
             </a:lnSpc>
@@ -8161,14 +9392,15 @@
             <a:spcAft>
               <a:spcPct val="35000"/>
             </a:spcAft>
+            <a:buNone/>
           </a:pPr>
           <a:r>
-            <a:rPr lang="en-GB" sz="2800" kern="1200" noProof="0" dirty="0" smtClean="0"/>
+            <a:rPr lang="en-GB" sz="2800" kern="1200" noProof="0" dirty="0"/>
             <a:t>Data analysis</a:t>
           </a:r>
         </a:p>
         <a:p>
-          <a:pPr lvl="0" algn="l" defTabSz="1244600">
+          <a:pPr marL="0" lvl="0" indent="0" algn="l" defTabSz="1244600">
             <a:lnSpc>
               <a:spcPct val="90000"/>
             </a:lnSpc>
@@ -8178,13 +9410,14 @@
             <a:spcAft>
               <a:spcPct val="35000"/>
             </a:spcAft>
+            <a:buNone/>
           </a:pPr>
           <a:r>
-            <a:rPr lang="de-DE" sz="2800" kern="1200" noProof="0" dirty="0" smtClean="0"/>
+            <a:rPr lang="de-DE" sz="2800" kern="1200" noProof="0" dirty="0"/>
             <a:t>Data </a:t>
           </a:r>
           <a:r>
-            <a:rPr lang="de-DE" sz="2800" kern="1200" noProof="0" dirty="0" err="1" smtClean="0"/>
+            <a:rPr lang="de-DE" sz="2800" kern="1200" noProof="0" dirty="0" err="1"/>
             <a:t>visualization</a:t>
           </a:r>
           <a:endParaRPr lang="en-GB" sz="2800" kern="1200" noProof="0" dirty="0"/>
@@ -8252,7 +9485,7 @@
         </a:bodyPr>
         <a:lstStyle/>
         <a:p>
-          <a:pPr lvl="0" algn="r" defTabSz="1422400">
+          <a:pPr marL="0" lvl="0" indent="0" algn="r" defTabSz="1422400">
             <a:lnSpc>
               <a:spcPct val="90000"/>
             </a:lnSpc>
@@ -8262,9 +9495,10 @@
             <a:spcAft>
               <a:spcPct val="35000"/>
             </a:spcAft>
+            <a:buNone/>
           </a:pPr>
           <a:r>
-            <a:rPr lang="en-GB" sz="3200" u="sng" kern="1200" noProof="0" dirty="0" smtClean="0"/>
+            <a:rPr lang="en-GB" sz="3200" u="sng" kern="1200" noProof="0" dirty="0"/>
             <a:t>Basic concepts</a:t>
           </a:r>
           <a:endParaRPr lang="en-GB" sz="3200" kern="1200" noProof="0" dirty="0"/>
@@ -8369,7 +9603,7 @@
         </a:bodyPr>
         <a:lstStyle/>
         <a:p>
-          <a:pPr lvl="0" algn="l" defTabSz="1422400">
+          <a:pPr marL="0" lvl="0" indent="0" algn="l" defTabSz="1422400">
             <a:lnSpc>
               <a:spcPct val="90000"/>
             </a:lnSpc>
@@ -8379,9 +9613,10 @@
             <a:spcAft>
               <a:spcPct val="35000"/>
             </a:spcAft>
+            <a:buNone/>
           </a:pPr>
           <a:r>
-            <a:rPr lang="en-GB" sz="3200" kern="1200" dirty="0" smtClean="0"/>
+            <a:rPr lang="en-GB" sz="3200" kern="1200" dirty="0"/>
             <a:t>Because of different factors the risk of droughts in the UK increases steadily and there have also been some droughts during the last 40 years which were worse than those that had been used as the basis of planning.</a:t>
           </a:r>
           <a:endParaRPr lang="en-GB" sz="3200" kern="1200" noProof="0" dirty="0"/>
@@ -8461,7 +9696,7 @@
         </a:bodyPr>
         <a:lstStyle/>
         <a:p>
-          <a:pPr lvl="0" algn="ctr" defTabSz="1066800">
+          <a:pPr marL="0" lvl="0" indent="0" algn="ctr" defTabSz="1066800">
             <a:lnSpc>
               <a:spcPct val="90000"/>
             </a:lnSpc>
@@ -8471,13 +9706,14 @@
             <a:spcAft>
               <a:spcPct val="35000"/>
             </a:spcAft>
+            <a:buNone/>
           </a:pPr>
           <a:r>
-            <a:rPr lang="de-DE" sz="2400" kern="1200" dirty="0" smtClean="0"/>
+            <a:rPr lang="de-DE" sz="2400" kern="1200" dirty="0"/>
             <a:t>Manage Data </a:t>
           </a:r>
           <a:r>
-            <a:rPr lang="de-DE" sz="2400" kern="1200" dirty="0" err="1" smtClean="0"/>
+            <a:rPr lang="de-DE" sz="2400" kern="1200" dirty="0" err="1"/>
             <a:t>Sources</a:t>
           </a:r>
           <a:endParaRPr lang="en-GB" sz="2400" kern="1200" dirty="0"/>
@@ -8598,7 +9834,7 @@
         </a:bodyPr>
         <a:lstStyle/>
         <a:p>
-          <a:pPr lvl="0" algn="ctr" defTabSz="1066800">
+          <a:pPr marL="0" lvl="0" indent="0" algn="ctr" defTabSz="1066800">
             <a:lnSpc>
               <a:spcPct val="90000"/>
             </a:lnSpc>
@@ -8608,9 +9844,10 @@
             <a:spcAft>
               <a:spcPct val="35000"/>
             </a:spcAft>
+            <a:buNone/>
           </a:pPr>
           <a:r>
-            <a:rPr lang="de-DE" sz="2400" kern="1200" dirty="0" smtClean="0"/>
+            <a:rPr lang="de-DE" sz="2400" kern="1200" dirty="0"/>
             <a:t>Manage Users</a:t>
           </a:r>
           <a:endParaRPr lang="en-GB" sz="2400" kern="1200" dirty="0"/>
@@ -8731,7 +9968,7 @@
         </a:bodyPr>
         <a:lstStyle/>
         <a:p>
-          <a:pPr lvl="0" algn="ctr" defTabSz="1066800">
+          <a:pPr marL="0" lvl="0" indent="0" algn="ctr" defTabSz="1066800">
             <a:lnSpc>
               <a:spcPct val="90000"/>
             </a:lnSpc>
@@ -8741,17 +9978,14 @@
             <a:spcAft>
               <a:spcPct val="35000"/>
             </a:spcAft>
+            <a:buNone/>
           </a:pPr>
           <a:r>
-            <a:rPr lang="de-DE" sz="2400" kern="1200" dirty="0" smtClean="0"/>
-            <a:t>Manage </a:t>
+            <a:rPr lang="de-DE" sz="2400" kern="1200" dirty="0"/>
+            <a:t>Manage User </a:t>
           </a:r>
           <a:r>
-            <a:rPr lang="de-DE" sz="2400" kern="1200" dirty="0" smtClean="0"/>
-            <a:t>User </a:t>
-          </a:r>
-          <a:r>
-            <a:rPr lang="de-DE" sz="2400" kern="1200" dirty="0" err="1" smtClean="0"/>
+            <a:rPr lang="de-DE" sz="2400" kern="1200" dirty="0" err="1"/>
             <a:t>Roles</a:t>
           </a:r>
           <a:endParaRPr lang="en-GB" sz="2400" kern="1200" dirty="0"/>
@@ -8872,7 +10106,7 @@
         </a:bodyPr>
         <a:lstStyle/>
         <a:p>
-          <a:pPr lvl="0" algn="ctr" defTabSz="1066800">
+          <a:pPr marL="0" lvl="0" indent="0" algn="ctr" defTabSz="1066800">
             <a:lnSpc>
               <a:spcPct val="90000"/>
             </a:lnSpc>
@@ -8882,13 +10116,14 @@
             <a:spcAft>
               <a:spcPct val="35000"/>
             </a:spcAft>
+            <a:buNone/>
           </a:pPr>
           <a:r>
-            <a:rPr lang="de-DE" sz="2400" kern="1200" dirty="0" err="1" smtClean="0"/>
+            <a:rPr lang="de-DE" sz="2400" kern="1200" dirty="0" err="1"/>
             <a:t>Configure</a:t>
           </a:r>
           <a:r>
-            <a:rPr lang="de-DE" sz="2400" kern="1200" dirty="0" smtClean="0"/>
+            <a:rPr lang="de-DE" sz="2400" kern="1200" dirty="0"/>
             <a:t> GUI-Components</a:t>
           </a:r>
           <a:endParaRPr lang="en-GB" sz="2400" kern="1200" dirty="0"/>
@@ -9000,6 +10235,594 @@
         </a:effectRef>
         <a:fontRef idx="minor"/>
       </dsp:style>
+    </dsp:sp>
+  </dsp:spTree>
+</dsp:drawing>
+</file>
+
+<file path=ppt/diagrams/drawing6.xml><?xml version="1.0" encoding="utf-8"?>
+<dsp:drawing xmlns:dgm="http://schemas.openxmlformats.org/drawingml/2006/diagram" xmlns:dsp="http://schemas.microsoft.com/office/drawing/2008/diagram" xmlns:a="http://schemas.openxmlformats.org/drawingml/2006/main">
+  <dsp:spTree>
+    <dsp:nvGrpSpPr>
+      <dsp:cNvPr id="0" name=""/>
+      <dsp:cNvGrpSpPr/>
+    </dsp:nvGrpSpPr>
+    <dsp:grpSpPr/>
+    <dsp:sp modelId="{2ABC9284-7FFB-4588-B89C-AF1BE618CFEB}">
+      <dsp:nvSpPr>
+        <dsp:cNvPr id="0" name=""/>
+        <dsp:cNvSpPr/>
+      </dsp:nvSpPr>
+      <dsp:spPr>
+        <a:xfrm>
+          <a:off x="0" y="1248"/>
+          <a:ext cx="6499682" cy="1379652"/>
+        </a:xfrm>
+        <a:prstGeom prst="roundRect">
+          <a:avLst>
+            <a:gd name="adj" fmla="val 10000"/>
+          </a:avLst>
+        </a:prstGeom>
+        <a:gradFill rotWithShape="0">
+          <a:gsLst>
+            <a:gs pos="0">
+              <a:schemeClr val="accent2">
+                <a:shade val="60000"/>
+                <a:hueOff val="0"/>
+                <a:satOff val="0"/>
+                <a:lumOff val="0"/>
+                <a:alphaOff val="0"/>
+                <a:satMod val="103000"/>
+                <a:lumMod val="102000"/>
+                <a:tint val="94000"/>
+              </a:schemeClr>
+            </a:gs>
+            <a:gs pos="50000">
+              <a:schemeClr val="accent2">
+                <a:shade val="60000"/>
+                <a:hueOff val="0"/>
+                <a:satOff val="0"/>
+                <a:lumOff val="0"/>
+                <a:alphaOff val="0"/>
+                <a:satMod val="110000"/>
+                <a:lumMod val="100000"/>
+                <a:shade val="100000"/>
+              </a:schemeClr>
+            </a:gs>
+            <a:gs pos="100000">
+              <a:schemeClr val="accent2">
+                <a:shade val="60000"/>
+                <a:hueOff val="0"/>
+                <a:satOff val="0"/>
+                <a:lumOff val="0"/>
+                <a:alphaOff val="0"/>
+                <a:lumMod val="99000"/>
+                <a:satMod val="120000"/>
+                <a:shade val="78000"/>
+              </a:schemeClr>
+            </a:gs>
+          </a:gsLst>
+          <a:lin ang="5400000" scaled="0"/>
+        </a:gradFill>
+        <a:ln>
+          <a:noFill/>
+        </a:ln>
+        <a:effectLst/>
+      </dsp:spPr>
+      <dsp:style>
+        <a:lnRef idx="0">
+          <a:scrgbClr r="0" g="0" b="0"/>
+        </a:lnRef>
+        <a:fillRef idx="3">
+          <a:scrgbClr r="0" g="0" b="0"/>
+        </a:fillRef>
+        <a:effectRef idx="2">
+          <a:scrgbClr r="0" g="0" b="0"/>
+        </a:effectRef>
+        <a:fontRef idx="minor">
+          <a:schemeClr val="lt1"/>
+        </a:fontRef>
+      </dsp:style>
+      <dsp:txBody>
+        <a:bodyPr spcFirstLastPara="0" vert="horz" wrap="square" lIns="228600" tIns="228600" rIns="228600" bIns="228600" numCol="1" spcCol="1270" anchor="ctr" anchorCtr="0">
+          <a:noAutofit/>
+        </a:bodyPr>
+        <a:lstStyle/>
+        <a:p>
+          <a:pPr marL="0" lvl="0" indent="0" algn="ctr" defTabSz="2667000">
+            <a:lnSpc>
+              <a:spcPct val="90000"/>
+            </a:lnSpc>
+            <a:spcBef>
+              <a:spcPct val="0"/>
+            </a:spcBef>
+            <a:spcAft>
+              <a:spcPct val="35000"/>
+            </a:spcAft>
+            <a:buNone/>
+          </a:pPr>
+          <a:r>
+            <a:rPr lang="de-DE" sz="6000" kern="1200" dirty="0"/>
+            <a:t>TODO</a:t>
+          </a:r>
+        </a:p>
+      </dsp:txBody>
+      <dsp:txXfrm>
+        <a:off x="40409" y="41657"/>
+        <a:ext cx="6418864" cy="1298834"/>
+      </dsp:txXfrm>
+    </dsp:sp>
+    <dsp:sp modelId="{1B594F78-0100-4A74-8223-C38B15A6865B}">
+      <dsp:nvSpPr>
+        <dsp:cNvPr id="0" name=""/>
+        <dsp:cNvSpPr/>
+      </dsp:nvSpPr>
+      <dsp:spPr>
+        <a:xfrm>
+          <a:off x="1050" y="1551213"/>
+          <a:ext cx="1528617" cy="1379652"/>
+        </a:xfrm>
+        <a:prstGeom prst="roundRect">
+          <a:avLst>
+            <a:gd name="adj" fmla="val 10000"/>
+          </a:avLst>
+        </a:prstGeom>
+        <a:gradFill rotWithShape="0">
+          <a:gsLst>
+            <a:gs pos="0">
+              <a:schemeClr val="accent2">
+                <a:shade val="80000"/>
+                <a:hueOff val="0"/>
+                <a:satOff val="0"/>
+                <a:lumOff val="0"/>
+                <a:alphaOff val="0"/>
+                <a:satMod val="103000"/>
+                <a:lumMod val="102000"/>
+                <a:tint val="94000"/>
+              </a:schemeClr>
+            </a:gs>
+            <a:gs pos="50000">
+              <a:schemeClr val="accent2">
+                <a:shade val="80000"/>
+                <a:hueOff val="0"/>
+                <a:satOff val="0"/>
+                <a:lumOff val="0"/>
+                <a:alphaOff val="0"/>
+                <a:satMod val="110000"/>
+                <a:lumMod val="100000"/>
+                <a:shade val="100000"/>
+              </a:schemeClr>
+            </a:gs>
+            <a:gs pos="100000">
+              <a:schemeClr val="accent2">
+                <a:shade val="80000"/>
+                <a:hueOff val="0"/>
+                <a:satOff val="0"/>
+                <a:lumOff val="0"/>
+                <a:alphaOff val="0"/>
+                <a:lumMod val="99000"/>
+                <a:satMod val="120000"/>
+                <a:shade val="78000"/>
+              </a:schemeClr>
+            </a:gs>
+          </a:gsLst>
+          <a:lin ang="5400000" scaled="0"/>
+        </a:gradFill>
+        <a:ln>
+          <a:noFill/>
+        </a:ln>
+        <a:effectLst/>
+      </dsp:spPr>
+      <dsp:style>
+        <a:lnRef idx="0">
+          <a:scrgbClr r="0" g="0" b="0"/>
+        </a:lnRef>
+        <a:fillRef idx="3">
+          <a:scrgbClr r="0" g="0" b="0"/>
+        </a:fillRef>
+        <a:effectRef idx="2">
+          <a:scrgbClr r="0" g="0" b="0"/>
+        </a:effectRef>
+        <a:fontRef idx="minor">
+          <a:schemeClr val="lt1"/>
+        </a:fontRef>
+      </dsp:style>
+      <dsp:txBody>
+        <a:bodyPr spcFirstLastPara="0" vert="horz" wrap="square" lIns="91440" tIns="91440" rIns="91440" bIns="91440" numCol="1" spcCol="1270" anchor="ctr" anchorCtr="0">
+          <a:noAutofit/>
+        </a:bodyPr>
+        <a:lstStyle/>
+        <a:p>
+          <a:pPr marL="0" lvl="0" indent="0" algn="ctr" defTabSz="1066800">
+            <a:lnSpc>
+              <a:spcPct val="90000"/>
+            </a:lnSpc>
+            <a:spcBef>
+              <a:spcPct val="0"/>
+            </a:spcBef>
+            <a:spcAft>
+              <a:spcPct val="35000"/>
+            </a:spcAft>
+            <a:buNone/>
+          </a:pPr>
+          <a:r>
+            <a:rPr lang="de-DE" sz="2400" kern="1200" dirty="0" err="1"/>
+            <a:t>Integrate</a:t>
+          </a:r>
+          <a:r>
+            <a:rPr lang="de-DE" sz="2400" kern="1200" dirty="0"/>
+            <a:t> </a:t>
+          </a:r>
+          <a:r>
+            <a:rPr lang="de-DE" sz="2400" kern="1200" dirty="0" err="1"/>
+            <a:t>data</a:t>
+          </a:r>
+          <a:r>
+            <a:rPr lang="de-DE" sz="2400" kern="1200" dirty="0"/>
+            <a:t> </a:t>
+          </a:r>
+          <a:r>
+            <a:rPr lang="de-DE" sz="2400" kern="1200" dirty="0" err="1"/>
+            <a:t>sources</a:t>
+          </a:r>
+          <a:endParaRPr lang="de-DE" sz="2400" kern="1200" dirty="0"/>
+        </a:p>
+      </dsp:txBody>
+      <dsp:txXfrm>
+        <a:off x="41459" y="1591622"/>
+        <a:ext cx="1447799" cy="1298834"/>
+      </dsp:txXfrm>
+    </dsp:sp>
+    <dsp:sp modelId="{1896047C-E8EF-4D27-81F4-46E2F906C057}">
+      <dsp:nvSpPr>
+        <dsp:cNvPr id="0" name=""/>
+        <dsp:cNvSpPr/>
+      </dsp:nvSpPr>
+      <dsp:spPr>
+        <a:xfrm>
+          <a:off x="1658072" y="1551213"/>
+          <a:ext cx="1528617" cy="1379652"/>
+        </a:xfrm>
+        <a:prstGeom prst="roundRect">
+          <a:avLst>
+            <a:gd name="adj" fmla="val 10000"/>
+          </a:avLst>
+        </a:prstGeom>
+        <a:gradFill rotWithShape="0">
+          <a:gsLst>
+            <a:gs pos="0">
+              <a:schemeClr val="accent2">
+                <a:shade val="80000"/>
+                <a:hueOff val="0"/>
+                <a:satOff val="0"/>
+                <a:lumOff val="0"/>
+                <a:alphaOff val="0"/>
+                <a:satMod val="103000"/>
+                <a:lumMod val="102000"/>
+                <a:tint val="94000"/>
+              </a:schemeClr>
+            </a:gs>
+            <a:gs pos="50000">
+              <a:schemeClr val="accent2">
+                <a:shade val="80000"/>
+                <a:hueOff val="0"/>
+                <a:satOff val="0"/>
+                <a:lumOff val="0"/>
+                <a:alphaOff val="0"/>
+                <a:satMod val="110000"/>
+                <a:lumMod val="100000"/>
+                <a:shade val="100000"/>
+              </a:schemeClr>
+            </a:gs>
+            <a:gs pos="100000">
+              <a:schemeClr val="accent2">
+                <a:shade val="80000"/>
+                <a:hueOff val="0"/>
+                <a:satOff val="0"/>
+                <a:lumOff val="0"/>
+                <a:alphaOff val="0"/>
+                <a:lumMod val="99000"/>
+                <a:satMod val="120000"/>
+                <a:shade val="78000"/>
+              </a:schemeClr>
+            </a:gs>
+          </a:gsLst>
+          <a:lin ang="5400000" scaled="0"/>
+        </a:gradFill>
+        <a:ln>
+          <a:noFill/>
+        </a:ln>
+        <a:effectLst/>
+      </dsp:spPr>
+      <dsp:style>
+        <a:lnRef idx="0">
+          <a:scrgbClr r="0" g="0" b="0"/>
+        </a:lnRef>
+        <a:fillRef idx="3">
+          <a:scrgbClr r="0" g="0" b="0"/>
+        </a:fillRef>
+        <a:effectRef idx="2">
+          <a:scrgbClr r="0" g="0" b="0"/>
+        </a:effectRef>
+        <a:fontRef idx="minor">
+          <a:schemeClr val="lt1"/>
+        </a:fontRef>
+      </dsp:style>
+      <dsp:txBody>
+        <a:bodyPr spcFirstLastPara="0" vert="horz" wrap="square" lIns="68580" tIns="68580" rIns="68580" bIns="68580" numCol="1" spcCol="1270" anchor="ctr" anchorCtr="0">
+          <a:noAutofit/>
+        </a:bodyPr>
+        <a:lstStyle/>
+        <a:p>
+          <a:pPr marL="0" lvl="0" indent="0" algn="ctr" defTabSz="800100">
+            <a:lnSpc>
+              <a:spcPct val="90000"/>
+            </a:lnSpc>
+            <a:spcBef>
+              <a:spcPct val="0"/>
+            </a:spcBef>
+            <a:spcAft>
+              <a:spcPct val="35000"/>
+            </a:spcAft>
+            <a:buNone/>
+          </a:pPr>
+          <a:r>
+            <a:rPr lang="de-DE" sz="1800" kern="1200" dirty="0"/>
+            <a:t>Deploy </a:t>
+          </a:r>
+          <a:r>
+            <a:rPr lang="de-DE" sz="1800" kern="1200" dirty="0" err="1"/>
+            <a:t>to</a:t>
+          </a:r>
+          <a:r>
+            <a:rPr lang="de-DE" sz="1800" kern="1200" dirty="0"/>
+            <a:t> </a:t>
+          </a:r>
+          <a:r>
+            <a:rPr lang="de-DE" sz="1800" kern="1200" dirty="0" err="1"/>
+            <a:t>cloud</a:t>
+          </a:r>
+          <a:r>
+            <a:rPr lang="de-DE" sz="1800" kern="1200" dirty="0"/>
+            <a:t> </a:t>
+          </a:r>
+          <a:r>
+            <a:rPr lang="de-DE" sz="1800" kern="1200" dirty="0" err="1"/>
+            <a:t>environment</a:t>
+          </a:r>
+          <a:endParaRPr lang="de-DE" sz="1800" kern="1200" dirty="0"/>
+        </a:p>
+      </dsp:txBody>
+      <dsp:txXfrm>
+        <a:off x="1698481" y="1591622"/>
+        <a:ext cx="1447799" cy="1298834"/>
+      </dsp:txXfrm>
+    </dsp:sp>
+    <dsp:sp modelId="{8EC06251-1195-4424-A4B0-4B0095384837}">
+      <dsp:nvSpPr>
+        <dsp:cNvPr id="0" name=""/>
+        <dsp:cNvSpPr/>
+      </dsp:nvSpPr>
+      <dsp:spPr>
+        <a:xfrm>
+          <a:off x="3315093" y="1551213"/>
+          <a:ext cx="1528617" cy="1379652"/>
+        </a:xfrm>
+        <a:prstGeom prst="roundRect">
+          <a:avLst>
+            <a:gd name="adj" fmla="val 10000"/>
+          </a:avLst>
+        </a:prstGeom>
+        <a:gradFill rotWithShape="0">
+          <a:gsLst>
+            <a:gs pos="0">
+              <a:schemeClr val="accent2">
+                <a:shade val="80000"/>
+                <a:hueOff val="0"/>
+                <a:satOff val="0"/>
+                <a:lumOff val="0"/>
+                <a:alphaOff val="0"/>
+                <a:satMod val="103000"/>
+                <a:lumMod val="102000"/>
+                <a:tint val="94000"/>
+              </a:schemeClr>
+            </a:gs>
+            <a:gs pos="50000">
+              <a:schemeClr val="accent2">
+                <a:shade val="80000"/>
+                <a:hueOff val="0"/>
+                <a:satOff val="0"/>
+                <a:lumOff val="0"/>
+                <a:alphaOff val="0"/>
+                <a:satMod val="110000"/>
+                <a:lumMod val="100000"/>
+                <a:shade val="100000"/>
+              </a:schemeClr>
+            </a:gs>
+            <a:gs pos="100000">
+              <a:schemeClr val="accent2">
+                <a:shade val="80000"/>
+                <a:hueOff val="0"/>
+                <a:satOff val="0"/>
+                <a:lumOff val="0"/>
+                <a:alphaOff val="0"/>
+                <a:lumMod val="99000"/>
+                <a:satMod val="120000"/>
+                <a:shade val="78000"/>
+              </a:schemeClr>
+            </a:gs>
+          </a:gsLst>
+          <a:lin ang="5400000" scaled="0"/>
+        </a:gradFill>
+        <a:ln>
+          <a:noFill/>
+        </a:ln>
+        <a:effectLst/>
+      </dsp:spPr>
+      <dsp:style>
+        <a:lnRef idx="0">
+          <a:scrgbClr r="0" g="0" b="0"/>
+        </a:lnRef>
+        <a:fillRef idx="3">
+          <a:scrgbClr r="0" g="0" b="0"/>
+        </a:fillRef>
+        <a:effectRef idx="2">
+          <a:scrgbClr r="0" g="0" b="0"/>
+        </a:effectRef>
+        <a:fontRef idx="minor">
+          <a:schemeClr val="lt1"/>
+        </a:fontRef>
+      </dsp:style>
+      <dsp:txBody>
+        <a:bodyPr spcFirstLastPara="0" vert="horz" wrap="square" lIns="76200" tIns="76200" rIns="76200" bIns="76200" numCol="1" spcCol="1270" anchor="ctr" anchorCtr="0">
+          <a:noAutofit/>
+        </a:bodyPr>
+        <a:lstStyle/>
+        <a:p>
+          <a:pPr marL="0" lvl="0" indent="0" algn="ctr" defTabSz="889000">
+            <a:lnSpc>
+              <a:spcPct val="90000"/>
+            </a:lnSpc>
+            <a:spcBef>
+              <a:spcPct val="0"/>
+            </a:spcBef>
+            <a:spcAft>
+              <a:spcPct val="35000"/>
+            </a:spcAft>
+            <a:buNone/>
+          </a:pPr>
+          <a:r>
+            <a:rPr lang="de-DE" sz="2000" kern="1200" dirty="0"/>
+            <a:t>Write </a:t>
+          </a:r>
+          <a:r>
+            <a:rPr lang="de-DE" sz="2000" kern="1200" dirty="0" err="1"/>
+            <a:t>dissertation</a:t>
+          </a:r>
+          <a:endParaRPr lang="de-DE" sz="2000" kern="1200" dirty="0"/>
+        </a:p>
+      </dsp:txBody>
+      <dsp:txXfrm>
+        <a:off x="3355502" y="1591622"/>
+        <a:ext cx="1447799" cy="1298834"/>
+      </dsp:txXfrm>
+    </dsp:sp>
+    <dsp:sp modelId="{BF06C703-7C1F-43CA-B1F4-024627712D71}">
+      <dsp:nvSpPr>
+        <dsp:cNvPr id="0" name=""/>
+        <dsp:cNvSpPr/>
+      </dsp:nvSpPr>
+      <dsp:spPr>
+        <a:xfrm>
+          <a:off x="4972115" y="1551213"/>
+          <a:ext cx="1528617" cy="1379652"/>
+        </a:xfrm>
+        <a:prstGeom prst="roundRect">
+          <a:avLst>
+            <a:gd name="adj" fmla="val 10000"/>
+          </a:avLst>
+        </a:prstGeom>
+        <a:gradFill rotWithShape="0">
+          <a:gsLst>
+            <a:gs pos="0">
+              <a:schemeClr val="accent2">
+                <a:shade val="80000"/>
+                <a:hueOff val="0"/>
+                <a:satOff val="0"/>
+                <a:lumOff val="0"/>
+                <a:alphaOff val="0"/>
+                <a:satMod val="103000"/>
+                <a:lumMod val="102000"/>
+                <a:tint val="94000"/>
+              </a:schemeClr>
+            </a:gs>
+            <a:gs pos="50000">
+              <a:schemeClr val="accent2">
+                <a:shade val="80000"/>
+                <a:hueOff val="0"/>
+                <a:satOff val="0"/>
+                <a:lumOff val="0"/>
+                <a:alphaOff val="0"/>
+                <a:satMod val="110000"/>
+                <a:lumMod val="100000"/>
+                <a:shade val="100000"/>
+              </a:schemeClr>
+            </a:gs>
+            <a:gs pos="100000">
+              <a:schemeClr val="accent2">
+                <a:shade val="80000"/>
+                <a:hueOff val="0"/>
+                <a:satOff val="0"/>
+                <a:lumOff val="0"/>
+                <a:alphaOff val="0"/>
+                <a:lumMod val="99000"/>
+                <a:satMod val="120000"/>
+                <a:shade val="78000"/>
+              </a:schemeClr>
+            </a:gs>
+          </a:gsLst>
+          <a:lin ang="5400000" scaled="0"/>
+        </a:gradFill>
+        <a:ln>
+          <a:noFill/>
+        </a:ln>
+        <a:effectLst/>
+      </dsp:spPr>
+      <dsp:style>
+        <a:lnRef idx="0">
+          <a:scrgbClr r="0" g="0" b="0"/>
+        </a:lnRef>
+        <a:fillRef idx="3">
+          <a:scrgbClr r="0" g="0" b="0"/>
+        </a:fillRef>
+        <a:effectRef idx="2">
+          <a:scrgbClr r="0" g="0" b="0"/>
+        </a:effectRef>
+        <a:fontRef idx="minor">
+          <a:schemeClr val="lt1"/>
+        </a:fontRef>
+      </dsp:style>
+      <dsp:txBody>
+        <a:bodyPr spcFirstLastPara="0" vert="horz" wrap="square" lIns="68580" tIns="68580" rIns="68580" bIns="68580" numCol="1" spcCol="1270" anchor="ctr" anchorCtr="0">
+          <a:noAutofit/>
+        </a:bodyPr>
+        <a:lstStyle/>
+        <a:p>
+          <a:pPr marL="0" lvl="0" indent="0" algn="ctr" defTabSz="800100">
+            <a:lnSpc>
+              <a:spcPct val="90000"/>
+            </a:lnSpc>
+            <a:spcBef>
+              <a:spcPct val="0"/>
+            </a:spcBef>
+            <a:spcAft>
+              <a:spcPct val="35000"/>
+            </a:spcAft>
+            <a:buNone/>
+          </a:pPr>
+          <a:r>
+            <a:rPr lang="de-DE" sz="1800" kern="1200" dirty="0"/>
+            <a:t>Implement </a:t>
+          </a:r>
+          <a:r>
+            <a:rPr lang="de-DE" sz="1800" kern="1200" dirty="0" err="1"/>
+            <a:t>user</a:t>
+          </a:r>
+          <a:r>
+            <a:rPr lang="de-DE" sz="1800" kern="1200" dirty="0"/>
+            <a:t> </a:t>
+          </a:r>
+          <a:r>
+            <a:rPr lang="de-DE" sz="1800" kern="1200" dirty="0" err="1"/>
+            <a:t>management</a:t>
+          </a:r>
+          <a:endParaRPr lang="de-DE" sz="1800" kern="1200" dirty="0"/>
+        </a:p>
+      </dsp:txBody>
+      <dsp:txXfrm>
+        <a:off x="5012524" y="1591622"/>
+        <a:ext cx="1447799" cy="1298834"/>
+      </dsp:txXfrm>
     </dsp:sp>
   </dsp:spTree>
 </dsp:drawing>
@@ -10948,6 +12771,528 @@
 </dgm:layoutDef>
 </file>
 
+<file path=ppt/diagrams/layout6.xml><?xml version="1.0" encoding="utf-8"?>
+<dgm:layoutDef xmlns:dgm="http://schemas.openxmlformats.org/drawingml/2006/diagram" xmlns:a="http://schemas.openxmlformats.org/drawingml/2006/main" uniqueId="urn:microsoft.com/office/officeart/2005/8/layout/hierarchy4">
+  <dgm:title val=""/>
+  <dgm:desc val=""/>
+  <dgm:catLst>
+    <dgm:cat type="hierarchy" pri="4000"/>
+    <dgm:cat type="list" pri="24000"/>
+    <dgm:cat type="relationship" pri="10000"/>
+  </dgm:catLst>
+  <dgm:sampData>
+    <dgm:dataModel>
+      <dgm:ptLst>
+        <dgm:pt modelId="0" type="doc"/>
+        <dgm:pt modelId="1">
+          <dgm:prSet phldr="1"/>
+        </dgm:pt>
+        <dgm:pt modelId="2">
+          <dgm:prSet phldr="1"/>
+        </dgm:pt>
+        <dgm:pt modelId="21">
+          <dgm:prSet phldr="1"/>
+        </dgm:pt>
+        <dgm:pt modelId="22">
+          <dgm:prSet phldr="1"/>
+        </dgm:pt>
+        <dgm:pt modelId="3">
+          <dgm:prSet phldr="1"/>
+        </dgm:pt>
+        <dgm:pt modelId="31">
+          <dgm:prSet phldr="1"/>
+        </dgm:pt>
+      </dgm:ptLst>
+      <dgm:cxnLst>
+        <dgm:cxn modelId="4" srcId="0" destId="1" srcOrd="0" destOrd="0"/>
+        <dgm:cxn modelId="5" srcId="1" destId="2" srcOrd="0" destOrd="0"/>
+        <dgm:cxn modelId="6" srcId="1" destId="3" srcOrd="1" destOrd="0"/>
+        <dgm:cxn modelId="23" srcId="2" destId="21" srcOrd="0" destOrd="0"/>
+        <dgm:cxn modelId="24" srcId="2" destId="22" srcOrd="1" destOrd="0"/>
+        <dgm:cxn modelId="33" srcId="3" destId="31" srcOrd="0" destOrd="0"/>
+      </dgm:cxnLst>
+      <dgm:bg/>
+      <dgm:whole/>
+    </dgm:dataModel>
+  </dgm:sampData>
+  <dgm:styleData>
+    <dgm:dataModel>
+      <dgm:ptLst>
+        <dgm:pt modelId="0" type="doc"/>
+        <dgm:pt modelId="1"/>
+        <dgm:pt modelId="11"/>
+        <dgm:pt modelId="12"/>
+      </dgm:ptLst>
+      <dgm:cxnLst>
+        <dgm:cxn modelId="2" srcId="0" destId="1" srcOrd="0" destOrd="0"/>
+        <dgm:cxn modelId="13" srcId="1" destId="11" srcOrd="0" destOrd="0"/>
+        <dgm:cxn modelId="14" srcId="1" destId="12" srcOrd="1" destOrd="0"/>
+      </dgm:cxnLst>
+      <dgm:bg/>
+      <dgm:whole/>
+    </dgm:dataModel>
+  </dgm:styleData>
+  <dgm:clrData>
+    <dgm:dataModel>
+      <dgm:ptLst>
+        <dgm:pt modelId="0" type="doc"/>
+        <dgm:pt modelId="1"/>
+        <dgm:pt modelId="2"/>
+        <dgm:pt modelId="21"/>
+        <dgm:pt modelId="211"/>
+        <dgm:pt modelId="3"/>
+        <dgm:pt modelId="31"/>
+        <dgm:pt modelId="311"/>
+      </dgm:ptLst>
+      <dgm:cxnLst>
+        <dgm:cxn modelId="4" srcId="0" destId="1" srcOrd="0" destOrd="0"/>
+        <dgm:cxn modelId="5" srcId="1" destId="2" srcOrd="0" destOrd="0"/>
+        <dgm:cxn modelId="6" srcId="1" destId="3" srcOrd="1" destOrd="0"/>
+        <dgm:cxn modelId="23" srcId="2" destId="21" srcOrd="0" destOrd="0"/>
+        <dgm:cxn modelId="24" srcId="21" destId="211" srcOrd="0" destOrd="0"/>
+        <dgm:cxn modelId="33" srcId="3" destId="31" srcOrd="0" destOrd="0"/>
+        <dgm:cxn modelId="34" srcId="31" destId="311" srcOrd="0" destOrd="0"/>
+      </dgm:cxnLst>
+      <dgm:bg/>
+      <dgm:whole/>
+    </dgm:dataModel>
+  </dgm:clrData>
+  <dgm:layoutNode name="Name0">
+    <dgm:varLst>
+      <dgm:chPref val="1"/>
+      <dgm:dir/>
+      <dgm:animOne val="branch"/>
+      <dgm:animLvl val="lvl"/>
+      <dgm:resizeHandles/>
+    </dgm:varLst>
+    <dgm:choose name="Name1">
+      <dgm:if name="Name2" func="var" arg="dir" op="equ" val="norm">
+        <dgm:alg type="lin">
+          <dgm:param type="linDir" val="fromL"/>
+          <dgm:param type="nodeVertAlign" val="t"/>
+        </dgm:alg>
+      </dgm:if>
+      <dgm:else name="Name3">
+        <dgm:alg type="lin">
+          <dgm:param type="linDir" val="fromR"/>
+          <dgm:param type="nodeVertAlign" val="t"/>
+        </dgm:alg>
+      </dgm:else>
+    </dgm:choose>
+    <dgm:shape xmlns:r="http://schemas.openxmlformats.org/officeDocument/2006/relationships" r:blip="">
+      <dgm:adjLst/>
+    </dgm:shape>
+    <dgm:presOf/>
+    <dgm:constrLst>
+      <dgm:constr type="w" for="ch" forName="vertOne" refType="w"/>
+      <dgm:constr type="w" for="des" forName="horzOne" refType="w"/>
+      <dgm:constr type="w" for="des" forName="txOne" refType="w"/>
+      <dgm:constr type="w" for="des" forName="vertTwo" refType="w"/>
+      <dgm:constr type="w" for="des" forName="horzTwo" refType="w"/>
+      <dgm:constr type="w" for="des" forName="txTwo" refType="w"/>
+      <dgm:constr type="w" for="des" forName="vertThree" refType="w"/>
+      <dgm:constr type="w" for="des" forName="horzThree" refType="w"/>
+      <dgm:constr type="w" for="des" forName="txThree" refType="w"/>
+      <dgm:constr type="w" for="des" forName="vertFour" refType="w"/>
+      <dgm:constr type="w" for="des" forName="horzFour" refType="w"/>
+      <dgm:constr type="w" for="des" forName="txFour" refType="w"/>
+      <dgm:constr type="h" for="des" ptType="node" op="equ"/>
+      <dgm:constr type="h" for="des" forName="txOne" refType="h"/>
+      <dgm:constr type="userH" for="des" ptType="node" refType="h" refFor="des" refForName="txOne"/>
+      <dgm:constr type="primFontSz" for="des" forName="txOne" val="65"/>
+      <dgm:constr type="primFontSz" for="des" forName="txTwo" val="65"/>
+      <dgm:constr type="primFontSz" for="des" forName="txTwo" refType="primFontSz" refFor="des" refForName="txOne" op="lte"/>
+      <dgm:constr type="primFontSz" for="des" forName="txThree" val="65"/>
+      <dgm:constr type="primFontSz" for="des" forName="txThree" refType="primFontSz" refFor="des" refForName="txOne" op="lte"/>
+      <dgm:constr type="primFontSz" for="des" forName="txThree" refType="primFontSz" refFor="des" refForName="txTwo" op="lte"/>
+      <dgm:constr type="primFontSz" for="des" forName="txFour" val="65"/>
+      <dgm:constr type="primFontSz" for="des" forName="txFour" refType="primFontSz" refFor="des" refForName="txOne" op="lte"/>
+      <dgm:constr type="primFontSz" for="des" forName="txFour" refType="primFontSz" refFor="des" refForName="txTwo" op="lte"/>
+      <dgm:constr type="primFontSz" for="des" forName="txFour" refType="primFontSz" refFor="des" refForName="txThree" op="lte"/>
+      <dgm:constr type="w" for="des" forName="sibSpaceOne" refType="w" fact="0.168"/>
+      <dgm:constr type="w" for="des" forName="sibSpaceTwo" refType="w" refFor="des" refForName="sibSpaceOne" op="equ" fact="0.5"/>
+      <dgm:constr type="w" for="des" forName="sibSpaceThree" refType="w" refFor="des" refForName="sibSpaceTwo" op="equ" fact="0.5"/>
+      <dgm:constr type="w" for="des" forName="sibSpaceFour" refType="w" refFor="des" refForName="sibSpaceThree" op="equ" fact="0.5"/>
+      <dgm:constr type="h" for="des" forName="parTransOne" refType="w" fact="0.056"/>
+      <dgm:constr type="h" for="des" forName="parTransTwo" refType="h" refFor="des" refForName="parTransOne" op="equ"/>
+      <dgm:constr type="h" for="des" forName="parTransThree" refType="h" refFor="des" refForName="parTransTwo" op="equ"/>
+      <dgm:constr type="h" for="des" forName="parTransFour" refType="h" refFor="des" refForName="parTransThree" op="equ"/>
+    </dgm:constrLst>
+    <dgm:ruleLst/>
+    <dgm:forEach name="Name4" axis="ch" ptType="node">
+      <dgm:layoutNode name="vertOne">
+        <dgm:alg type="lin">
+          <dgm:param type="linDir" val="fromT"/>
+        </dgm:alg>
+        <dgm:shape xmlns:r="http://schemas.openxmlformats.org/officeDocument/2006/relationships" r:blip="">
+          <dgm:adjLst/>
+        </dgm:shape>
+        <dgm:presOf/>
+        <dgm:constrLst>
+          <dgm:constr type="w" for="ch" forName="txOne" refType="w" refFor="ch" refForName="horzOne" op="gte"/>
+        </dgm:constrLst>
+        <dgm:ruleLst/>
+        <dgm:layoutNode name="txOne" styleLbl="node0">
+          <dgm:varLst>
+            <dgm:chPref val="3"/>
+          </dgm:varLst>
+          <dgm:alg type="tx"/>
+          <dgm:shape xmlns:r="http://schemas.openxmlformats.org/officeDocument/2006/relationships" type="roundRect" r:blip="">
+            <dgm:adjLst>
+              <dgm:adj idx="1" val="0.1"/>
+            </dgm:adjLst>
+          </dgm:shape>
+          <dgm:presOf axis="self"/>
+          <dgm:constrLst>
+            <dgm:constr type="tMarg" refType="primFontSz" fact="0.3"/>
+            <dgm:constr type="bMarg" refType="primFontSz" fact="0.3"/>
+            <dgm:constr type="lMarg" refType="primFontSz" fact="0.3"/>
+            <dgm:constr type="rMarg" refType="primFontSz" fact="0.3"/>
+          </dgm:constrLst>
+          <dgm:ruleLst>
+            <dgm:rule type="primFontSz" val="5" fact="NaN" max="NaN"/>
+          </dgm:ruleLst>
+        </dgm:layoutNode>
+        <dgm:choose name="Name5">
+          <dgm:if name="Name6" axis="des" ptType="node" func="cnt" op="gt" val="0">
+            <dgm:layoutNode name="parTransOne">
+              <dgm:alg type="sp"/>
+              <dgm:shape xmlns:r="http://schemas.openxmlformats.org/officeDocument/2006/relationships" r:blip="">
+                <dgm:adjLst/>
+              </dgm:shape>
+              <dgm:presOf/>
+              <dgm:constrLst/>
+              <dgm:ruleLst/>
+            </dgm:layoutNode>
+          </dgm:if>
+          <dgm:else name="Name7"/>
+        </dgm:choose>
+        <dgm:layoutNode name="horzOne">
+          <dgm:choose name="Name8">
+            <dgm:if name="Name9" func="var" arg="dir" op="equ" val="norm">
+              <dgm:alg type="lin">
+                <dgm:param type="linDir" val="fromL"/>
+                <dgm:param type="nodeVertAlign" val="t"/>
+              </dgm:alg>
+            </dgm:if>
+            <dgm:else name="Name10">
+              <dgm:alg type="lin">
+                <dgm:param type="linDir" val="fromR"/>
+                <dgm:param type="nodeVertAlign" val="t"/>
+              </dgm:alg>
+            </dgm:else>
+          </dgm:choose>
+          <dgm:shape xmlns:r="http://schemas.openxmlformats.org/officeDocument/2006/relationships" r:blip="">
+            <dgm:adjLst/>
+          </dgm:shape>
+          <dgm:presOf/>
+          <dgm:constrLst/>
+          <dgm:ruleLst>
+            <dgm:rule type="w" val="INF" fact="NaN" max="NaN"/>
+          </dgm:ruleLst>
+          <dgm:forEach name="Name11" axis="ch" ptType="node">
+            <dgm:layoutNode name="vertTwo">
+              <dgm:alg type="lin">
+                <dgm:param type="linDir" val="fromT"/>
+              </dgm:alg>
+              <dgm:shape xmlns:r="http://schemas.openxmlformats.org/officeDocument/2006/relationships" r:blip="">
+                <dgm:adjLst/>
+              </dgm:shape>
+              <dgm:presOf/>
+              <dgm:constrLst>
+                <dgm:constr type="w" for="ch" forName="txTwo" refType="w" refFor="ch" refForName="horzTwo" op="gte"/>
+              </dgm:constrLst>
+              <dgm:ruleLst/>
+              <dgm:layoutNode name="txTwo">
+                <dgm:varLst>
+                  <dgm:chPref val="3"/>
+                </dgm:varLst>
+                <dgm:alg type="tx"/>
+                <dgm:shape xmlns:r="http://schemas.openxmlformats.org/officeDocument/2006/relationships" type="roundRect" r:blip="">
+                  <dgm:adjLst>
+                    <dgm:adj idx="1" val="0.1"/>
+                  </dgm:adjLst>
+                </dgm:shape>
+                <dgm:presOf axis="self"/>
+                <dgm:constrLst>
+                  <dgm:constr type="userH"/>
+                  <dgm:constr type="h" refType="userH"/>
+                  <dgm:constr type="tMarg" refType="primFontSz" fact="0.3"/>
+                  <dgm:constr type="bMarg" refType="primFontSz" fact="0.3"/>
+                  <dgm:constr type="lMarg" refType="primFontSz" fact="0.3"/>
+                  <dgm:constr type="rMarg" refType="primFontSz" fact="0.3"/>
+                </dgm:constrLst>
+                <dgm:ruleLst>
+                  <dgm:rule type="primFontSz" val="5" fact="NaN" max="NaN"/>
+                </dgm:ruleLst>
+              </dgm:layoutNode>
+              <dgm:choose name="Name12">
+                <dgm:if name="Name13" axis="des" ptType="node" func="cnt" op="gt" val="0">
+                  <dgm:layoutNode name="parTransTwo">
+                    <dgm:alg type="sp"/>
+                    <dgm:shape xmlns:r="http://schemas.openxmlformats.org/officeDocument/2006/relationships" r:blip="">
+                      <dgm:adjLst/>
+                    </dgm:shape>
+                    <dgm:presOf/>
+                    <dgm:constrLst/>
+                    <dgm:ruleLst/>
+                  </dgm:layoutNode>
+                </dgm:if>
+                <dgm:else name="Name14"/>
+              </dgm:choose>
+              <dgm:layoutNode name="horzTwo">
+                <dgm:choose name="Name15">
+                  <dgm:if name="Name16" func="var" arg="dir" op="equ" val="norm">
+                    <dgm:alg type="lin">
+                      <dgm:param type="linDir" val="fromL"/>
+                      <dgm:param type="nodeVertAlign" val="t"/>
+                    </dgm:alg>
+                  </dgm:if>
+                  <dgm:else name="Name17">
+                    <dgm:alg type="lin">
+                      <dgm:param type="linDir" val="fromR"/>
+                      <dgm:param type="nodeVertAlign" val="t"/>
+                    </dgm:alg>
+                  </dgm:else>
+                </dgm:choose>
+                <dgm:shape xmlns:r="http://schemas.openxmlformats.org/officeDocument/2006/relationships" r:blip="">
+                  <dgm:adjLst/>
+                </dgm:shape>
+                <dgm:presOf/>
+                <dgm:constrLst/>
+                <dgm:ruleLst>
+                  <dgm:rule type="w" val="INF" fact="NaN" max="NaN"/>
+                </dgm:ruleLst>
+                <dgm:forEach name="Name18" axis="ch" ptType="node">
+                  <dgm:layoutNode name="vertThree">
+                    <dgm:alg type="lin">
+                      <dgm:param type="linDir" val="fromT"/>
+                    </dgm:alg>
+                    <dgm:shape xmlns:r="http://schemas.openxmlformats.org/officeDocument/2006/relationships" r:blip="">
+                      <dgm:adjLst/>
+                    </dgm:shape>
+                    <dgm:presOf/>
+                    <dgm:constrLst>
+                      <dgm:constr type="w" for="ch" forName="txThree" refType="w" refFor="ch" refForName="horzThree" op="gte"/>
+                    </dgm:constrLst>
+                    <dgm:ruleLst/>
+                    <dgm:layoutNode name="txThree">
+                      <dgm:varLst>
+                        <dgm:chPref val="3"/>
+                      </dgm:varLst>
+                      <dgm:alg type="tx"/>
+                      <dgm:shape xmlns:r="http://schemas.openxmlformats.org/officeDocument/2006/relationships" type="roundRect" r:blip="">
+                        <dgm:adjLst>
+                          <dgm:adj idx="1" val="0.1"/>
+                        </dgm:adjLst>
+                      </dgm:shape>
+                      <dgm:presOf axis="self"/>
+                      <dgm:constrLst>
+                        <dgm:constr type="userH"/>
+                        <dgm:constr type="h" refType="userH"/>
+                        <dgm:constr type="tMarg" refType="primFontSz" fact="0.3"/>
+                        <dgm:constr type="bMarg" refType="primFontSz" fact="0.3"/>
+                        <dgm:constr type="lMarg" refType="primFontSz" fact="0.3"/>
+                        <dgm:constr type="rMarg" refType="primFontSz" fact="0.3"/>
+                      </dgm:constrLst>
+                      <dgm:ruleLst>
+                        <dgm:rule type="primFontSz" val="5" fact="NaN" max="NaN"/>
+                      </dgm:ruleLst>
+                    </dgm:layoutNode>
+                    <dgm:choose name="Name19">
+                      <dgm:if name="Name20" axis="des" ptType="node" func="cnt" op="gt" val="0">
+                        <dgm:layoutNode name="parTransThree">
+                          <dgm:alg type="sp"/>
+                          <dgm:shape xmlns:r="http://schemas.openxmlformats.org/officeDocument/2006/relationships" r:blip="">
+                            <dgm:adjLst/>
+                          </dgm:shape>
+                          <dgm:presOf/>
+                          <dgm:constrLst/>
+                          <dgm:ruleLst/>
+                        </dgm:layoutNode>
+                      </dgm:if>
+                      <dgm:else name="Name21"/>
+                    </dgm:choose>
+                    <dgm:layoutNode name="horzThree">
+                      <dgm:choose name="Name22">
+                        <dgm:if name="Name23" func="var" arg="dir" op="equ" val="norm">
+                          <dgm:alg type="lin">
+                            <dgm:param type="linDir" val="fromL"/>
+                            <dgm:param type="nodeVertAlign" val="t"/>
+                          </dgm:alg>
+                        </dgm:if>
+                        <dgm:else name="Name24">
+                          <dgm:alg type="lin">
+                            <dgm:param type="linDir" val="fromR"/>
+                            <dgm:param type="nodeVertAlign" val="t"/>
+                          </dgm:alg>
+                        </dgm:else>
+                      </dgm:choose>
+                      <dgm:shape xmlns:r="http://schemas.openxmlformats.org/officeDocument/2006/relationships" r:blip="">
+                        <dgm:adjLst/>
+                      </dgm:shape>
+                      <dgm:presOf/>
+                      <dgm:constrLst/>
+                      <dgm:ruleLst>
+                        <dgm:rule type="w" val="INF" fact="NaN" max="NaN"/>
+                      </dgm:ruleLst>
+                      <dgm:forEach name="repeat" axis="ch" ptType="node">
+                        <dgm:layoutNode name="vertFour">
+                          <dgm:varLst>
+                            <dgm:chPref val="3"/>
+                          </dgm:varLst>
+                          <dgm:alg type="lin">
+                            <dgm:param type="linDir" val="fromT"/>
+                          </dgm:alg>
+                          <dgm:shape xmlns:r="http://schemas.openxmlformats.org/officeDocument/2006/relationships" r:blip="">
+                            <dgm:adjLst/>
+                          </dgm:shape>
+                          <dgm:presOf/>
+                          <dgm:constrLst>
+                            <dgm:constr type="w" for="ch" forName="txFour" refType="w" refFor="ch" refForName="horzFour" op="gte"/>
+                          </dgm:constrLst>
+                          <dgm:ruleLst/>
+                          <dgm:layoutNode name="txFour">
+                            <dgm:varLst>
+                              <dgm:chPref val="3"/>
+                            </dgm:varLst>
+                            <dgm:alg type="tx"/>
+                            <dgm:shape xmlns:r="http://schemas.openxmlformats.org/officeDocument/2006/relationships" type="roundRect" r:blip="">
+                              <dgm:adjLst>
+                                <dgm:adj idx="1" val="0.1"/>
+                              </dgm:adjLst>
+                            </dgm:shape>
+                            <dgm:presOf axis="self"/>
+                            <dgm:constrLst>
+                              <dgm:constr type="userH"/>
+                              <dgm:constr type="h" refType="userH"/>
+                              <dgm:constr type="tMarg" refType="primFontSz" fact="0.3"/>
+                              <dgm:constr type="bMarg" refType="primFontSz" fact="0.3"/>
+                              <dgm:constr type="lMarg" refType="primFontSz" fact="0.3"/>
+                              <dgm:constr type="rMarg" refType="primFontSz" fact="0.3"/>
+                            </dgm:constrLst>
+                            <dgm:ruleLst>
+                              <dgm:rule type="primFontSz" val="5" fact="NaN" max="NaN"/>
+                            </dgm:ruleLst>
+                          </dgm:layoutNode>
+                          <dgm:choose name="Name25">
+                            <dgm:if name="Name26" axis="des" ptType="node" func="cnt" op="gt" val="0">
+                              <dgm:layoutNode name="parTransFour">
+                                <dgm:alg type="sp"/>
+                                <dgm:shape xmlns:r="http://schemas.openxmlformats.org/officeDocument/2006/relationships" r:blip="">
+                                  <dgm:adjLst/>
+                                </dgm:shape>
+                                <dgm:presOf/>
+                                <dgm:constrLst/>
+                                <dgm:ruleLst/>
+                              </dgm:layoutNode>
+                            </dgm:if>
+                            <dgm:else name="Name27"/>
+                          </dgm:choose>
+                          <dgm:layoutNode name="horzFour">
+                            <dgm:choose name="Name28">
+                              <dgm:if name="Name29" func="var" arg="dir" op="equ" val="norm">
+                                <dgm:alg type="lin">
+                                  <dgm:param type="linDir" val="fromL"/>
+                                  <dgm:param type="nodeVertAlign" val="t"/>
+                                </dgm:alg>
+                              </dgm:if>
+                              <dgm:else name="Name30">
+                                <dgm:alg type="lin">
+                                  <dgm:param type="linDir" val="fromR"/>
+                                  <dgm:param type="nodeVertAlign" val="t"/>
+                                </dgm:alg>
+                              </dgm:else>
+                            </dgm:choose>
+                            <dgm:shape xmlns:r="http://schemas.openxmlformats.org/officeDocument/2006/relationships" r:blip="">
+                              <dgm:adjLst/>
+                            </dgm:shape>
+                            <dgm:presOf/>
+                            <dgm:constrLst/>
+                            <dgm:ruleLst>
+                              <dgm:rule type="w" val="INF" fact="NaN" max="NaN"/>
+                            </dgm:ruleLst>
+                            <dgm:forEach name="Name31" ref="repeat"/>
+                          </dgm:layoutNode>
+                        </dgm:layoutNode>
+                        <dgm:choose name="Name32">
+                          <dgm:if name="Name33" axis="self" ptType="node" func="revPos" op="gte" val="2">
+                            <dgm:forEach name="Name34" axis="followSib" ptType="sibTrans" cnt="1">
+                              <dgm:layoutNode name="sibSpaceFour">
+                                <dgm:alg type="sp"/>
+                                <dgm:shape xmlns:r="http://schemas.openxmlformats.org/officeDocument/2006/relationships" r:blip="">
+                                  <dgm:adjLst/>
+                                </dgm:shape>
+                                <dgm:presOf/>
+                                <dgm:constrLst/>
+                                <dgm:ruleLst/>
+                              </dgm:layoutNode>
+                            </dgm:forEach>
+                          </dgm:if>
+                          <dgm:else name="Name35"/>
+                        </dgm:choose>
+                      </dgm:forEach>
+                    </dgm:layoutNode>
+                  </dgm:layoutNode>
+                  <dgm:choose name="Name36">
+                    <dgm:if name="Name37" axis="self" ptType="node" func="revPos" op="gte" val="2">
+                      <dgm:forEach name="Name38" axis="followSib" ptType="sibTrans" cnt="1">
+                        <dgm:layoutNode name="sibSpaceThree">
+                          <dgm:alg type="sp"/>
+                          <dgm:shape xmlns:r="http://schemas.openxmlformats.org/officeDocument/2006/relationships" r:blip="">
+                            <dgm:adjLst/>
+                          </dgm:shape>
+                          <dgm:presOf/>
+                          <dgm:constrLst/>
+                          <dgm:ruleLst/>
+                        </dgm:layoutNode>
+                      </dgm:forEach>
+                    </dgm:if>
+                    <dgm:else name="Name39"/>
+                  </dgm:choose>
+                </dgm:forEach>
+              </dgm:layoutNode>
+            </dgm:layoutNode>
+            <dgm:choose name="Name40">
+              <dgm:if name="Name41" axis="self" ptType="node" func="revPos" op="gte" val="2">
+                <dgm:forEach name="Name42" axis="followSib" ptType="sibTrans" cnt="1">
+                  <dgm:layoutNode name="sibSpaceTwo">
+                    <dgm:alg type="sp"/>
+                    <dgm:shape xmlns:r="http://schemas.openxmlformats.org/officeDocument/2006/relationships" r:blip="">
+                      <dgm:adjLst/>
+                    </dgm:shape>
+                    <dgm:presOf/>
+                    <dgm:constrLst/>
+                    <dgm:ruleLst/>
+                  </dgm:layoutNode>
+                </dgm:forEach>
+              </dgm:if>
+              <dgm:else name="Name43"/>
+            </dgm:choose>
+          </dgm:forEach>
+        </dgm:layoutNode>
+      </dgm:layoutNode>
+      <dgm:choose name="Name44">
+        <dgm:if name="Name45" axis="self" ptType="node" func="revPos" op="gte" val="2">
+          <dgm:forEach name="Name46" axis="followSib" ptType="sibTrans" cnt="1">
+            <dgm:layoutNode name="sibSpaceOne">
+              <dgm:alg type="sp"/>
+              <dgm:shape xmlns:r="http://schemas.openxmlformats.org/officeDocument/2006/relationships" r:blip="">
+                <dgm:adjLst/>
+              </dgm:shape>
+              <dgm:presOf/>
+              <dgm:constrLst/>
+              <dgm:ruleLst/>
+            </dgm:layoutNode>
+          </dgm:forEach>
+        </dgm:if>
+        <dgm:else name="Name47"/>
+      </dgm:choose>
+    </dgm:forEach>
+  </dgm:layoutNode>
+</dgm:layoutDef>
+</file>
+
 <file path=ppt/diagrams/quickStyle1.xml><?xml version="1.0" encoding="utf-8"?>
 <dgm:styleDef xmlns:dgm="http://schemas.openxmlformats.org/drawingml/2006/diagram" xmlns:a="http://schemas.openxmlformats.org/drawingml/2006/main" uniqueId="urn:microsoft.com/office/officeart/2005/8/quickstyle/simple3">
   <dgm:title val=""/>
@@ -16142,6 +18487,1040 @@
         <a:scrgbClr r="0" g="0" b="0"/>
       </a:fillRef>
       <a:effectRef idx="0">
+        <a:scrgbClr r="0" g="0" b="0"/>
+      </a:effectRef>
+      <a:fontRef idx="minor"/>
+    </dgm:style>
+  </dgm:styleLbl>
+  <dgm:styleLbl name="revTx">
+    <dgm:scene3d>
+      <a:camera prst="orthographicFront"/>
+      <a:lightRig rig="threePt" dir="t"/>
+    </dgm:scene3d>
+    <dgm:sp3d/>
+    <dgm:txPr/>
+    <dgm:style>
+      <a:lnRef idx="0">
+        <a:scrgbClr r="0" g="0" b="0"/>
+      </a:lnRef>
+      <a:fillRef idx="0">
+        <a:scrgbClr r="0" g="0" b="0"/>
+      </a:fillRef>
+      <a:effectRef idx="0">
+        <a:scrgbClr r="0" g="0" b="0"/>
+      </a:effectRef>
+      <a:fontRef idx="minor"/>
+    </dgm:style>
+  </dgm:styleLbl>
+</dgm:styleDef>
+</file>
+
+<file path=ppt/diagrams/quickStyle6.xml><?xml version="1.0" encoding="utf-8"?>
+<dgm:styleDef xmlns:dgm="http://schemas.openxmlformats.org/drawingml/2006/diagram" xmlns:a="http://schemas.openxmlformats.org/drawingml/2006/main" uniqueId="urn:microsoft.com/office/officeart/2005/8/quickstyle/simple4">
+  <dgm:title val=""/>
+  <dgm:desc val=""/>
+  <dgm:catLst>
+    <dgm:cat type="simple" pri="10400"/>
+  </dgm:catLst>
+  <dgm:scene3d>
+    <a:camera prst="orthographicFront"/>
+    <a:lightRig rig="threePt" dir="t"/>
+  </dgm:scene3d>
+  <dgm:styleLbl name="node0">
+    <dgm:scene3d>
+      <a:camera prst="orthographicFront"/>
+      <a:lightRig rig="threePt" dir="t"/>
+    </dgm:scene3d>
+    <dgm:sp3d/>
+    <dgm:txPr/>
+    <dgm:style>
+      <a:lnRef idx="0">
+        <a:scrgbClr r="0" g="0" b="0"/>
+      </a:lnRef>
+      <a:fillRef idx="3">
+        <a:scrgbClr r="0" g="0" b="0"/>
+      </a:fillRef>
+      <a:effectRef idx="2">
+        <a:scrgbClr r="0" g="0" b="0"/>
+      </a:effectRef>
+      <a:fontRef idx="minor">
+        <a:schemeClr val="lt1"/>
+      </a:fontRef>
+    </dgm:style>
+  </dgm:styleLbl>
+  <dgm:styleLbl name="lnNode1">
+    <dgm:scene3d>
+      <a:camera prst="orthographicFront"/>
+      <a:lightRig rig="threePt" dir="t"/>
+    </dgm:scene3d>
+    <dgm:sp3d/>
+    <dgm:txPr/>
+    <dgm:style>
+      <a:lnRef idx="1">
+        <a:scrgbClr r="0" g="0" b="0"/>
+      </a:lnRef>
+      <a:fillRef idx="3">
+        <a:scrgbClr r="0" g="0" b="0"/>
+      </a:fillRef>
+      <a:effectRef idx="2">
+        <a:scrgbClr r="0" g="0" b="0"/>
+      </a:effectRef>
+      <a:fontRef idx="minor">
+        <a:schemeClr val="lt1"/>
+      </a:fontRef>
+    </dgm:style>
+  </dgm:styleLbl>
+  <dgm:styleLbl name="vennNode1">
+    <dgm:scene3d>
+      <a:camera prst="orthographicFront"/>
+      <a:lightRig rig="threePt" dir="t"/>
+    </dgm:scene3d>
+    <dgm:sp3d/>
+    <dgm:txPr/>
+    <dgm:style>
+      <a:lnRef idx="0">
+        <a:scrgbClr r="0" g="0" b="0"/>
+      </a:lnRef>
+      <a:fillRef idx="3">
+        <a:scrgbClr r="0" g="0" b="0"/>
+      </a:fillRef>
+      <a:effectRef idx="0">
+        <a:scrgbClr r="0" g="0" b="0"/>
+      </a:effectRef>
+      <a:fontRef idx="minor">
+        <a:schemeClr val="tx1"/>
+      </a:fontRef>
+    </dgm:style>
+  </dgm:styleLbl>
+  <dgm:styleLbl name="alignNode1">
+    <dgm:scene3d>
+      <a:camera prst="orthographicFront"/>
+      <a:lightRig rig="threePt" dir="t"/>
+    </dgm:scene3d>
+    <dgm:sp3d/>
+    <dgm:txPr/>
+    <dgm:style>
+      <a:lnRef idx="1">
+        <a:scrgbClr r="0" g="0" b="0"/>
+      </a:lnRef>
+      <a:fillRef idx="3">
+        <a:scrgbClr r="0" g="0" b="0"/>
+      </a:fillRef>
+      <a:effectRef idx="2">
+        <a:scrgbClr r="0" g="0" b="0"/>
+      </a:effectRef>
+      <a:fontRef idx="minor">
+        <a:schemeClr val="lt1"/>
+      </a:fontRef>
+    </dgm:style>
+  </dgm:styleLbl>
+  <dgm:styleLbl name="node1">
+    <dgm:scene3d>
+      <a:camera prst="orthographicFront"/>
+      <a:lightRig rig="threePt" dir="t"/>
+    </dgm:scene3d>
+    <dgm:sp3d/>
+    <dgm:txPr/>
+    <dgm:style>
+      <a:lnRef idx="0">
+        <a:scrgbClr r="0" g="0" b="0"/>
+      </a:lnRef>
+      <a:fillRef idx="3">
+        <a:scrgbClr r="0" g="0" b="0"/>
+      </a:fillRef>
+      <a:effectRef idx="2">
+        <a:scrgbClr r="0" g="0" b="0"/>
+      </a:effectRef>
+      <a:fontRef idx="minor">
+        <a:schemeClr val="lt1"/>
+      </a:fontRef>
+    </dgm:style>
+  </dgm:styleLbl>
+  <dgm:styleLbl name="node2">
+    <dgm:scene3d>
+      <a:camera prst="orthographicFront"/>
+      <a:lightRig rig="threePt" dir="t"/>
+    </dgm:scene3d>
+    <dgm:sp3d/>
+    <dgm:txPr/>
+    <dgm:style>
+      <a:lnRef idx="0">
+        <a:scrgbClr r="0" g="0" b="0"/>
+      </a:lnRef>
+      <a:fillRef idx="3">
+        <a:scrgbClr r="0" g="0" b="0"/>
+      </a:fillRef>
+      <a:effectRef idx="2">
+        <a:scrgbClr r="0" g="0" b="0"/>
+      </a:effectRef>
+      <a:fontRef idx="minor">
+        <a:schemeClr val="lt1"/>
+      </a:fontRef>
+    </dgm:style>
+  </dgm:styleLbl>
+  <dgm:styleLbl name="node3">
+    <dgm:scene3d>
+      <a:camera prst="orthographicFront"/>
+      <a:lightRig rig="threePt" dir="t"/>
+    </dgm:scene3d>
+    <dgm:sp3d/>
+    <dgm:txPr/>
+    <dgm:style>
+      <a:lnRef idx="0">
+        <a:scrgbClr r="0" g="0" b="0"/>
+      </a:lnRef>
+      <a:fillRef idx="3">
+        <a:scrgbClr r="0" g="0" b="0"/>
+      </a:fillRef>
+      <a:effectRef idx="2">
+        <a:scrgbClr r="0" g="0" b="0"/>
+      </a:effectRef>
+      <a:fontRef idx="minor">
+        <a:schemeClr val="lt1"/>
+      </a:fontRef>
+    </dgm:style>
+  </dgm:styleLbl>
+  <dgm:styleLbl name="node4">
+    <dgm:scene3d>
+      <a:camera prst="orthographicFront"/>
+      <a:lightRig rig="threePt" dir="t"/>
+    </dgm:scene3d>
+    <dgm:sp3d/>
+    <dgm:txPr/>
+    <dgm:style>
+      <a:lnRef idx="0">
+        <a:scrgbClr r="0" g="0" b="0"/>
+      </a:lnRef>
+      <a:fillRef idx="3">
+        <a:scrgbClr r="0" g="0" b="0"/>
+      </a:fillRef>
+      <a:effectRef idx="2">
+        <a:scrgbClr r="0" g="0" b="0"/>
+      </a:effectRef>
+      <a:fontRef idx="minor">
+        <a:schemeClr val="lt1"/>
+      </a:fontRef>
+    </dgm:style>
+  </dgm:styleLbl>
+  <dgm:styleLbl name="fgImgPlace1">
+    <dgm:scene3d>
+      <a:camera prst="orthographicFront"/>
+      <a:lightRig rig="threePt" dir="t"/>
+    </dgm:scene3d>
+    <dgm:sp3d/>
+    <dgm:txPr/>
+    <dgm:style>
+      <a:lnRef idx="0">
+        <a:scrgbClr r="0" g="0" b="0"/>
+      </a:lnRef>
+      <a:fillRef idx="1">
+        <a:scrgbClr r="0" g="0" b="0"/>
+      </a:fillRef>
+      <a:effectRef idx="2">
+        <a:scrgbClr r="0" g="0" b="0"/>
+      </a:effectRef>
+      <a:fontRef idx="minor"/>
+    </dgm:style>
+  </dgm:styleLbl>
+  <dgm:styleLbl name="alignImgPlace1">
+    <dgm:scene3d>
+      <a:camera prst="orthographicFront"/>
+      <a:lightRig rig="threePt" dir="t"/>
+    </dgm:scene3d>
+    <dgm:sp3d/>
+    <dgm:txPr/>
+    <dgm:style>
+      <a:lnRef idx="0">
+        <a:scrgbClr r="0" g="0" b="0"/>
+      </a:lnRef>
+      <a:fillRef idx="1">
+        <a:scrgbClr r="0" g="0" b="0"/>
+      </a:fillRef>
+      <a:effectRef idx="2">
+        <a:scrgbClr r="0" g="0" b="0"/>
+      </a:effectRef>
+      <a:fontRef idx="minor"/>
+    </dgm:style>
+  </dgm:styleLbl>
+  <dgm:styleLbl name="bgImgPlace1">
+    <dgm:scene3d>
+      <a:camera prst="orthographicFront"/>
+      <a:lightRig rig="threePt" dir="t"/>
+    </dgm:scene3d>
+    <dgm:sp3d/>
+    <dgm:txPr/>
+    <dgm:style>
+      <a:lnRef idx="0">
+        <a:scrgbClr r="0" g="0" b="0"/>
+      </a:lnRef>
+      <a:fillRef idx="1">
+        <a:scrgbClr r="0" g="0" b="0"/>
+      </a:fillRef>
+      <a:effectRef idx="2">
+        <a:scrgbClr r="0" g="0" b="0"/>
+      </a:effectRef>
+      <a:fontRef idx="minor"/>
+    </dgm:style>
+  </dgm:styleLbl>
+  <dgm:styleLbl name="sibTrans2D1">
+    <dgm:scene3d>
+      <a:camera prst="orthographicFront"/>
+      <a:lightRig rig="threePt" dir="t"/>
+    </dgm:scene3d>
+    <dgm:sp3d/>
+    <dgm:txPr/>
+    <dgm:style>
+      <a:lnRef idx="0">
+        <a:scrgbClr r="0" g="0" b="0"/>
+      </a:lnRef>
+      <a:fillRef idx="3">
+        <a:scrgbClr r="0" g="0" b="0"/>
+      </a:fillRef>
+      <a:effectRef idx="2">
+        <a:scrgbClr r="0" g="0" b="0"/>
+      </a:effectRef>
+      <a:fontRef idx="minor">
+        <a:schemeClr val="lt1"/>
+      </a:fontRef>
+    </dgm:style>
+  </dgm:styleLbl>
+  <dgm:styleLbl name="fgSibTrans2D1">
+    <dgm:scene3d>
+      <a:camera prst="orthographicFront"/>
+      <a:lightRig rig="threePt" dir="t"/>
+    </dgm:scene3d>
+    <dgm:sp3d/>
+    <dgm:txPr/>
+    <dgm:style>
+      <a:lnRef idx="0">
+        <a:scrgbClr r="0" g="0" b="0"/>
+      </a:lnRef>
+      <a:fillRef idx="3">
+        <a:scrgbClr r="0" g="0" b="0"/>
+      </a:fillRef>
+      <a:effectRef idx="2">
+        <a:scrgbClr r="0" g="0" b="0"/>
+      </a:effectRef>
+      <a:fontRef idx="minor">
+        <a:schemeClr val="lt1"/>
+      </a:fontRef>
+    </dgm:style>
+  </dgm:styleLbl>
+  <dgm:styleLbl name="bgSibTrans2D1">
+    <dgm:scene3d>
+      <a:camera prst="orthographicFront"/>
+      <a:lightRig rig="threePt" dir="t"/>
+    </dgm:scene3d>
+    <dgm:sp3d/>
+    <dgm:txPr/>
+    <dgm:style>
+      <a:lnRef idx="0">
+        <a:scrgbClr r="0" g="0" b="0"/>
+      </a:lnRef>
+      <a:fillRef idx="3">
+        <a:scrgbClr r="0" g="0" b="0"/>
+      </a:fillRef>
+      <a:effectRef idx="2">
+        <a:scrgbClr r="0" g="0" b="0"/>
+      </a:effectRef>
+      <a:fontRef idx="minor">
+        <a:schemeClr val="lt1"/>
+      </a:fontRef>
+    </dgm:style>
+  </dgm:styleLbl>
+  <dgm:styleLbl name="sibTrans1D1">
+    <dgm:scene3d>
+      <a:camera prst="orthographicFront"/>
+      <a:lightRig rig="threePt" dir="t"/>
+    </dgm:scene3d>
+    <dgm:sp3d/>
+    <dgm:txPr/>
+    <dgm:style>
+      <a:lnRef idx="1">
+        <a:scrgbClr r="0" g="0" b="0"/>
+      </a:lnRef>
+      <a:fillRef idx="0">
+        <a:scrgbClr r="0" g="0" b="0"/>
+      </a:fillRef>
+      <a:effectRef idx="0">
+        <a:scrgbClr r="0" g="0" b="0"/>
+      </a:effectRef>
+      <a:fontRef idx="minor"/>
+    </dgm:style>
+  </dgm:styleLbl>
+  <dgm:styleLbl name="callout">
+    <dgm:scene3d>
+      <a:camera prst="orthographicFront"/>
+      <a:lightRig rig="threePt" dir="t"/>
+    </dgm:scene3d>
+    <dgm:sp3d/>
+    <dgm:txPr/>
+    <dgm:style>
+      <a:lnRef idx="2">
+        <a:scrgbClr r="0" g="0" b="0"/>
+      </a:lnRef>
+      <a:fillRef idx="1">
+        <a:scrgbClr r="0" g="0" b="0"/>
+      </a:fillRef>
+      <a:effectRef idx="1">
+        <a:scrgbClr r="0" g="0" b="0"/>
+      </a:effectRef>
+      <a:fontRef idx="minor"/>
+    </dgm:style>
+  </dgm:styleLbl>
+  <dgm:styleLbl name="asst0">
+    <dgm:scene3d>
+      <a:camera prst="orthographicFront"/>
+      <a:lightRig rig="threePt" dir="t"/>
+    </dgm:scene3d>
+    <dgm:sp3d/>
+    <dgm:txPr/>
+    <dgm:style>
+      <a:lnRef idx="0">
+        <a:scrgbClr r="0" g="0" b="0"/>
+      </a:lnRef>
+      <a:fillRef idx="3">
+        <a:scrgbClr r="0" g="0" b="0"/>
+      </a:fillRef>
+      <a:effectRef idx="2">
+        <a:scrgbClr r="0" g="0" b="0"/>
+      </a:effectRef>
+      <a:fontRef idx="minor">
+        <a:schemeClr val="lt1"/>
+      </a:fontRef>
+    </dgm:style>
+  </dgm:styleLbl>
+  <dgm:styleLbl name="asst1">
+    <dgm:scene3d>
+      <a:camera prst="orthographicFront"/>
+      <a:lightRig rig="threePt" dir="t"/>
+    </dgm:scene3d>
+    <dgm:sp3d/>
+    <dgm:txPr/>
+    <dgm:style>
+      <a:lnRef idx="0">
+        <a:scrgbClr r="0" g="0" b="0"/>
+      </a:lnRef>
+      <a:fillRef idx="3">
+        <a:scrgbClr r="0" g="0" b="0"/>
+      </a:fillRef>
+      <a:effectRef idx="2">
+        <a:scrgbClr r="0" g="0" b="0"/>
+      </a:effectRef>
+      <a:fontRef idx="minor">
+        <a:schemeClr val="lt1"/>
+      </a:fontRef>
+    </dgm:style>
+  </dgm:styleLbl>
+  <dgm:styleLbl name="asst2">
+    <dgm:scene3d>
+      <a:camera prst="orthographicFront"/>
+      <a:lightRig rig="threePt" dir="t"/>
+    </dgm:scene3d>
+    <dgm:sp3d/>
+    <dgm:txPr/>
+    <dgm:style>
+      <a:lnRef idx="0">
+        <a:scrgbClr r="0" g="0" b="0"/>
+      </a:lnRef>
+      <a:fillRef idx="3">
+        <a:scrgbClr r="0" g="0" b="0"/>
+      </a:fillRef>
+      <a:effectRef idx="2">
+        <a:scrgbClr r="0" g="0" b="0"/>
+      </a:effectRef>
+      <a:fontRef idx="minor">
+        <a:schemeClr val="lt1"/>
+      </a:fontRef>
+    </dgm:style>
+  </dgm:styleLbl>
+  <dgm:styleLbl name="asst3">
+    <dgm:scene3d>
+      <a:camera prst="orthographicFront"/>
+      <a:lightRig rig="threePt" dir="t"/>
+    </dgm:scene3d>
+    <dgm:sp3d/>
+    <dgm:txPr/>
+    <dgm:style>
+      <a:lnRef idx="0">
+        <a:scrgbClr r="0" g="0" b="0"/>
+      </a:lnRef>
+      <a:fillRef idx="3">
+        <a:scrgbClr r="0" g="0" b="0"/>
+      </a:fillRef>
+      <a:effectRef idx="2">
+        <a:scrgbClr r="0" g="0" b="0"/>
+      </a:effectRef>
+      <a:fontRef idx="minor">
+        <a:schemeClr val="lt1"/>
+      </a:fontRef>
+    </dgm:style>
+  </dgm:styleLbl>
+  <dgm:styleLbl name="asst4">
+    <dgm:scene3d>
+      <a:camera prst="orthographicFront"/>
+      <a:lightRig rig="threePt" dir="t"/>
+    </dgm:scene3d>
+    <dgm:sp3d/>
+    <dgm:txPr/>
+    <dgm:style>
+      <a:lnRef idx="0">
+        <a:scrgbClr r="0" g="0" b="0"/>
+      </a:lnRef>
+      <a:fillRef idx="3">
+        <a:scrgbClr r="0" g="0" b="0"/>
+      </a:fillRef>
+      <a:effectRef idx="2">
+        <a:scrgbClr r="0" g="0" b="0"/>
+      </a:effectRef>
+      <a:fontRef idx="minor">
+        <a:schemeClr val="lt1"/>
+      </a:fontRef>
+    </dgm:style>
+  </dgm:styleLbl>
+  <dgm:styleLbl name="parChTrans2D1">
+    <dgm:scene3d>
+      <a:camera prst="orthographicFront"/>
+      <a:lightRig rig="threePt" dir="t"/>
+    </dgm:scene3d>
+    <dgm:sp3d/>
+    <dgm:txPr/>
+    <dgm:style>
+      <a:lnRef idx="0">
+        <a:scrgbClr r="0" g="0" b="0"/>
+      </a:lnRef>
+      <a:fillRef idx="3">
+        <a:scrgbClr r="0" g="0" b="0"/>
+      </a:fillRef>
+      <a:effectRef idx="2">
+        <a:scrgbClr r="0" g="0" b="0"/>
+      </a:effectRef>
+      <a:fontRef idx="minor">
+        <a:schemeClr val="lt1"/>
+      </a:fontRef>
+    </dgm:style>
+  </dgm:styleLbl>
+  <dgm:styleLbl name="parChTrans2D2">
+    <dgm:scene3d>
+      <a:camera prst="orthographicFront"/>
+      <a:lightRig rig="threePt" dir="t"/>
+    </dgm:scene3d>
+    <dgm:sp3d/>
+    <dgm:txPr/>
+    <dgm:style>
+      <a:lnRef idx="0">
+        <a:scrgbClr r="0" g="0" b="0"/>
+      </a:lnRef>
+      <a:fillRef idx="3">
+        <a:scrgbClr r="0" g="0" b="0"/>
+      </a:fillRef>
+      <a:effectRef idx="2">
+        <a:scrgbClr r="0" g="0" b="0"/>
+      </a:effectRef>
+      <a:fontRef idx="minor">
+        <a:schemeClr val="lt1"/>
+      </a:fontRef>
+    </dgm:style>
+  </dgm:styleLbl>
+  <dgm:styleLbl name="parChTrans2D3">
+    <dgm:scene3d>
+      <a:camera prst="orthographicFront"/>
+      <a:lightRig rig="threePt" dir="t"/>
+    </dgm:scene3d>
+    <dgm:sp3d/>
+    <dgm:txPr/>
+    <dgm:style>
+      <a:lnRef idx="1">
+        <a:scrgbClr r="0" g="0" b="0"/>
+      </a:lnRef>
+      <a:fillRef idx="3">
+        <a:scrgbClr r="0" g="0" b="0"/>
+      </a:fillRef>
+      <a:effectRef idx="2">
+        <a:scrgbClr r="0" g="0" b="0"/>
+      </a:effectRef>
+      <a:fontRef idx="minor">
+        <a:schemeClr val="lt1"/>
+      </a:fontRef>
+    </dgm:style>
+  </dgm:styleLbl>
+  <dgm:styleLbl name="parChTrans2D4">
+    <dgm:scene3d>
+      <a:camera prst="orthographicFront"/>
+      <a:lightRig rig="threePt" dir="t"/>
+    </dgm:scene3d>
+    <dgm:sp3d/>
+    <dgm:txPr/>
+    <dgm:style>
+      <a:lnRef idx="1">
+        <a:scrgbClr r="0" g="0" b="0"/>
+      </a:lnRef>
+      <a:fillRef idx="3">
+        <a:scrgbClr r="0" g="0" b="0"/>
+      </a:fillRef>
+      <a:effectRef idx="2">
+        <a:scrgbClr r="0" g="0" b="0"/>
+      </a:effectRef>
+      <a:fontRef idx="minor">
+        <a:schemeClr val="lt1"/>
+      </a:fontRef>
+    </dgm:style>
+  </dgm:styleLbl>
+  <dgm:styleLbl name="parChTrans1D1">
+    <dgm:scene3d>
+      <a:camera prst="orthographicFront"/>
+      <a:lightRig rig="threePt" dir="t"/>
+    </dgm:scene3d>
+    <dgm:sp3d/>
+    <dgm:txPr/>
+    <dgm:style>
+      <a:lnRef idx="1">
+        <a:scrgbClr r="0" g="0" b="0"/>
+      </a:lnRef>
+      <a:fillRef idx="0">
+        <a:scrgbClr r="0" g="0" b="0"/>
+      </a:fillRef>
+      <a:effectRef idx="0">
+        <a:scrgbClr r="0" g="0" b="0"/>
+      </a:effectRef>
+      <a:fontRef idx="minor"/>
+    </dgm:style>
+  </dgm:styleLbl>
+  <dgm:styleLbl name="parChTrans1D2">
+    <dgm:scene3d>
+      <a:camera prst="orthographicFront"/>
+      <a:lightRig rig="threePt" dir="t"/>
+    </dgm:scene3d>
+    <dgm:sp3d/>
+    <dgm:txPr/>
+    <dgm:style>
+      <a:lnRef idx="1">
+        <a:scrgbClr r="0" g="0" b="0"/>
+      </a:lnRef>
+      <a:fillRef idx="0">
+        <a:scrgbClr r="0" g="0" b="0"/>
+      </a:fillRef>
+      <a:effectRef idx="0">
+        <a:scrgbClr r="0" g="0" b="0"/>
+      </a:effectRef>
+      <a:fontRef idx="minor"/>
+    </dgm:style>
+  </dgm:styleLbl>
+  <dgm:styleLbl name="parChTrans1D3">
+    <dgm:scene3d>
+      <a:camera prst="orthographicFront"/>
+      <a:lightRig rig="threePt" dir="t"/>
+    </dgm:scene3d>
+    <dgm:sp3d/>
+    <dgm:txPr/>
+    <dgm:style>
+      <a:lnRef idx="1">
+        <a:scrgbClr r="0" g="0" b="0"/>
+      </a:lnRef>
+      <a:fillRef idx="0">
+        <a:scrgbClr r="0" g="0" b="0"/>
+      </a:fillRef>
+      <a:effectRef idx="0">
+        <a:scrgbClr r="0" g="0" b="0"/>
+      </a:effectRef>
+      <a:fontRef idx="minor"/>
+    </dgm:style>
+  </dgm:styleLbl>
+  <dgm:styleLbl name="parChTrans1D4">
+    <dgm:scene3d>
+      <a:camera prst="orthographicFront"/>
+      <a:lightRig rig="threePt" dir="t"/>
+    </dgm:scene3d>
+    <dgm:sp3d/>
+    <dgm:txPr/>
+    <dgm:style>
+      <a:lnRef idx="1">
+        <a:scrgbClr r="0" g="0" b="0"/>
+      </a:lnRef>
+      <a:fillRef idx="0">
+        <a:scrgbClr r="0" g="0" b="0"/>
+      </a:fillRef>
+      <a:effectRef idx="0">
+        <a:scrgbClr r="0" g="0" b="0"/>
+      </a:effectRef>
+      <a:fontRef idx="minor"/>
+    </dgm:style>
+  </dgm:styleLbl>
+  <dgm:styleLbl name="fgAcc1">
+    <dgm:scene3d>
+      <a:camera prst="orthographicFront"/>
+      <a:lightRig rig="threePt" dir="t"/>
+    </dgm:scene3d>
+    <dgm:sp3d/>
+    <dgm:txPr/>
+    <dgm:style>
+      <a:lnRef idx="1">
+        <a:scrgbClr r="0" g="0" b="0"/>
+      </a:lnRef>
+      <a:fillRef idx="1">
+        <a:scrgbClr r="0" g="0" b="0"/>
+      </a:fillRef>
+      <a:effectRef idx="0">
+        <a:scrgbClr r="0" g="0" b="0"/>
+      </a:effectRef>
+      <a:fontRef idx="minor"/>
+    </dgm:style>
+  </dgm:styleLbl>
+  <dgm:styleLbl name="conFgAcc1">
+    <dgm:scene3d>
+      <a:camera prst="orthographicFront"/>
+      <a:lightRig rig="threePt" dir="t"/>
+    </dgm:scene3d>
+    <dgm:sp3d/>
+    <dgm:txPr/>
+    <dgm:style>
+      <a:lnRef idx="1">
+        <a:scrgbClr r="0" g="0" b="0"/>
+      </a:lnRef>
+      <a:fillRef idx="1">
+        <a:scrgbClr r="0" g="0" b="0"/>
+      </a:fillRef>
+      <a:effectRef idx="0">
+        <a:scrgbClr r="0" g="0" b="0"/>
+      </a:effectRef>
+      <a:fontRef idx="minor"/>
+    </dgm:style>
+  </dgm:styleLbl>
+  <dgm:styleLbl name="alignAcc1">
+    <dgm:scene3d>
+      <a:camera prst="orthographicFront"/>
+      <a:lightRig rig="threePt" dir="t"/>
+    </dgm:scene3d>
+    <dgm:sp3d/>
+    <dgm:txPr/>
+    <dgm:style>
+      <a:lnRef idx="1">
+        <a:scrgbClr r="0" g="0" b="0"/>
+      </a:lnRef>
+      <a:fillRef idx="1">
+        <a:scrgbClr r="0" g="0" b="0"/>
+      </a:fillRef>
+      <a:effectRef idx="0">
+        <a:scrgbClr r="0" g="0" b="0"/>
+      </a:effectRef>
+      <a:fontRef idx="minor"/>
+    </dgm:style>
+  </dgm:styleLbl>
+  <dgm:styleLbl name="trAlignAcc1">
+    <dgm:scene3d>
+      <a:camera prst="orthographicFront"/>
+      <a:lightRig rig="threePt" dir="t"/>
+    </dgm:scene3d>
+    <dgm:sp3d/>
+    <dgm:txPr/>
+    <dgm:style>
+      <a:lnRef idx="1">
+        <a:scrgbClr r="0" g="0" b="0"/>
+      </a:lnRef>
+      <a:fillRef idx="1">
+        <a:scrgbClr r="0" g="0" b="0"/>
+      </a:fillRef>
+      <a:effectRef idx="0">
+        <a:scrgbClr r="0" g="0" b="0"/>
+      </a:effectRef>
+      <a:fontRef idx="minor"/>
+    </dgm:style>
+  </dgm:styleLbl>
+  <dgm:styleLbl name="bgAcc1">
+    <dgm:scene3d>
+      <a:camera prst="orthographicFront"/>
+      <a:lightRig rig="threePt" dir="t"/>
+    </dgm:scene3d>
+    <dgm:sp3d/>
+    <dgm:txPr/>
+    <dgm:style>
+      <a:lnRef idx="1">
+        <a:scrgbClr r="0" g="0" b="0"/>
+      </a:lnRef>
+      <a:fillRef idx="1">
+        <a:scrgbClr r="0" g="0" b="0"/>
+      </a:fillRef>
+      <a:effectRef idx="0">
+        <a:scrgbClr r="0" g="0" b="0"/>
+      </a:effectRef>
+      <a:fontRef idx="minor"/>
+    </dgm:style>
+  </dgm:styleLbl>
+  <dgm:styleLbl name="solidFgAcc1">
+    <dgm:scene3d>
+      <a:camera prst="orthographicFront"/>
+      <a:lightRig rig="threePt" dir="t"/>
+    </dgm:scene3d>
+    <dgm:sp3d/>
+    <dgm:txPr/>
+    <dgm:style>
+      <a:lnRef idx="1">
+        <a:scrgbClr r="0" g="0" b="0"/>
+      </a:lnRef>
+      <a:fillRef idx="1">
+        <a:scrgbClr r="0" g="0" b="0"/>
+      </a:fillRef>
+      <a:effectRef idx="0">
+        <a:scrgbClr r="0" g="0" b="0"/>
+      </a:effectRef>
+      <a:fontRef idx="minor"/>
+    </dgm:style>
+  </dgm:styleLbl>
+  <dgm:styleLbl name="solidAlignAcc1">
+    <dgm:scene3d>
+      <a:camera prst="orthographicFront"/>
+      <a:lightRig rig="threePt" dir="t"/>
+    </dgm:scene3d>
+    <dgm:sp3d/>
+    <dgm:txPr/>
+    <dgm:style>
+      <a:lnRef idx="1">
+        <a:scrgbClr r="0" g="0" b="0"/>
+      </a:lnRef>
+      <a:fillRef idx="1">
+        <a:scrgbClr r="0" g="0" b="0"/>
+      </a:fillRef>
+      <a:effectRef idx="0">
+        <a:scrgbClr r="0" g="0" b="0"/>
+      </a:effectRef>
+      <a:fontRef idx="minor"/>
+    </dgm:style>
+  </dgm:styleLbl>
+  <dgm:styleLbl name="solidBgAcc1">
+    <dgm:scene3d>
+      <a:camera prst="orthographicFront"/>
+      <a:lightRig rig="threePt" dir="t"/>
+    </dgm:scene3d>
+    <dgm:sp3d/>
+    <dgm:txPr/>
+    <dgm:style>
+      <a:lnRef idx="1">
+        <a:scrgbClr r="0" g="0" b="0"/>
+      </a:lnRef>
+      <a:fillRef idx="1">
+        <a:scrgbClr r="0" g="0" b="0"/>
+      </a:fillRef>
+      <a:effectRef idx="0">
+        <a:scrgbClr r="0" g="0" b="0"/>
+      </a:effectRef>
+      <a:fontRef idx="minor"/>
+    </dgm:style>
+  </dgm:styleLbl>
+  <dgm:styleLbl name="fgAccFollowNode1">
+    <dgm:scene3d>
+      <a:camera prst="orthographicFront"/>
+      <a:lightRig rig="threePt" dir="t"/>
+    </dgm:scene3d>
+    <dgm:sp3d/>
+    <dgm:txPr/>
+    <dgm:style>
+      <a:lnRef idx="1">
+        <a:scrgbClr r="0" g="0" b="0"/>
+      </a:lnRef>
+      <a:fillRef idx="1">
+        <a:scrgbClr r="0" g="0" b="0"/>
+      </a:fillRef>
+      <a:effectRef idx="0">
+        <a:scrgbClr r="0" g="0" b="0"/>
+      </a:effectRef>
+      <a:fontRef idx="minor"/>
+    </dgm:style>
+  </dgm:styleLbl>
+  <dgm:styleLbl name="alignAccFollowNode1">
+    <dgm:scene3d>
+      <a:camera prst="orthographicFront"/>
+      <a:lightRig rig="threePt" dir="t"/>
+    </dgm:scene3d>
+    <dgm:sp3d/>
+    <dgm:txPr/>
+    <dgm:style>
+      <a:lnRef idx="1">
+        <a:scrgbClr r="0" g="0" b="0"/>
+      </a:lnRef>
+      <a:fillRef idx="1">
+        <a:scrgbClr r="0" g="0" b="0"/>
+      </a:fillRef>
+      <a:effectRef idx="0">
+        <a:scrgbClr r="0" g="0" b="0"/>
+      </a:effectRef>
+      <a:fontRef idx="minor"/>
+    </dgm:style>
+  </dgm:styleLbl>
+  <dgm:styleLbl name="bgAccFollowNode1">
+    <dgm:scene3d>
+      <a:camera prst="orthographicFront"/>
+      <a:lightRig rig="threePt" dir="t"/>
+    </dgm:scene3d>
+    <dgm:sp3d/>
+    <dgm:txPr/>
+    <dgm:style>
+      <a:lnRef idx="1">
+        <a:scrgbClr r="0" g="0" b="0"/>
+      </a:lnRef>
+      <a:fillRef idx="1">
+        <a:scrgbClr r="0" g="0" b="0"/>
+      </a:fillRef>
+      <a:effectRef idx="0">
+        <a:scrgbClr r="0" g="0" b="0"/>
+      </a:effectRef>
+      <a:fontRef idx="minor"/>
+    </dgm:style>
+  </dgm:styleLbl>
+  <dgm:styleLbl name="fgAcc0">
+    <dgm:scene3d>
+      <a:camera prst="orthographicFront"/>
+      <a:lightRig rig="threePt" dir="t"/>
+    </dgm:scene3d>
+    <dgm:sp3d/>
+    <dgm:txPr/>
+    <dgm:style>
+      <a:lnRef idx="1">
+        <a:scrgbClr r="0" g="0" b="0"/>
+      </a:lnRef>
+      <a:fillRef idx="1">
+        <a:scrgbClr r="0" g="0" b="0"/>
+      </a:fillRef>
+      <a:effectRef idx="0">
+        <a:scrgbClr r="0" g="0" b="0"/>
+      </a:effectRef>
+      <a:fontRef idx="minor"/>
+    </dgm:style>
+  </dgm:styleLbl>
+  <dgm:styleLbl name="fgAcc2">
+    <dgm:scene3d>
+      <a:camera prst="orthographicFront"/>
+      <a:lightRig rig="threePt" dir="t"/>
+    </dgm:scene3d>
+    <dgm:sp3d/>
+    <dgm:txPr/>
+    <dgm:style>
+      <a:lnRef idx="1">
+        <a:scrgbClr r="0" g="0" b="0"/>
+      </a:lnRef>
+      <a:fillRef idx="1">
+        <a:scrgbClr r="0" g="0" b="0"/>
+      </a:fillRef>
+      <a:effectRef idx="0">
+        <a:scrgbClr r="0" g="0" b="0"/>
+      </a:effectRef>
+      <a:fontRef idx="minor"/>
+    </dgm:style>
+  </dgm:styleLbl>
+  <dgm:styleLbl name="fgAcc3">
+    <dgm:scene3d>
+      <a:camera prst="orthographicFront"/>
+      <a:lightRig rig="threePt" dir="t"/>
+    </dgm:scene3d>
+    <dgm:sp3d/>
+    <dgm:txPr/>
+    <dgm:style>
+      <a:lnRef idx="1">
+        <a:scrgbClr r="0" g="0" b="0"/>
+      </a:lnRef>
+      <a:fillRef idx="1">
+        <a:scrgbClr r="0" g="0" b="0"/>
+      </a:fillRef>
+      <a:effectRef idx="0">
+        <a:scrgbClr r="0" g="0" b="0"/>
+      </a:effectRef>
+      <a:fontRef idx="minor"/>
+    </dgm:style>
+  </dgm:styleLbl>
+  <dgm:styleLbl name="fgAcc4">
+    <dgm:scene3d>
+      <a:camera prst="orthographicFront"/>
+      <a:lightRig rig="threePt" dir="t"/>
+    </dgm:scene3d>
+    <dgm:sp3d/>
+    <dgm:txPr/>
+    <dgm:style>
+      <a:lnRef idx="1">
+        <a:scrgbClr r="0" g="0" b="0"/>
+      </a:lnRef>
+      <a:fillRef idx="1">
+        <a:scrgbClr r="0" g="0" b="0"/>
+      </a:fillRef>
+      <a:effectRef idx="0">
+        <a:scrgbClr r="0" g="0" b="0"/>
+      </a:effectRef>
+      <a:fontRef idx="minor"/>
+    </dgm:style>
+  </dgm:styleLbl>
+  <dgm:styleLbl name="bgShp">
+    <dgm:scene3d>
+      <a:camera prst="orthographicFront"/>
+      <a:lightRig rig="threePt" dir="t"/>
+    </dgm:scene3d>
+    <dgm:sp3d/>
+    <dgm:txPr/>
+    <dgm:style>
+      <a:lnRef idx="0">
+        <a:scrgbClr r="0" g="0" b="0"/>
+      </a:lnRef>
+      <a:fillRef idx="1">
+        <a:scrgbClr r="0" g="0" b="0"/>
+      </a:fillRef>
+      <a:effectRef idx="2">
+        <a:scrgbClr r="0" g="0" b="0"/>
+      </a:effectRef>
+      <a:fontRef idx="minor"/>
+    </dgm:style>
+  </dgm:styleLbl>
+  <dgm:styleLbl name="dkBgShp">
+    <dgm:scene3d>
+      <a:camera prst="orthographicFront"/>
+      <a:lightRig rig="threePt" dir="t"/>
+    </dgm:scene3d>
+    <dgm:sp3d/>
+    <dgm:txPr/>
+    <dgm:style>
+      <a:lnRef idx="0">
+        <a:scrgbClr r="0" g="0" b="0"/>
+      </a:lnRef>
+      <a:fillRef idx="1">
+        <a:scrgbClr r="0" g="0" b="0"/>
+      </a:fillRef>
+      <a:effectRef idx="2">
+        <a:scrgbClr r="0" g="0" b="0"/>
+      </a:effectRef>
+      <a:fontRef idx="minor"/>
+    </dgm:style>
+  </dgm:styleLbl>
+  <dgm:styleLbl name="trBgShp">
+    <dgm:scene3d>
+      <a:camera prst="orthographicFront"/>
+      <a:lightRig rig="threePt" dir="t"/>
+    </dgm:scene3d>
+    <dgm:sp3d/>
+    <dgm:txPr/>
+    <dgm:style>
+      <a:lnRef idx="0">
+        <a:scrgbClr r="0" g="0" b="0"/>
+      </a:lnRef>
+      <a:fillRef idx="1">
+        <a:scrgbClr r="0" g="0" b="0"/>
+      </a:fillRef>
+      <a:effectRef idx="0">
+        <a:scrgbClr r="0" g="0" b="0"/>
+      </a:effectRef>
+      <a:fontRef idx="minor"/>
+    </dgm:style>
+  </dgm:styleLbl>
+  <dgm:styleLbl name="fgShp">
+    <dgm:scene3d>
+      <a:camera prst="orthographicFront"/>
+      <a:lightRig rig="threePt" dir="t"/>
+    </dgm:scene3d>
+    <dgm:sp3d/>
+    <dgm:txPr/>
+    <dgm:style>
+      <a:lnRef idx="0">
+        <a:scrgbClr r="0" g="0" b="0"/>
+      </a:lnRef>
+      <a:fillRef idx="3">
+        <a:scrgbClr r="0" g="0" b="0"/>
+      </a:fillRef>
+      <a:effectRef idx="2">
         <a:scrgbClr r="0" g="0" b="0"/>
       </a:effectRef>
       <a:fontRef idx="minor"/>
@@ -16212,7 +19591,7 @@
           </a:lstStyle>
           <a:p>
             <a:r>
-              <a:rPr lang="de-DE" smtClean="0"/>
+              <a:rPr lang="de-DE"/>
               <a:t>Titelmasterformat durch Klicken bearbeiten</a:t>
             </a:r>
             <a:endParaRPr lang="en-US" dirty="0"/>
@@ -16277,7 +19656,7 @@
           </a:lstStyle>
           <a:p>
             <a:r>
-              <a:rPr lang="de-DE" smtClean="0"/>
+              <a:rPr lang="de-DE"/>
               <a:t>Formatvorlage des Untertitelmasters durch Klicken bearbeiten</a:t>
             </a:r>
             <a:endParaRPr lang="en-US" dirty="0"/>
@@ -16301,7 +19680,7 @@
           <a:p>
             <a:fld id="{33BD4983-5500-40CF-B399-FB93C20B7603}" type="datetimeFigureOut">
               <a:rPr lang="de-DE" smtClean="0"/>
-              <a:t>21.02.2018</a:t>
+              <a:t>22.02.2018</a:t>
             </a:fld>
             <a:endParaRPr lang="de-DE"/>
           </a:p>
@@ -16395,7 +19774,7 @@
           <a:lstStyle/>
           <a:p>
             <a:r>
-              <a:rPr lang="de-DE" smtClean="0"/>
+              <a:rPr lang="de-DE"/>
               <a:t>Titelmasterformat durch Klicken bearbeiten</a:t>
             </a:r>
             <a:endParaRPr lang="en-US" dirty="0"/>
@@ -16419,35 +19798,35 @@
           <a:p>
             <a:pPr lvl="0"/>
             <a:r>
-              <a:rPr lang="de-DE" smtClean="0"/>
+              <a:rPr lang="de-DE"/>
               <a:t>Textmasterformat bearbeiten</a:t>
             </a:r>
           </a:p>
           <a:p>
             <a:pPr lvl="1"/>
             <a:r>
-              <a:rPr lang="de-DE" smtClean="0"/>
+              <a:rPr lang="de-DE"/>
               <a:t>Zweite Ebene</a:t>
             </a:r>
           </a:p>
           <a:p>
             <a:pPr lvl="2"/>
             <a:r>
-              <a:rPr lang="de-DE" smtClean="0"/>
+              <a:rPr lang="de-DE"/>
               <a:t>Dritte Ebene</a:t>
             </a:r>
           </a:p>
           <a:p>
             <a:pPr lvl="3"/>
             <a:r>
-              <a:rPr lang="de-DE" smtClean="0"/>
+              <a:rPr lang="de-DE"/>
               <a:t>Vierte Ebene</a:t>
             </a:r>
           </a:p>
           <a:p>
             <a:pPr lvl="4"/>
             <a:r>
-              <a:rPr lang="de-DE" smtClean="0"/>
+              <a:rPr lang="de-DE"/>
               <a:t>Fünfte Ebene</a:t>
             </a:r>
             <a:endParaRPr lang="en-US" dirty="0"/>
@@ -16471,7 +19850,7 @@
           <a:p>
             <a:fld id="{33BD4983-5500-40CF-B399-FB93C20B7603}" type="datetimeFigureOut">
               <a:rPr lang="de-DE" smtClean="0"/>
-              <a:t>21.02.2018</a:t>
+              <a:t>22.02.2018</a:t>
             </a:fld>
             <a:endParaRPr lang="de-DE"/>
           </a:p>
@@ -16570,7 +19949,7 @@
           <a:lstStyle/>
           <a:p>
             <a:r>
-              <a:rPr lang="de-DE" smtClean="0"/>
+              <a:rPr lang="de-DE"/>
               <a:t>Titelmasterformat durch Klicken bearbeiten</a:t>
             </a:r>
             <a:endParaRPr lang="en-US" dirty="0"/>
@@ -16599,35 +19978,35 @@
           <a:p>
             <a:pPr lvl="0"/>
             <a:r>
-              <a:rPr lang="de-DE" smtClean="0"/>
+              <a:rPr lang="de-DE"/>
               <a:t>Textmasterformat bearbeiten</a:t>
             </a:r>
           </a:p>
           <a:p>
             <a:pPr lvl="1"/>
             <a:r>
-              <a:rPr lang="de-DE" smtClean="0"/>
+              <a:rPr lang="de-DE"/>
               <a:t>Zweite Ebene</a:t>
             </a:r>
           </a:p>
           <a:p>
             <a:pPr lvl="2"/>
             <a:r>
-              <a:rPr lang="de-DE" smtClean="0"/>
+              <a:rPr lang="de-DE"/>
               <a:t>Dritte Ebene</a:t>
             </a:r>
           </a:p>
           <a:p>
             <a:pPr lvl="3"/>
             <a:r>
-              <a:rPr lang="de-DE" smtClean="0"/>
+              <a:rPr lang="de-DE"/>
               <a:t>Vierte Ebene</a:t>
             </a:r>
           </a:p>
           <a:p>
             <a:pPr lvl="4"/>
             <a:r>
-              <a:rPr lang="de-DE" smtClean="0"/>
+              <a:rPr lang="de-DE"/>
               <a:t>Fünfte Ebene</a:t>
             </a:r>
             <a:endParaRPr lang="en-US" dirty="0"/>
@@ -16651,7 +20030,7 @@
           <a:p>
             <a:fld id="{33BD4983-5500-40CF-B399-FB93C20B7603}" type="datetimeFigureOut">
               <a:rPr lang="de-DE" smtClean="0"/>
-              <a:t>21.02.2018</a:t>
+              <a:t>22.02.2018</a:t>
             </a:fld>
             <a:endParaRPr lang="de-DE"/>
           </a:p>
@@ -16745,7 +20124,7 @@
           <a:lstStyle/>
           <a:p>
             <a:r>
-              <a:rPr lang="de-DE" smtClean="0"/>
+              <a:rPr lang="de-DE"/>
               <a:t>Titelmasterformat durch Klicken bearbeiten</a:t>
             </a:r>
             <a:endParaRPr lang="en-US" dirty="0"/>
@@ -16769,35 +20148,35 @@
           <a:p>
             <a:pPr lvl="0"/>
             <a:r>
-              <a:rPr lang="de-DE" smtClean="0"/>
+              <a:rPr lang="de-DE"/>
               <a:t>Textmasterformat bearbeiten</a:t>
             </a:r>
           </a:p>
           <a:p>
             <a:pPr lvl="1"/>
             <a:r>
-              <a:rPr lang="de-DE" smtClean="0"/>
+              <a:rPr lang="de-DE"/>
               <a:t>Zweite Ebene</a:t>
             </a:r>
           </a:p>
           <a:p>
             <a:pPr lvl="2"/>
             <a:r>
-              <a:rPr lang="de-DE" smtClean="0"/>
+              <a:rPr lang="de-DE"/>
               <a:t>Dritte Ebene</a:t>
             </a:r>
           </a:p>
           <a:p>
             <a:pPr lvl="3"/>
             <a:r>
-              <a:rPr lang="de-DE" smtClean="0"/>
+              <a:rPr lang="de-DE"/>
               <a:t>Vierte Ebene</a:t>
             </a:r>
           </a:p>
           <a:p>
             <a:pPr lvl="4"/>
             <a:r>
-              <a:rPr lang="de-DE" smtClean="0"/>
+              <a:rPr lang="de-DE"/>
               <a:t>Fünfte Ebene</a:t>
             </a:r>
             <a:endParaRPr lang="en-US" dirty="0"/>
@@ -16821,7 +20200,7 @@
           <a:p>
             <a:fld id="{33BD4983-5500-40CF-B399-FB93C20B7603}" type="datetimeFigureOut">
               <a:rPr lang="de-DE" smtClean="0"/>
-              <a:t>21.02.2018</a:t>
+              <a:t>22.02.2018</a:t>
             </a:fld>
             <a:endParaRPr lang="de-DE"/>
           </a:p>
@@ -16924,7 +20303,7 @@
           </a:lstStyle>
           <a:p>
             <a:r>
-              <a:rPr lang="de-DE" smtClean="0"/>
+              <a:rPr lang="de-DE"/>
               <a:t>Titelmasterformat durch Klicken bearbeiten</a:t>
             </a:r>
             <a:endParaRPr lang="en-US" dirty="0"/>
@@ -17042,7 +20421,7 @@
           <a:p>
             <a:pPr lvl="0"/>
             <a:r>
-              <a:rPr lang="de-DE" smtClean="0"/>
+              <a:rPr lang="de-DE"/>
               <a:t>Textmasterformat bearbeiten</a:t>
             </a:r>
           </a:p>
@@ -17065,7 +20444,7 @@
           <a:p>
             <a:fld id="{33BD4983-5500-40CF-B399-FB93C20B7603}" type="datetimeFigureOut">
               <a:rPr lang="de-DE" smtClean="0"/>
-              <a:t>21.02.2018</a:t>
+              <a:t>22.02.2018</a:t>
             </a:fld>
             <a:endParaRPr lang="de-DE"/>
           </a:p>
@@ -17159,7 +20538,7 @@
           <a:lstStyle/>
           <a:p>
             <a:r>
-              <a:rPr lang="de-DE" smtClean="0"/>
+              <a:rPr lang="de-DE"/>
               <a:t>Titelmasterformat durch Klicken bearbeiten</a:t>
             </a:r>
             <a:endParaRPr lang="en-US" dirty="0"/>
@@ -17188,35 +20567,35 @@
           <a:p>
             <a:pPr lvl="0"/>
             <a:r>
-              <a:rPr lang="de-DE" smtClean="0"/>
+              <a:rPr lang="de-DE"/>
               <a:t>Textmasterformat bearbeiten</a:t>
             </a:r>
           </a:p>
           <a:p>
             <a:pPr lvl="1"/>
             <a:r>
-              <a:rPr lang="de-DE" smtClean="0"/>
+              <a:rPr lang="de-DE"/>
               <a:t>Zweite Ebene</a:t>
             </a:r>
           </a:p>
           <a:p>
             <a:pPr lvl="2"/>
             <a:r>
-              <a:rPr lang="de-DE" smtClean="0"/>
+              <a:rPr lang="de-DE"/>
               <a:t>Dritte Ebene</a:t>
             </a:r>
           </a:p>
           <a:p>
             <a:pPr lvl="3"/>
             <a:r>
-              <a:rPr lang="de-DE" smtClean="0"/>
+              <a:rPr lang="de-DE"/>
               <a:t>Vierte Ebene</a:t>
             </a:r>
           </a:p>
           <a:p>
             <a:pPr lvl="4"/>
             <a:r>
-              <a:rPr lang="de-DE" smtClean="0"/>
+              <a:rPr lang="de-DE"/>
               <a:t>Fünfte Ebene</a:t>
             </a:r>
             <a:endParaRPr lang="en-US" dirty="0"/>
@@ -17245,35 +20624,35 @@
           <a:p>
             <a:pPr lvl="0"/>
             <a:r>
-              <a:rPr lang="de-DE" smtClean="0"/>
+              <a:rPr lang="de-DE"/>
               <a:t>Textmasterformat bearbeiten</a:t>
             </a:r>
           </a:p>
           <a:p>
             <a:pPr lvl="1"/>
             <a:r>
-              <a:rPr lang="de-DE" smtClean="0"/>
+              <a:rPr lang="de-DE"/>
               <a:t>Zweite Ebene</a:t>
             </a:r>
           </a:p>
           <a:p>
             <a:pPr lvl="2"/>
             <a:r>
-              <a:rPr lang="de-DE" smtClean="0"/>
+              <a:rPr lang="de-DE"/>
               <a:t>Dritte Ebene</a:t>
             </a:r>
           </a:p>
           <a:p>
             <a:pPr lvl="3"/>
             <a:r>
-              <a:rPr lang="de-DE" smtClean="0"/>
+              <a:rPr lang="de-DE"/>
               <a:t>Vierte Ebene</a:t>
             </a:r>
           </a:p>
           <a:p>
             <a:pPr lvl="4"/>
             <a:r>
-              <a:rPr lang="de-DE" smtClean="0"/>
+              <a:rPr lang="de-DE"/>
               <a:t>Fünfte Ebene</a:t>
             </a:r>
             <a:endParaRPr lang="en-US" dirty="0"/>
@@ -17297,7 +20676,7 @@
           <a:p>
             <a:fld id="{33BD4983-5500-40CF-B399-FB93C20B7603}" type="datetimeFigureOut">
               <a:rPr lang="de-DE" smtClean="0"/>
-              <a:t>21.02.2018</a:t>
+              <a:t>22.02.2018</a:t>
             </a:fld>
             <a:endParaRPr lang="de-DE"/>
           </a:p>
@@ -17396,7 +20775,7 @@
           <a:lstStyle/>
           <a:p>
             <a:r>
-              <a:rPr lang="de-DE" smtClean="0"/>
+              <a:rPr lang="de-DE"/>
               <a:t>Titelmasterformat durch Klicken bearbeiten</a:t>
             </a:r>
             <a:endParaRPr lang="en-US" dirty="0"/>
@@ -17462,7 +20841,7 @@
           <a:p>
             <a:pPr lvl="0"/>
             <a:r>
-              <a:rPr lang="de-DE" smtClean="0"/>
+              <a:rPr lang="de-DE"/>
               <a:t>Textmasterformat bearbeiten</a:t>
             </a:r>
           </a:p>
@@ -17490,35 +20869,35 @@
           <a:p>
             <a:pPr lvl="0"/>
             <a:r>
-              <a:rPr lang="de-DE" smtClean="0"/>
+              <a:rPr lang="de-DE"/>
               <a:t>Textmasterformat bearbeiten</a:t>
             </a:r>
           </a:p>
           <a:p>
             <a:pPr lvl="1"/>
             <a:r>
-              <a:rPr lang="de-DE" smtClean="0"/>
+              <a:rPr lang="de-DE"/>
               <a:t>Zweite Ebene</a:t>
             </a:r>
           </a:p>
           <a:p>
             <a:pPr lvl="2"/>
             <a:r>
-              <a:rPr lang="de-DE" smtClean="0"/>
+              <a:rPr lang="de-DE"/>
               <a:t>Dritte Ebene</a:t>
             </a:r>
           </a:p>
           <a:p>
             <a:pPr lvl="3"/>
             <a:r>
-              <a:rPr lang="de-DE" smtClean="0"/>
+              <a:rPr lang="de-DE"/>
               <a:t>Vierte Ebene</a:t>
             </a:r>
           </a:p>
           <a:p>
             <a:pPr lvl="4"/>
             <a:r>
-              <a:rPr lang="de-DE" smtClean="0"/>
+              <a:rPr lang="de-DE"/>
               <a:t>Fünfte Ebene</a:t>
             </a:r>
             <a:endParaRPr lang="en-US" dirty="0"/>
@@ -17584,7 +20963,7 @@
           <a:p>
             <a:pPr lvl="0"/>
             <a:r>
-              <a:rPr lang="de-DE" smtClean="0"/>
+              <a:rPr lang="de-DE"/>
               <a:t>Textmasterformat bearbeiten</a:t>
             </a:r>
           </a:p>
@@ -17612,35 +20991,35 @@
           <a:p>
             <a:pPr lvl="0"/>
             <a:r>
-              <a:rPr lang="de-DE" smtClean="0"/>
+              <a:rPr lang="de-DE"/>
               <a:t>Textmasterformat bearbeiten</a:t>
             </a:r>
           </a:p>
           <a:p>
             <a:pPr lvl="1"/>
             <a:r>
-              <a:rPr lang="de-DE" smtClean="0"/>
+              <a:rPr lang="de-DE"/>
               <a:t>Zweite Ebene</a:t>
             </a:r>
           </a:p>
           <a:p>
             <a:pPr lvl="2"/>
             <a:r>
-              <a:rPr lang="de-DE" smtClean="0"/>
+              <a:rPr lang="de-DE"/>
               <a:t>Dritte Ebene</a:t>
             </a:r>
           </a:p>
           <a:p>
             <a:pPr lvl="3"/>
             <a:r>
-              <a:rPr lang="de-DE" smtClean="0"/>
+              <a:rPr lang="de-DE"/>
               <a:t>Vierte Ebene</a:t>
             </a:r>
           </a:p>
           <a:p>
             <a:pPr lvl="4"/>
             <a:r>
-              <a:rPr lang="de-DE" smtClean="0"/>
+              <a:rPr lang="de-DE"/>
               <a:t>Fünfte Ebene</a:t>
             </a:r>
             <a:endParaRPr lang="en-US" dirty="0"/>
@@ -17664,7 +21043,7 @@
           <a:p>
             <a:fld id="{33BD4983-5500-40CF-B399-FB93C20B7603}" type="datetimeFigureOut">
               <a:rPr lang="de-DE" smtClean="0"/>
-              <a:t>21.02.2018</a:t>
+              <a:t>22.02.2018</a:t>
             </a:fld>
             <a:endParaRPr lang="de-DE"/>
           </a:p>
@@ -17758,7 +21137,7 @@
           <a:lstStyle/>
           <a:p>
             <a:r>
-              <a:rPr lang="de-DE" smtClean="0"/>
+              <a:rPr lang="de-DE"/>
               <a:t>Titelmasterformat durch Klicken bearbeiten</a:t>
             </a:r>
             <a:endParaRPr lang="en-US" dirty="0"/>
@@ -17782,7 +21161,7 @@
           <a:p>
             <a:fld id="{33BD4983-5500-40CF-B399-FB93C20B7603}" type="datetimeFigureOut">
               <a:rPr lang="de-DE" smtClean="0"/>
-              <a:t>21.02.2018</a:t>
+              <a:t>22.02.2018</a:t>
             </a:fld>
             <a:endParaRPr lang="de-DE"/>
           </a:p>
@@ -17877,7 +21256,7 @@
           <a:p>
             <a:fld id="{33BD4983-5500-40CF-B399-FB93C20B7603}" type="datetimeFigureOut">
               <a:rPr lang="de-DE" smtClean="0"/>
-              <a:t>21.02.2018</a:t>
+              <a:t>22.02.2018</a:t>
             </a:fld>
             <a:endParaRPr lang="de-DE"/>
           </a:p>
@@ -17980,7 +21359,7 @@
           </a:lstStyle>
           <a:p>
             <a:r>
-              <a:rPr lang="de-DE" smtClean="0"/>
+              <a:rPr lang="de-DE"/>
               <a:t>Titelmasterformat durch Klicken bearbeiten</a:t>
             </a:r>
             <a:endParaRPr lang="en-US" dirty="0"/>
@@ -18037,35 +21416,35 @@
           <a:p>
             <a:pPr lvl="0"/>
             <a:r>
-              <a:rPr lang="de-DE" smtClean="0"/>
+              <a:rPr lang="de-DE"/>
               <a:t>Textmasterformat bearbeiten</a:t>
             </a:r>
           </a:p>
           <a:p>
             <a:pPr lvl="1"/>
             <a:r>
-              <a:rPr lang="de-DE" smtClean="0"/>
+              <a:rPr lang="de-DE"/>
               <a:t>Zweite Ebene</a:t>
             </a:r>
           </a:p>
           <a:p>
             <a:pPr lvl="2"/>
             <a:r>
-              <a:rPr lang="de-DE" smtClean="0"/>
+              <a:rPr lang="de-DE"/>
               <a:t>Dritte Ebene</a:t>
             </a:r>
           </a:p>
           <a:p>
             <a:pPr lvl="3"/>
             <a:r>
-              <a:rPr lang="de-DE" smtClean="0"/>
+              <a:rPr lang="de-DE"/>
               <a:t>Vierte Ebene</a:t>
             </a:r>
           </a:p>
           <a:p>
             <a:pPr lvl="4"/>
             <a:r>
-              <a:rPr lang="de-DE" smtClean="0"/>
+              <a:rPr lang="de-DE"/>
               <a:t>Fünfte Ebene</a:t>
             </a:r>
             <a:endParaRPr lang="en-US" dirty="0"/>
@@ -18131,7 +21510,7 @@
           <a:p>
             <a:pPr lvl="0"/>
             <a:r>
-              <a:rPr lang="de-DE" smtClean="0"/>
+              <a:rPr lang="de-DE"/>
               <a:t>Textmasterformat bearbeiten</a:t>
             </a:r>
           </a:p>
@@ -18154,7 +21533,7 @@
           <a:p>
             <a:fld id="{33BD4983-5500-40CF-B399-FB93C20B7603}" type="datetimeFigureOut">
               <a:rPr lang="de-DE" smtClean="0"/>
-              <a:t>21.02.2018</a:t>
+              <a:t>22.02.2018</a:t>
             </a:fld>
             <a:endParaRPr lang="de-DE"/>
           </a:p>
@@ -18257,7 +21636,7 @@
           </a:lstStyle>
           <a:p>
             <a:r>
-              <a:rPr lang="de-DE" smtClean="0"/>
+              <a:rPr lang="de-DE"/>
               <a:t>Titelmasterformat durch Klicken bearbeiten</a:t>
             </a:r>
             <a:endParaRPr lang="en-US" dirty="0"/>
@@ -18322,7 +21701,7 @@
           </a:lstStyle>
           <a:p>
             <a:r>
-              <a:rPr lang="de-DE" smtClean="0"/>
+              <a:rPr lang="de-DE"/>
               <a:t>Bild durch Klicken auf Symbol hinzufügen</a:t>
             </a:r>
             <a:endParaRPr lang="en-US" dirty="0"/>
@@ -18388,7 +21767,7 @@
           <a:p>
             <a:pPr lvl="0"/>
             <a:r>
-              <a:rPr lang="de-DE" smtClean="0"/>
+              <a:rPr lang="de-DE"/>
               <a:t>Textmasterformat bearbeiten</a:t>
             </a:r>
           </a:p>
@@ -18411,7 +21790,7 @@
           <a:p>
             <a:fld id="{33BD4983-5500-40CF-B399-FB93C20B7603}" type="datetimeFigureOut">
               <a:rPr lang="de-DE" smtClean="0"/>
-              <a:t>21.02.2018</a:t>
+              <a:t>22.02.2018</a:t>
             </a:fld>
             <a:endParaRPr lang="de-DE"/>
           </a:p>
@@ -18520,7 +21899,7 @@
           <a:lstStyle/>
           <a:p>
             <a:r>
-              <a:rPr lang="de-DE" smtClean="0"/>
+              <a:rPr lang="de-DE"/>
               <a:t>Titelmasterformat durch Klicken bearbeiten</a:t>
             </a:r>
             <a:endParaRPr lang="en-US" dirty="0"/>
@@ -18554,35 +21933,35 @@
           <a:p>
             <a:pPr lvl="0"/>
             <a:r>
-              <a:rPr lang="de-DE" smtClean="0"/>
+              <a:rPr lang="de-DE"/>
               <a:t>Textmasterformat bearbeiten</a:t>
             </a:r>
           </a:p>
           <a:p>
             <a:pPr lvl="1"/>
             <a:r>
-              <a:rPr lang="de-DE" smtClean="0"/>
+              <a:rPr lang="de-DE"/>
               <a:t>Zweite Ebene</a:t>
             </a:r>
           </a:p>
           <a:p>
             <a:pPr lvl="2"/>
             <a:r>
-              <a:rPr lang="de-DE" smtClean="0"/>
+              <a:rPr lang="de-DE"/>
               <a:t>Dritte Ebene</a:t>
             </a:r>
           </a:p>
           <a:p>
             <a:pPr lvl="3"/>
             <a:r>
-              <a:rPr lang="de-DE" smtClean="0"/>
+              <a:rPr lang="de-DE"/>
               <a:t>Vierte Ebene</a:t>
             </a:r>
           </a:p>
           <a:p>
             <a:pPr lvl="4"/>
             <a:r>
-              <a:rPr lang="de-DE" smtClean="0"/>
+              <a:rPr lang="de-DE"/>
               <a:t>Fünfte Ebene</a:t>
             </a:r>
             <a:endParaRPr lang="en-US" dirty="0"/>
@@ -18624,7 +22003,7 @@
           <a:p>
             <a:fld id="{33BD4983-5500-40CF-B399-FB93C20B7603}" type="datetimeFigureOut">
               <a:rPr lang="de-DE" smtClean="0"/>
-              <a:t>21.02.2018</a:t>
+              <a:t>22.02.2018</a:t>
             </a:fld>
             <a:endParaRPr lang="de-DE"/>
           </a:p>
@@ -19053,79 +22432,79 @@
           <a:p>
             <a:pPr algn="ctr"/>
             <a:r>
-              <a:rPr lang="de-DE" sz="3600" b="1" dirty="0" err="1" smtClean="0"/>
+              <a:rPr lang="de-DE" sz="3600" b="1" dirty="0" err="1"/>
               <a:t>Conception</a:t>
             </a:r>
             <a:r>
-              <a:rPr lang="de-DE" sz="3600" b="1" dirty="0" smtClean="0"/>
+              <a:rPr lang="de-DE" sz="3600" b="1" dirty="0"/>
               <a:t> </a:t>
             </a:r>
             <a:r>
-              <a:rPr lang="de-DE" sz="3600" b="1" dirty="0" err="1" smtClean="0"/>
+              <a:rPr lang="de-DE" sz="3600" b="1" dirty="0" err="1"/>
               <a:t>and</a:t>
             </a:r>
             <a:r>
-              <a:rPr lang="de-DE" sz="3600" b="1" dirty="0" smtClean="0"/>
+              <a:rPr lang="de-DE" sz="3600" b="1" dirty="0"/>
               <a:t> </a:t>
             </a:r>
             <a:r>
-              <a:rPr lang="de-DE" sz="3600" b="1" dirty="0" err="1" smtClean="0"/>
+              <a:rPr lang="de-DE" sz="3600" b="1" dirty="0" err="1"/>
               <a:t>implementation</a:t>
             </a:r>
             <a:r>
-              <a:rPr lang="de-DE" sz="3600" b="1" dirty="0" smtClean="0"/>
+              <a:rPr lang="de-DE" sz="3600" b="1" dirty="0"/>
               <a:t> </a:t>
             </a:r>
             <a:r>
-              <a:rPr lang="de-DE" sz="3600" b="1" dirty="0" err="1" smtClean="0"/>
+              <a:rPr lang="de-DE" sz="3600" b="1" dirty="0" err="1"/>
               <a:t>of</a:t>
             </a:r>
             <a:r>
-              <a:rPr lang="de-DE" sz="3600" b="1" dirty="0" smtClean="0"/>
+              <a:rPr lang="de-DE" sz="3600" b="1" dirty="0"/>
               <a:t>  a </a:t>
             </a:r>
             <a:r>
-              <a:rPr lang="de-DE" sz="3600" b="1" dirty="0" err="1" smtClean="0"/>
+              <a:rPr lang="de-DE" sz="3600" b="1" dirty="0" err="1"/>
               <a:t>cloud-based</a:t>
             </a:r>
             <a:r>
-              <a:rPr lang="de-DE" sz="3600" b="1" dirty="0" smtClean="0"/>
+              <a:rPr lang="de-DE" sz="3600" b="1" dirty="0"/>
               <a:t>  </a:t>
             </a:r>
             <a:r>
-              <a:rPr lang="de-DE" sz="3600" b="1" dirty="0" err="1" smtClean="0"/>
+              <a:rPr lang="de-DE" sz="3600" b="1" dirty="0" err="1"/>
               <a:t>platform</a:t>
             </a:r>
             <a:r>
-              <a:rPr lang="de-DE" sz="3600" b="1" dirty="0" smtClean="0"/>
+              <a:rPr lang="de-DE" sz="3600" b="1" dirty="0"/>
               <a:t> </a:t>
             </a:r>
             <a:r>
-              <a:rPr lang="de-DE" sz="3600" b="1" dirty="0" err="1" smtClean="0"/>
+              <a:rPr lang="de-DE" sz="3600" b="1" dirty="0" err="1"/>
               <a:t>for</a:t>
             </a:r>
             <a:r>
-              <a:rPr lang="de-DE" sz="3600" b="1" dirty="0" smtClean="0"/>
+              <a:rPr lang="de-DE" sz="3600" b="1" dirty="0"/>
               <a:t> </a:t>
             </a:r>
             <a:r>
-              <a:rPr lang="de-DE" sz="3600" b="1" dirty="0" err="1" smtClean="0"/>
+              <a:rPr lang="de-DE" sz="3600" b="1" dirty="0" err="1"/>
               <a:t>generic</a:t>
             </a:r>
             <a:r>
-              <a:rPr lang="de-DE" sz="3600" b="1" dirty="0" smtClean="0"/>
+              <a:rPr lang="de-DE" sz="3600" b="1" dirty="0"/>
               <a:t> </a:t>
             </a:r>
             <a:r>
-              <a:rPr lang="de-DE" sz="3600" b="1" dirty="0" err="1" smtClean="0"/>
+              <a:rPr lang="de-DE" sz="3600" b="1" dirty="0" err="1"/>
               <a:t>data</a:t>
             </a:r>
             <a:r>
-              <a:rPr lang="de-DE" sz="3600" b="1" dirty="0" smtClean="0"/>
+              <a:rPr lang="de-DE" sz="3600" b="1" dirty="0"/>
               <a:t> </a:t>
             </a:r>
             <a:r>
-              <a:rPr lang="de-DE" sz="3600" b="1" dirty="0" err="1" smtClean="0"/>
+              <a:rPr lang="de-DE" sz="3600" b="1" dirty="0" err="1"/>
               <a:t>analysis</a:t>
             </a:r>
             <a:r>
@@ -19133,23 +22512,23 @@
               <a:t> </a:t>
             </a:r>
             <a:r>
-              <a:rPr lang="de-DE" sz="3600" b="1" dirty="0" err="1" smtClean="0"/>
+              <a:rPr lang="de-DE" sz="3600" b="1" dirty="0" err="1"/>
               <a:t>and</a:t>
             </a:r>
             <a:r>
-              <a:rPr lang="de-DE" sz="3600" b="1" dirty="0" smtClean="0"/>
+              <a:rPr lang="de-DE" sz="3600" b="1" dirty="0"/>
               <a:t> </a:t>
             </a:r>
             <a:r>
-              <a:rPr lang="de-DE" sz="3600" b="1" dirty="0" err="1" smtClean="0"/>
+              <a:rPr lang="de-DE" sz="3600" b="1" dirty="0" err="1"/>
               <a:t>data</a:t>
             </a:r>
             <a:r>
-              <a:rPr lang="de-DE" sz="3600" b="1" dirty="0" smtClean="0"/>
+              <a:rPr lang="de-DE" sz="3600" b="1" dirty="0"/>
               <a:t> </a:t>
             </a:r>
             <a:r>
-              <a:rPr lang="de-DE" sz="3600" b="1" dirty="0" err="1" smtClean="0"/>
+              <a:rPr lang="de-DE" sz="3600" b="1" dirty="0" err="1"/>
               <a:t>visualization</a:t>
             </a:r>
             <a:endParaRPr lang="en-GB" sz="3600" b="1" dirty="0"/>
@@ -19244,34 +22623,29 @@
           <a:p>
             <a:pPr algn="ctr"/>
             <a:r>
-              <a:rPr lang="en-GB" sz="2400" b="1" dirty="0" smtClean="0"/>
+              <a:rPr lang="en-GB" sz="2400" b="1" dirty="0"/>
               <a:t>Student: </a:t>
             </a:r>
             <a:r>
-              <a:rPr lang="en-GB" sz="2400" dirty="0" smtClean="0"/>
-              <a:t>Markus Just </a:t>
+              <a:rPr lang="en-GB" sz="2400" dirty="0"/>
+              <a:t>Markus Just | </a:t>
             </a:r>
             <a:r>
-              <a:rPr lang="en-GB" sz="2400" dirty="0" smtClean="0"/>
-              <a:t>| </a:t>
-            </a:r>
-            <a:r>
-              <a:rPr lang="en-GB" sz="2400" b="1" dirty="0" smtClean="0"/>
+              <a:rPr lang="en-GB" sz="2400" b="1" dirty="0"/>
               <a:t>Course:</a:t>
             </a:r>
             <a:r>
-              <a:rPr lang="en-GB" sz="2400" dirty="0" smtClean="0"/>
+              <a:rPr lang="en-GB" sz="2400" dirty="0"/>
               <a:t> Distributed Computing Systems Engineering | </a:t>
             </a:r>
             <a:r>
-              <a:rPr lang="en-GB" sz="2400" b="1" dirty="0" smtClean="0"/>
+              <a:rPr lang="en-GB" sz="2400" b="1" dirty="0"/>
               <a:t>Supervisor:</a:t>
             </a:r>
             <a:r>
-              <a:rPr lang="en-GB" sz="2400" dirty="0" smtClean="0"/>
+              <a:rPr lang="en-GB" sz="2400" dirty="0"/>
               <a:t> Alireza Mousavi</a:t>
             </a:r>
-            <a:endParaRPr lang="en-GB" sz="2400" dirty="0"/>
           </a:p>
         </p:txBody>
       </p:sp>
@@ -19350,18 +22724,13 @@
           <a:p>
             <a:pPr algn="ctr"/>
             <a:r>
-              <a:rPr lang="en-GB" dirty="0" smtClean="0">
+              <a:rPr lang="en-GB" dirty="0">
                 <a:solidFill>
                   <a:schemeClr val="bg1"/>
                 </a:solidFill>
               </a:rPr>
               <a:t>Background</a:t>
             </a:r>
-            <a:endParaRPr lang="en-GB" dirty="0">
-              <a:solidFill>
-                <a:schemeClr val="bg1"/>
-              </a:solidFill>
-            </a:endParaRPr>
           </a:p>
         </p:txBody>
       </p:sp>
@@ -19405,18 +22774,13 @@
           <a:p>
             <a:pPr algn="ctr"/>
             <a:r>
-              <a:rPr lang="en-GB" dirty="0" smtClean="0">
+              <a:rPr lang="en-GB" dirty="0">
                 <a:solidFill>
                   <a:schemeClr val="bg1"/>
                 </a:solidFill>
               </a:rPr>
               <a:t>Aims and Objectives</a:t>
             </a:r>
-            <a:endParaRPr lang="en-GB" dirty="0">
-              <a:solidFill>
-                <a:schemeClr val="bg1"/>
-              </a:solidFill>
-            </a:endParaRPr>
           </a:p>
         </p:txBody>
       </p:sp>
@@ -19460,18 +22824,13 @@
           <a:p>
             <a:pPr algn="ctr"/>
             <a:r>
-              <a:rPr lang="en-GB" dirty="0" smtClean="0">
+              <a:rPr lang="en-GB" dirty="0">
                 <a:solidFill>
                   <a:schemeClr val="bg1"/>
                 </a:solidFill>
               </a:rPr>
               <a:t>Methodology and experimental work</a:t>
             </a:r>
-            <a:endParaRPr lang="en-GB" dirty="0">
-              <a:solidFill>
-                <a:schemeClr val="bg1"/>
-              </a:solidFill>
-            </a:endParaRPr>
           </a:p>
         </p:txBody>
       </p:sp>
@@ -19515,18 +22874,13 @@
           <a:p>
             <a:pPr algn="ctr"/>
             <a:r>
-              <a:rPr lang="en-GB" dirty="0" smtClean="0">
+              <a:rPr lang="en-GB" dirty="0">
                 <a:solidFill>
                   <a:schemeClr val="bg1"/>
                 </a:solidFill>
               </a:rPr>
               <a:t>Future Work and Project Plan</a:t>
             </a:r>
-            <a:endParaRPr lang="en-GB" dirty="0">
-              <a:solidFill>
-                <a:schemeClr val="bg1"/>
-              </a:solidFill>
-            </a:endParaRPr>
           </a:p>
         </p:txBody>
       </p:sp>
@@ -19581,7 +22935,7 @@
           <p:nvPr>
             <p:extLst>
               <p:ext uri="{D42A27DB-BD31-4B8C-83A1-F6EECF244321}">
-                <p14:modId xmlns:p14="http://schemas.microsoft.com/office/powerpoint/2010/main" val="3243396913"/>
+                <p14:modId xmlns:p14="http://schemas.microsoft.com/office/powerpoint/2010/main" val="2610207040"/>
               </p:ext>
             </p:extLst>
           </p:nvPr>
@@ -19682,10 +23036,9 @@
               <a:buChar char="•"/>
             </a:pPr>
             <a:r>
-              <a:rPr lang="en-GB" sz="3000" dirty="0" smtClean="0"/>
+              <a:rPr lang="en-GB" sz="3000" dirty="0"/>
               <a:t>Data simulation and sample data</a:t>
             </a:r>
-            <a:endParaRPr lang="en-GB" sz="3000" dirty="0" smtClean="0"/>
           </a:p>
           <a:p>
             <a:pPr marL="457200" indent="-457200">
@@ -19693,7 +23046,7 @@
               <a:buChar char="•"/>
             </a:pPr>
             <a:r>
-              <a:rPr lang="en-GB" sz="3000" dirty="0" smtClean="0"/>
+              <a:rPr lang="en-GB" sz="3000" dirty="0"/>
               <a:t>Data models</a:t>
             </a:r>
           </a:p>
@@ -19703,14 +23056,14 @@
               <a:buChar char="•"/>
             </a:pPr>
             <a:r>
-              <a:rPr lang="de-DE" sz="3000" dirty="0" smtClean="0"/>
+              <a:rPr lang="de-DE" sz="3000" dirty="0"/>
               <a:t>Mock-</a:t>
             </a:r>
             <a:r>
-              <a:rPr lang="de-DE" sz="3000" dirty="0" err="1" smtClean="0"/>
+              <a:rPr lang="de-DE" sz="3000" dirty="0" err="1"/>
               <a:t>Ups</a:t>
             </a:r>
-            <a:endParaRPr lang="de-DE" sz="3000" dirty="0" smtClean="0"/>
+            <a:endParaRPr lang="de-DE" sz="3000" dirty="0"/>
           </a:p>
           <a:p>
             <a:pPr marL="457200" indent="-457200">
@@ -19718,21 +23071,21 @@
               <a:buChar char="•"/>
             </a:pPr>
             <a:r>
-              <a:rPr lang="de-DE" sz="3000" dirty="0" smtClean="0"/>
+              <a:rPr lang="de-DE" sz="3000" dirty="0"/>
               <a:t>User </a:t>
             </a:r>
             <a:r>
-              <a:rPr lang="de-DE" sz="3000" dirty="0" err="1" smtClean="0"/>
+              <a:rPr lang="de-DE" sz="3000" dirty="0" err="1"/>
               <a:t>feedback</a:t>
             </a:r>
-            <a:endParaRPr lang="en-GB" sz="3000" dirty="0" smtClean="0"/>
+            <a:endParaRPr lang="en-GB" sz="3000" dirty="0"/>
           </a:p>
           <a:p>
             <a:pPr marL="457200" indent="-457200">
               <a:buFont typeface="Arial" panose="020B0604020202020204" pitchFamily="34" charset="0"/>
               <a:buChar char="•"/>
             </a:pPr>
-            <a:endParaRPr lang="en-GB" sz="3000" dirty="0" smtClean="0"/>
+            <a:endParaRPr lang="en-GB" sz="3000" dirty="0"/>
           </a:p>
         </p:txBody>
       </p:sp>
@@ -19820,14 +23173,9 @@
               <a:buChar char="•"/>
             </a:pPr>
             <a:r>
-              <a:rPr lang="en-GB" sz="3000" dirty="0" smtClean="0"/>
-              <a:t>Improve overall </a:t>
+              <a:rPr lang="en-GB" sz="3000" dirty="0"/>
+              <a:t>Improve overall resilience in the WWTP</a:t>
             </a:r>
-            <a:r>
-              <a:rPr lang="en-GB" sz="3000" dirty="0" smtClean="0"/>
-              <a:t>resilience in the WWTP</a:t>
-            </a:r>
-            <a:endParaRPr lang="en-GB" sz="3000" dirty="0" smtClean="0"/>
           </a:p>
           <a:p>
             <a:pPr marL="457200" indent="-457200">
@@ -19835,10 +23183,9 @@
               <a:buChar char="•"/>
             </a:pPr>
             <a:r>
-              <a:rPr lang="en-GB" sz="3000" dirty="0" smtClean="0"/>
+              <a:rPr lang="en-GB" sz="3000" dirty="0"/>
               <a:t>Identify relations between different aspects</a:t>
             </a:r>
-            <a:endParaRPr lang="en-GB" sz="3000" dirty="0" smtClean="0"/>
           </a:p>
           <a:p>
             <a:pPr marL="457200" indent="-457200">
@@ -19846,18 +23193,9 @@
               <a:buChar char="•"/>
             </a:pPr>
             <a:r>
-              <a:rPr lang="en-GB" sz="3000" dirty="0" smtClean="0"/>
-              <a:t>Develop a reusable cloud service</a:t>
+              <a:rPr lang="en-GB" sz="3000" dirty="0"/>
+              <a:t>Develop a reusable cloud service which is use case independent</a:t>
             </a:r>
-            <a:r>
-              <a:rPr lang="en-GB" sz="3000" dirty="0"/>
-              <a:t> </a:t>
-            </a:r>
-            <a:r>
-              <a:rPr lang="en-GB" sz="3000" dirty="0" smtClean="0"/>
-              <a:t>which is use case independent</a:t>
-            </a:r>
-            <a:endParaRPr lang="en-GB" sz="3000" dirty="0" smtClean="0"/>
           </a:p>
           <a:p>
             <a:pPr marL="457200" indent="-457200">
@@ -19865,14 +23203,9 @@
               <a:buChar char="•"/>
             </a:pPr>
             <a:r>
-              <a:rPr lang="en-GB" sz="3000" dirty="0" smtClean="0"/>
-              <a:t>Enable report mechanism for </a:t>
+              <a:rPr lang="en-GB" sz="3000" dirty="0"/>
+              <a:t>Enable report mechanism for different abstraction levels</a:t>
             </a:r>
-            <a:r>
-              <a:rPr lang="en-GB" sz="3000" dirty="0" smtClean="0"/>
-              <a:t>different abstraction levels</a:t>
-            </a:r>
-            <a:endParaRPr lang="en-GB" sz="3000" dirty="0" smtClean="0"/>
           </a:p>
           <a:p>
             <a:pPr marL="457200" indent="-457200">
@@ -19926,10 +23259,9 @@
           <a:p>
             <a:pPr algn="ctr"/>
             <a:r>
-              <a:rPr lang="en-GB" sz="2800" dirty="0" smtClean="0"/>
+              <a:rPr lang="en-GB" sz="2800" dirty="0"/>
               <a:t>Engineering level</a:t>
             </a:r>
-            <a:endParaRPr lang="en-GB" sz="2800" dirty="0"/>
           </a:p>
         </p:txBody>
       </p:sp>
@@ -19976,10 +23308,9 @@
           <a:p>
             <a:pPr algn="ctr"/>
             <a:r>
-              <a:rPr lang="en-GB" sz="2800" dirty="0" smtClean="0"/>
+              <a:rPr lang="en-GB" sz="2800" dirty="0"/>
               <a:t>Strategic Level</a:t>
             </a:r>
-            <a:endParaRPr lang="en-GB" sz="2800" dirty="0"/>
           </a:p>
         </p:txBody>
       </p:sp>
@@ -20085,7 +23416,7 @@
           <a:lstStyle/>
           <a:p>
             <a:r>
-              <a:rPr lang="de-DE" sz="2800" dirty="0" smtClean="0"/>
+              <a:rPr lang="de-DE" sz="2800" dirty="0"/>
               <a:t>          Create individual web-view</a:t>
             </a:r>
             <a:endParaRPr lang="en-GB" sz="2800" dirty="0"/>
@@ -20195,8 +23526,8 @@
         </p:blipFill>
         <p:spPr bwMode="auto">
           <a:xfrm>
-            <a:off x="7995986" y="19349969"/>
-            <a:ext cx="6602180" cy="1762125"/>
+            <a:off x="7995985" y="19349969"/>
+            <a:ext cx="6722245" cy="1762125"/>
           </a:xfrm>
           <a:prstGeom prst="rect">
             <a:avLst/>
@@ -20226,6 +23557,187 @@
           </a:extLst>
         </p:spPr>
       </p:pic>
+      <p:pic>
+        <p:nvPicPr>
+          <p:cNvPr id="30" name="Grafik 29">
+            <a:extLst>
+              <a:ext uri="{FF2B5EF4-FFF2-40B4-BE49-F238E27FC236}">
+                <a16:creationId xmlns:a16="http://schemas.microsoft.com/office/drawing/2014/main" id="{69D036CB-F31C-46B8-9C06-F0B344E80BCE}"/>
+              </a:ext>
+            </a:extLst>
+          </p:cNvPr>
+          <p:cNvPicPr/>
+          <p:nvPr/>
+        </p:nvPicPr>
+        <p:blipFill>
+          <a:blip r:embed="rId32"/>
+          <a:stretch>
+            <a:fillRect/>
+          </a:stretch>
+        </p:blipFill>
+        <p:spPr>
+          <a:xfrm>
+            <a:off x="711200" y="17178068"/>
+            <a:ext cx="4946378" cy="2436495"/>
+          </a:xfrm>
+          <a:prstGeom prst="rect">
+            <a:avLst/>
+          </a:prstGeom>
+        </p:spPr>
+      </p:pic>
+      <p:cxnSp>
+        <p:nvCxnSpPr>
+          <p:cNvPr id="8" name="Gerader Verbinder 7">
+            <a:extLst>
+              <a:ext uri="{FF2B5EF4-FFF2-40B4-BE49-F238E27FC236}">
+                <a16:creationId xmlns:a16="http://schemas.microsoft.com/office/drawing/2014/main" id="{704B4AF7-07BC-4A1B-901D-B0A3094E0E61}"/>
+              </a:ext>
+            </a:extLst>
+          </p:cNvPr>
+          <p:cNvCxnSpPr/>
+          <p:nvPr/>
+        </p:nvCxnSpPr>
+        <p:spPr>
+          <a:xfrm>
+            <a:off x="13439274" y="19349969"/>
+            <a:ext cx="0" cy="1837357"/>
+          </a:xfrm>
+          <a:prstGeom prst="line">
+            <a:avLst/>
+          </a:prstGeom>
+        </p:spPr>
+        <p:style>
+          <a:lnRef idx="1">
+            <a:schemeClr val="dk1"/>
+          </a:lnRef>
+          <a:fillRef idx="0">
+            <a:schemeClr val="dk1"/>
+          </a:fillRef>
+          <a:effectRef idx="0">
+            <a:schemeClr val="dk1"/>
+          </a:effectRef>
+          <a:fontRef idx="minor">
+            <a:schemeClr val="tx1"/>
+          </a:fontRef>
+        </p:style>
+      </p:cxnSp>
+      <p:sp>
+        <p:nvSpPr>
+          <p:cNvPr id="10" name="Textfeld 9">
+            <a:extLst>
+              <a:ext uri="{FF2B5EF4-FFF2-40B4-BE49-F238E27FC236}">
+                <a16:creationId xmlns:a16="http://schemas.microsoft.com/office/drawing/2014/main" id="{4663035A-3D7A-43C8-8F05-A3C7FF9A7551}"/>
+              </a:ext>
+            </a:extLst>
+          </p:cNvPr>
+          <p:cNvSpPr txBox="1"/>
+          <p:nvPr/>
+        </p:nvSpPr>
+        <p:spPr>
+          <a:xfrm>
+            <a:off x="11436003" y="18869344"/>
+            <a:ext cx="6079726" cy="400110"/>
+          </a:xfrm>
+          <a:prstGeom prst="rect">
+            <a:avLst/>
+          </a:prstGeom>
+          <a:noFill/>
+        </p:spPr>
+        <p:txBody>
+          <a:bodyPr wrap="square" rtlCol="0">
+            <a:spAutoFit/>
+          </a:bodyPr>
+          <a:lstStyle/>
+          <a:p>
+            <a:r>
+              <a:rPr lang="de-DE" sz="2000" dirty="0"/>
+              <a:t>Poster </a:t>
+            </a:r>
+            <a:r>
+              <a:rPr lang="de-DE" sz="2000" dirty="0" err="1"/>
+              <a:t>presentation</a:t>
+            </a:r>
+            <a:r>
+              <a:rPr lang="de-DE" sz="2000" dirty="0"/>
+              <a:t> (24.02.2018)</a:t>
+            </a:r>
+          </a:p>
+        </p:txBody>
+      </p:sp>
+      <p:graphicFrame>
+        <p:nvGraphicFramePr>
+          <p:cNvPr id="19" name="Diagramm 18">
+            <a:extLst>
+              <a:ext uri="{FF2B5EF4-FFF2-40B4-BE49-F238E27FC236}">
+                <a16:creationId xmlns:a16="http://schemas.microsoft.com/office/drawing/2014/main" id="{55C7E037-D7F6-486D-8729-B057D81C6EB7}"/>
+              </a:ext>
+            </a:extLst>
+          </p:cNvPr>
+          <p:cNvGraphicFramePr/>
+          <p:nvPr>
+            <p:extLst>
+              <p:ext uri="{D42A27DB-BD31-4B8C-83A1-F6EECF244321}">
+                <p14:modId xmlns:p14="http://schemas.microsoft.com/office/powerpoint/2010/main" val="3696206100"/>
+              </p:ext>
+            </p:extLst>
+          </p:nvPr>
+        </p:nvGraphicFramePr>
+        <p:xfrm>
+          <a:off x="8096382" y="15806355"/>
+          <a:ext cx="6501784" cy="2931045"/>
+        </p:xfrm>
+        <a:graphic>
+          <a:graphicData uri="http://schemas.openxmlformats.org/drawingml/2006/diagram">
+            <dgm:relIds xmlns:dgm="http://schemas.openxmlformats.org/drawingml/2006/diagram" xmlns:r="http://schemas.openxmlformats.org/officeDocument/2006/relationships" r:dm="rId33" r:lo="rId34" r:qs="rId35" r:cs="rId36"/>
+          </a:graphicData>
+        </a:graphic>
+      </p:graphicFrame>
+      <p:sp>
+        <p:nvSpPr>
+          <p:cNvPr id="20" name="Textfeld 19">
+            <a:extLst>
+              <a:ext uri="{FF2B5EF4-FFF2-40B4-BE49-F238E27FC236}">
+                <a16:creationId xmlns:a16="http://schemas.microsoft.com/office/drawing/2014/main" id="{7A823159-3926-41D0-A6B3-A1E69A9C2B3A}"/>
+              </a:ext>
+            </a:extLst>
+          </p:cNvPr>
+          <p:cNvSpPr txBox="1"/>
+          <p:nvPr/>
+        </p:nvSpPr>
+        <p:spPr>
+          <a:xfrm>
+            <a:off x="3996730" y="18292391"/>
+            <a:ext cx="3015198" cy="1153906"/>
+          </a:xfrm>
+          <a:prstGeom prst="rect">
+            <a:avLst/>
+          </a:prstGeom>
+          <a:noFill/>
+        </p:spPr>
+        <p:txBody>
+          <a:bodyPr wrap="square" rtlCol="0">
+            <a:spAutoFit/>
+          </a:bodyPr>
+          <a:lstStyle/>
+          <a:p>
+            <a:r>
+              <a:rPr lang="de-DE" dirty="0"/>
+              <a:t>Kontextview</a:t>
+            </a:r>
+          </a:p>
+          <a:p>
+            <a:r>
+              <a:rPr lang="de-DE" dirty="0"/>
+              <a:t>WWTP </a:t>
+            </a:r>
+            <a:r>
+              <a:rPr lang="de-DE" dirty="0" err="1"/>
+              <a:t>context</a:t>
+            </a:r>
+            <a:endParaRPr lang="de-DE" dirty="0"/>
+          </a:p>
+        </p:txBody>
+      </p:sp>
     </p:spTree>
     <p:extLst>
       <p:ext uri="{BB962C8B-B14F-4D97-AF65-F5344CB8AC3E}">
@@ -20236,13 +23748,6 @@
   <p:clrMapOvr>
     <a:masterClrMapping/>
   </p:clrMapOvr>
-  <p:timing>
-    <p:tnLst>
-      <p:par>
-        <p:cTn id="1" dur="indefinite" restart="never" nodeType="tmRoot"/>
-      </p:par>
-    </p:tnLst>
-  </p:timing>
 </p:sld>
 </file>
 
@@ -20501,7 +24006,7 @@
   <a:extraClrSchemeLst/>
   <a:extLst>
     <a:ext uri="{05A4C25C-085E-4340-85A3-A5531E510DB2}">
-      <thm15:themeFamily xmlns="" xmlns:thm15="http://schemas.microsoft.com/office/thememl/2012/main" name="Office Theme" id="{62F939B6-93AF-4DB8-9C6B-D6C7DFDC589F}" vid="{4A3C46E8-61CC-4603-A589-7422A47A8E4A}"/>
+      <thm15:themeFamily xmlns:thm15="http://schemas.microsoft.com/office/thememl/2012/main" name="Office Theme" id="{62F939B6-93AF-4DB8-9C6B-D6C7DFDC589F}" vid="{4A3C46E8-61CC-4603-A589-7422A47A8E4A}"/>
     </a:ext>
   </a:extLst>
 </a:theme>
